--- a/BeforeStart/아이디어톤.pptx
+++ b/BeforeStart/아이디어톤.pptx
@@ -214,7 +214,7 @@
           <a:p>
             <a:fld id="{9DD72BBB-870D-4CCA-8C14-D97EA00E10F0}" type="datetimeFigureOut">
               <a:rPr lang="ko-KR" altLang="en-US" smtClean="0"/>
-              <a:t>2023-05-10</a:t>
+              <a:t>2023-05-15</a:t>
             </a:fld>
             <a:endParaRPr lang="ko-KR" altLang="en-US"/>
           </a:p>
@@ -13522,14 +13522,14 @@
           <p:nvPr>
             <p:extLst>
               <p:ext uri="{D42A27DB-BD31-4B8C-83A1-F6EECF244321}">
-                <p14:modId xmlns:p14="http://schemas.microsoft.com/office/powerpoint/2010/main" val="918136047"/>
+                <p14:modId xmlns:p14="http://schemas.microsoft.com/office/powerpoint/2010/main" val="1374469276"/>
               </p:ext>
             </p:extLst>
           </p:nvPr>
         </p:nvGraphicFramePr>
         <p:xfrm>
           <a:off x="1478004" y="822122"/>
-          <a:ext cx="9148818" cy="5496212"/>
+          <a:ext cx="9148818" cy="6143199"/>
         </p:xfrm>
         <a:graphic>
           <a:graphicData uri="http://schemas.openxmlformats.org/drawingml/2006/table">
@@ -14279,7 +14279,13 @@
                         <a:rPr lang="en-US" sz="1000" u="none" strike="noStrike" dirty="0">
                           <a:effectLst/>
                         </a:rPr>
-                        <a:t>/users/login-user</a:t>
+                        <a:t>/</a:t>
+                      </a:r>
+                      <a:r>
+                        <a:rPr lang="en-US" sz="1000" u="none" strike="noStrike" dirty="0" smtClean="0">
+                          <a:effectLst/>
+                        </a:rPr>
+                        <a:t>user/login</a:t>
                       </a:r>
                       <a:endParaRPr lang="en-US" sz="1000" b="0" i="0" u="none" strike="noStrike" dirty="0">
                         <a:solidFill>
@@ -14673,7 +14679,13 @@
                         <a:rPr lang="en-US" sz="1000" u="none" strike="noStrike" dirty="0">
                           <a:effectLst/>
                         </a:rPr>
-                        <a:t>/users/user</a:t>
+                        <a:t>/</a:t>
+                      </a:r>
+                      <a:r>
+                        <a:rPr lang="en-US" sz="1000" u="none" strike="noStrike" dirty="0" smtClean="0">
+                          <a:effectLst/>
+                        </a:rPr>
+                        <a:t>user/join</a:t>
                       </a:r>
                       <a:endParaRPr lang="en-US" sz="1000" b="0" i="0" u="none" strike="noStrike" dirty="0">
                         <a:solidFill>
@@ -14741,6 +14753,12 @@
                           <a:effectLst/>
                         </a:rPr>
                         <a:t>User</a:t>
+                      </a:r>
+                      <a:r>
+                        <a:rPr lang="en-US" sz="1000" b="1" u="none" strike="noStrike" dirty="0">
+                          <a:effectLst/>
+                        </a:rPr>
+                        <a:t/>
                       </a:r>
                       <a:br>
                         <a:rPr lang="en-US" sz="1000" b="1" u="none" strike="noStrike" dirty="0">
@@ -15090,7 +15108,13 @@
                         <a:rPr lang="en-US" sz="1000" u="none" strike="noStrike" dirty="0">
                           <a:effectLst/>
                         </a:rPr>
-                        <a:t>/users/user</a:t>
+                        <a:t>/</a:t>
+                      </a:r>
+                      <a:r>
+                        <a:rPr lang="en-US" sz="1000" u="none" strike="noStrike" dirty="0" smtClean="0">
+                          <a:effectLst/>
+                        </a:rPr>
+                        <a:t>user</a:t>
                       </a:r>
                       <a:endParaRPr lang="en-US" sz="1000" b="0" i="0" u="none" strike="noStrike" dirty="0">
                         <a:solidFill>
@@ -15158,6 +15182,12 @@
                           <a:effectLst/>
                         </a:rPr>
                         <a:t>User</a:t>
+                      </a:r>
+                      <a:r>
+                        <a:rPr lang="en-US" sz="1000" b="1" u="none" strike="noStrike" dirty="0">
+                          <a:effectLst/>
+                        </a:rPr>
+                        <a:t/>
                       </a:r>
                       <a:br>
                         <a:rPr lang="en-US" sz="1000" b="1" u="none" strike="noStrike" dirty="0">
@@ -15507,7 +15537,13 @@
                         <a:rPr lang="en-US" sz="1000" u="none" strike="noStrike" dirty="0">
                           <a:effectLst/>
                         </a:rPr>
-                        <a:t>/users/user/{</a:t>
+                        <a:t>/</a:t>
+                      </a:r>
+                      <a:r>
+                        <a:rPr lang="en-US" sz="1000" u="none" strike="noStrike" dirty="0" smtClean="0">
+                          <a:effectLst/>
+                        </a:rPr>
+                        <a:t>user/{</a:t>
                       </a:r>
                       <a:r>
                         <a:rPr lang="en-US" sz="1000" u="none" strike="noStrike" dirty="0" err="1">
@@ -15841,7 +15877,9 @@
                       <a:tailEnd type="none" w="med" len="med"/>
                     </a:lnB>
                     <a:solidFill>
-                      <a:schemeClr val="bg1"/>
+                      <a:schemeClr val="bg1">
+                        <a:lumMod val="85000"/>
+                      </a:schemeClr>
                     </a:solidFill>
                   </a:tcPr>
                 </a:tc>
@@ -15905,7 +15943,9 @@
                       <a:tailEnd type="none" w="med" len="med"/>
                     </a:lnB>
                     <a:solidFill>
-                      <a:schemeClr val="bg1"/>
+                      <a:schemeClr val="bg1">
+                        <a:lumMod val="85000"/>
+                      </a:schemeClr>
                     </a:solidFill>
                   </a:tcPr>
                 </a:tc>
@@ -15981,7 +16021,9 @@
                       <a:tailEnd type="none" w="med" len="med"/>
                     </a:lnB>
                     <a:solidFill>
-                      <a:schemeClr val="bg1"/>
+                      <a:schemeClr val="bg1">
+                        <a:lumMod val="85000"/>
+                      </a:schemeClr>
                     </a:solidFill>
                   </a:tcPr>
                 </a:tc>
@@ -16048,7 +16090,9 @@
                       <a:tailEnd type="none" w="med" len="med"/>
                     </a:lnB>
                     <a:solidFill>
-                      <a:schemeClr val="bg1"/>
+                      <a:schemeClr val="bg1">
+                        <a:lumMod val="85000"/>
+                      </a:schemeClr>
                     </a:solidFill>
                   </a:tcPr>
                 </a:tc>
@@ -16112,7 +16156,9 @@
                       <a:tailEnd type="none" w="med" len="med"/>
                     </a:lnB>
                     <a:solidFill>
-                      <a:schemeClr val="bg1"/>
+                      <a:schemeClr val="bg1">
+                        <a:lumMod val="85000"/>
+                      </a:schemeClr>
                     </a:solidFill>
                   </a:tcPr>
                 </a:tc>
@@ -16123,18 +16169,30 @@
                     <a:p>
                       <a:pPr algn="l" fontAlgn="ctr"/>
                       <a:r>
-                        <a:rPr lang="en-US" altLang="ko-KR" sz="1000" u="none" strike="noStrike">
+                        <a:rPr lang="en-US" altLang="ko-KR" sz="1000" u="none" strike="noStrike" dirty="0">
                           <a:effectLst/>
                         </a:rPr>
-                        <a:t>{userId}</a:t>
+                        <a:t>{</a:t>
                       </a:r>
                       <a:r>
-                        <a:rPr lang="ko-KR" altLang="en-US" sz="1000" u="none" strike="noStrike">
+                        <a:rPr lang="en-US" altLang="ko-KR" sz="1000" u="none" strike="noStrike" dirty="0" err="1">
+                          <a:effectLst/>
+                        </a:rPr>
+                        <a:t>userId</a:t>
+                      </a:r>
+                      <a:r>
+                        <a:rPr lang="en-US" altLang="ko-KR" sz="1000" u="none" strike="noStrike" dirty="0">
+                          <a:effectLst/>
+                        </a:rPr>
+                        <a:t>}</a:t>
+                      </a:r>
+                      <a:r>
+                        <a:rPr lang="ko-KR" altLang="en-US" sz="1000" u="none" strike="noStrike" dirty="0">
                           <a:effectLst/>
                         </a:rPr>
                         <a:t>의 친구목록 가져오기</a:t>
                       </a:r>
-                      <a:endParaRPr lang="ko-KR" altLang="en-US" sz="1000" b="0" i="0" u="none" strike="noStrike">
+                      <a:endParaRPr lang="ko-KR" altLang="en-US" sz="1000" b="0" i="0" u="none" strike="noStrike" dirty="0">
                         <a:solidFill>
                           <a:srgbClr val="000000"/>
                         </a:solidFill>
@@ -16182,7 +16240,9 @@
                       <a:tailEnd type="none" w="med" len="med"/>
                     </a:lnB>
                     <a:solidFill>
-                      <a:schemeClr val="bg1"/>
+                      <a:schemeClr val="bg1">
+                        <a:lumMod val="85000"/>
+                      </a:schemeClr>
                     </a:solidFill>
                   </a:tcPr>
                 </a:tc>
@@ -16253,7 +16313,9 @@
                       <a:tailEnd type="none" w="med" len="med"/>
                     </a:lnB>
                     <a:solidFill>
-                      <a:schemeClr val="bg1"/>
+                      <a:schemeClr val="bg1">
+                        <a:lumMod val="85000"/>
+                      </a:schemeClr>
                     </a:solidFill>
                   </a:tcPr>
                 </a:tc>
@@ -16317,7 +16379,9 @@
                       <a:tailEnd type="none" w="med" len="med"/>
                     </a:lnB>
                     <a:solidFill>
-                      <a:schemeClr val="bg1"/>
+                      <a:schemeClr val="bg1">
+                        <a:lumMod val="85000"/>
+                      </a:schemeClr>
                     </a:solidFill>
                   </a:tcPr>
                 </a:tc>
@@ -16393,7 +16457,9 @@
                       <a:tailEnd type="none" w="med" len="med"/>
                     </a:lnB>
                     <a:solidFill>
-                      <a:schemeClr val="bg1"/>
+                      <a:schemeClr val="bg1">
+                        <a:lumMod val="85000"/>
+                      </a:schemeClr>
                     </a:solidFill>
                   </a:tcPr>
                 </a:tc>
@@ -16460,7 +16526,9 @@
                       <a:tailEnd type="none" w="med" len="med"/>
                     </a:lnB>
                     <a:solidFill>
-                      <a:schemeClr val="bg1"/>
+                      <a:schemeClr val="bg1">
+                        <a:lumMod val="85000"/>
+                      </a:schemeClr>
                     </a:solidFill>
                   </a:tcPr>
                 </a:tc>
@@ -16524,7 +16592,9 @@
                       <a:tailEnd type="none" w="med" len="med"/>
                     </a:lnB>
                     <a:solidFill>
-                      <a:schemeClr val="bg1"/>
+                      <a:schemeClr val="bg1">
+                        <a:lumMod val="85000"/>
+                      </a:schemeClr>
                     </a:solidFill>
                   </a:tcPr>
                 </a:tc>
@@ -16535,12 +16605,12 @@
                     <a:p>
                       <a:pPr algn="l" fontAlgn="ctr"/>
                       <a:r>
-                        <a:rPr lang="ko-KR" altLang="en-US" sz="1000" u="none" strike="noStrike">
+                        <a:rPr lang="ko-KR" altLang="en-US" sz="1000" u="none" strike="noStrike" dirty="0">
                           <a:effectLst/>
                         </a:rPr>
                         <a:t>이름으로 회원 검색</a:t>
                       </a:r>
-                      <a:endParaRPr lang="ko-KR" altLang="en-US" sz="1000" b="0" i="0" u="none" strike="noStrike">
+                      <a:endParaRPr lang="ko-KR" altLang="en-US" sz="1000" b="0" i="0" u="none" strike="noStrike" dirty="0">
                         <a:solidFill>
                           <a:srgbClr val="000000"/>
                         </a:solidFill>
@@ -16588,7 +16658,9 @@
                       <a:tailEnd type="none" w="med" len="med"/>
                     </a:lnB>
                     <a:solidFill>
-                      <a:schemeClr val="bg1"/>
+                      <a:schemeClr val="bg1">
+                        <a:lumMod val="85000"/>
+                      </a:schemeClr>
                     </a:solidFill>
                   </a:tcPr>
                 </a:tc>
@@ -16953,18 +17025,30 @@
                     <a:p>
                       <a:pPr algn="l" fontAlgn="ctr"/>
                       <a:r>
-                        <a:rPr lang="en-US" altLang="ko-KR" sz="1000" u="none" strike="noStrike">
+                        <a:rPr lang="en-US" altLang="ko-KR" sz="1000" u="none" strike="noStrike" dirty="0">
                           <a:effectLst/>
                         </a:rPr>
-                        <a:t>{userId} </a:t>
+                        <a:t>{</a:t>
                       </a:r>
                       <a:r>
-                        <a:rPr lang="ko-KR" altLang="en-US" sz="1000" u="none" strike="noStrike">
+                        <a:rPr lang="en-US" altLang="ko-KR" sz="1000" u="none" strike="noStrike" dirty="0" err="1">
+                          <a:effectLst/>
+                        </a:rPr>
+                        <a:t>userId</a:t>
+                      </a:r>
+                      <a:r>
+                        <a:rPr lang="en-US" altLang="ko-KR" sz="1000" u="none" strike="noStrike" dirty="0">
+                          <a:effectLst/>
+                        </a:rPr>
+                        <a:t>} </a:t>
+                      </a:r>
+                      <a:r>
+                        <a:rPr lang="ko-KR" altLang="en-US" sz="1000" u="none" strike="noStrike" dirty="0">
                           <a:effectLst/>
                         </a:rPr>
                         <a:t>맞춤 음식 가져오기</a:t>
                       </a:r>
-                      <a:endParaRPr lang="ko-KR" altLang="en-US" sz="1000" b="0" i="0" u="none" strike="noStrike">
+                      <a:endParaRPr lang="ko-KR" altLang="en-US" sz="1000" b="0" i="0" u="none" strike="noStrike" dirty="0">
                         <a:solidFill>
                           <a:srgbClr val="000000"/>
                         </a:solidFill>
@@ -18871,6 +18955,15 @@
                           <a:effectLst/>
                         </a:rPr>
                         <a:t>userId</a:t>
+                      </a:r>
+                      <a:r>
+                        <a:rPr lang="en-US" sz="1000" b="1" u="none" strike="noStrike" dirty="0">
+                          <a:solidFill>
+                            <a:srgbClr val="0070C0"/>
+                          </a:solidFill>
+                          <a:effectLst/>
+                        </a:rPr>
+                        <a:t/>
                       </a:r>
                       <a:br>
                         <a:rPr lang="en-US" sz="1000" b="1" u="none" strike="noStrike" dirty="0">
@@ -20137,6 +20230,12 @@
                         </a:rPr>
                         <a:t>Board</a:t>
                       </a:r>
+                      <a:r>
+                        <a:rPr lang="en-US" sz="1000" b="1" u="none" strike="noStrike" dirty="0">
+                          <a:effectLst/>
+                        </a:rPr>
+                        <a:t/>
+                      </a:r>
                       <a:br>
                         <a:rPr lang="en-US" sz="1000" b="1" u="none" strike="noStrike" dirty="0">
                           <a:effectLst/>
@@ -20553,6 +20652,12 @@
                           <a:effectLst/>
                         </a:rPr>
                         <a:t>Board</a:t>
+                      </a:r>
+                      <a:r>
+                        <a:rPr lang="en-US" sz="1000" b="1" u="none" strike="noStrike" dirty="0">
+                          <a:effectLst/>
+                        </a:rPr>
+                        <a:t/>
                       </a:r>
                       <a:br>
                         <a:rPr lang="en-US" sz="1000" b="1" u="none" strike="noStrike" dirty="0">
@@ -27189,7 +27294,7 @@
                 <a16:creationId xmlns:a16="http://schemas.microsoft.com/office/drawing/2014/main" id="{AE192E3E-68A9-4F36-936C-1C8D0B9EF132}"/>
               </a:ext>
               <a:ext uri="{C183D7F6-B498-43B3-948B-1728B52AA6E4}">
-                <adec:decorative xmlns:adec="http://schemas.microsoft.com/office/drawing/2017/decorative" val="1"/>
+                <adec:decorative xmlns:adec="http://schemas.microsoft.com/office/drawing/2017/decorative" xmlns="" val="1"/>
               </a:ext>
             </a:extLst>
           </p:cNvPr>
@@ -27315,7 +27420,7 @@
                 <a16:creationId xmlns:a16="http://schemas.microsoft.com/office/drawing/2014/main" id="{998D6E90-577B-4973-B60A-2700290E68B3}"/>
               </a:ext>
               <a:ext uri="{C183D7F6-B498-43B3-948B-1728B52AA6E4}">
-                <adec:decorative xmlns:adec="http://schemas.microsoft.com/office/drawing/2017/decorative" val="1"/>
+                <adec:decorative xmlns:adec="http://schemas.microsoft.com/office/drawing/2017/decorative" xmlns="" val="1"/>
               </a:ext>
             </a:extLst>
           </p:cNvPr>
@@ -27391,7 +27496,7 @@
                 <a16:creationId xmlns:a16="http://schemas.microsoft.com/office/drawing/2014/main" id="{3FA95682-BEE6-4B33-BA34-7E7BE49782DA}"/>
               </a:ext>
               <a:ext uri="{C183D7F6-B498-43B3-948B-1728B52AA6E4}">
-                <adec:decorative xmlns:adec="http://schemas.microsoft.com/office/drawing/2017/decorative" val="1"/>
+                <adec:decorative xmlns:adec="http://schemas.microsoft.com/office/drawing/2017/decorative" xmlns="" val="1"/>
               </a:ext>
             </a:extLst>
           </p:cNvPr>
@@ -30704,6 +30809,10 @@
               <a:rPr lang="ko-KR" altLang="en-US" dirty="0"/>
               <a:t>회원가입 시</a:t>
             </a:r>
+            <a:r>
+              <a:rPr lang="en-US" altLang="ko-KR" dirty="0"/>
+              <a:t/>
+            </a:r>
             <a:br>
               <a:rPr lang="en-US" altLang="ko-KR" dirty="0"/>
             </a:br>
@@ -30761,6 +30870,10 @@
             <a:r>
               <a:rPr lang="ko-KR" altLang="en-US" dirty="0"/>
               <a:t>로그인 시</a:t>
+            </a:r>
+            <a:r>
+              <a:rPr lang="en-US" altLang="ko-KR" dirty="0"/>
+              <a:t/>
             </a:r>
             <a:br>
               <a:rPr lang="en-US" altLang="ko-KR" dirty="0"/>
@@ -31060,7 +31173,7 @@
           <a:p>
             <a:pPr algn="ctr"/>
             <a:r>
-              <a:rPr lang="ko-KR" altLang="en-US" sz="2000">
+              <a:rPr lang="ko-KR" altLang="en-US" sz="2000" dirty="0">
                 <a:solidFill>
                   <a:sysClr val="windowText" lastClr="000000"/>
                 </a:solidFill>
@@ -31069,13 +31182,6 @@
               </a:rPr>
               <a:t>회원 사진</a:t>
             </a:r>
-            <a:endParaRPr lang="ko-KR" altLang="en-US" sz="2000" dirty="0">
-              <a:solidFill>
-                <a:sysClr val="windowText" lastClr="000000"/>
-              </a:solidFill>
-              <a:latin typeface="맑은 고딕" panose="020B0503020000020004" pitchFamily="50" charset="-127"/>
-              <a:ea typeface="맑은 고딕" panose="020B0503020000020004" pitchFamily="50" charset="-127"/>
-            </a:endParaRPr>
           </a:p>
         </p:txBody>
       </p:sp>
@@ -31219,6 +31325,14 @@
                 </a:solidFill>
               </a:rPr>
               <a:t>등</a:t>
+            </a:r>
+            <a:r>
+              <a:rPr lang="en-US" altLang="ko-KR" sz="1400" dirty="0">
+                <a:solidFill>
+                  <a:sysClr val="windowText" lastClr="000000"/>
+                </a:solidFill>
+              </a:rPr>
+              <a:t/>
             </a:r>
             <a:br>
               <a:rPr lang="en-US" altLang="ko-KR" sz="1400" dirty="0">
@@ -34827,6 +34941,14 @@
                 </a:solidFill>
               </a:rPr>
               <a:t>등</a:t>
+            </a:r>
+            <a:r>
+              <a:rPr lang="en-US" altLang="ko-KR" sz="1400" dirty="0">
+                <a:solidFill>
+                  <a:sysClr val="windowText" lastClr="000000"/>
+                </a:solidFill>
+              </a:rPr>
+              <a:t/>
             </a:r>
             <a:br>
               <a:rPr lang="en-US" altLang="ko-KR" sz="1400" dirty="0">

--- a/BeforeStart/아이디어톤.pptx
+++ b/BeforeStart/아이디어톤.pptx
@@ -214,7 +214,7 @@
           <a:p>
             <a:fld id="{9DD72BBB-870D-4CCA-8C14-D97EA00E10F0}" type="datetimeFigureOut">
               <a:rPr lang="ko-KR" altLang="en-US" smtClean="0"/>
-              <a:t>2023-05-15</a:t>
+              <a:t>2023-05-17</a:t>
             </a:fld>
             <a:endParaRPr lang="ko-KR" altLang="en-US"/>
           </a:p>
@@ -13522,14 +13522,14 @@
           <p:nvPr>
             <p:extLst>
               <p:ext uri="{D42A27DB-BD31-4B8C-83A1-F6EECF244321}">
-                <p14:modId xmlns:p14="http://schemas.microsoft.com/office/powerpoint/2010/main" val="1374469276"/>
+                <p14:modId xmlns:p14="http://schemas.microsoft.com/office/powerpoint/2010/main" val="1682073815"/>
               </p:ext>
             </p:extLst>
           </p:nvPr>
         </p:nvGraphicFramePr>
         <p:xfrm>
-          <a:off x="1478004" y="822122"/>
-          <a:ext cx="9148818" cy="6143199"/>
+          <a:off x="885825" y="822122"/>
+          <a:ext cx="9740997" cy="5496212"/>
         </p:xfrm>
         <a:graphic>
           <a:graphicData uri="http://schemas.openxmlformats.org/drawingml/2006/table">
@@ -13538,42 +13538,42 @@
                 <a:tableStyleId>{5C22544A-7EE6-4342-B048-85BDC9FD1C3A}</a:tableStyleId>
               </a:tblPr>
               <a:tblGrid>
-                <a:gridCol w="471046">
+                <a:gridCol w="495300">
                   <a:extLst>
                     <a:ext uri="{9D8B030D-6E8A-4147-A177-3AD203B41FA5}">
                       <a16:colId xmlns:a16="http://schemas.microsoft.com/office/drawing/2014/main" val="3337854217"/>
                     </a:ext>
                   </a:extLst>
                 </a:gridCol>
-                <a:gridCol w="606924">
+                <a:gridCol w="685800">
                   <a:extLst>
                     <a:ext uri="{9D8B030D-6E8A-4147-A177-3AD203B41FA5}">
                       <a16:colId xmlns:a16="http://schemas.microsoft.com/office/drawing/2014/main" val="1863271143"/>
                     </a:ext>
                   </a:extLst>
                 </a:gridCol>
-                <a:gridCol w="2273701">
+                <a:gridCol w="2447925">
                   <a:extLst>
                     <a:ext uri="{9D8B030D-6E8A-4147-A177-3AD203B41FA5}">
                       <a16:colId xmlns:a16="http://schemas.microsoft.com/office/drawing/2014/main" val="2914068450"/>
                     </a:ext>
                   </a:extLst>
                 </a:gridCol>
-                <a:gridCol w="969267">
+                <a:gridCol w="971596">
                   <a:extLst>
                     <a:ext uri="{9D8B030D-6E8A-4147-A177-3AD203B41FA5}">
                       <a16:colId xmlns:a16="http://schemas.microsoft.com/office/drawing/2014/main" val="2811460517"/>
                     </a:ext>
                   </a:extLst>
                 </a:gridCol>
-                <a:gridCol w="969267">
+                <a:gridCol w="1032005">
                   <a:extLst>
                     <a:ext uri="{9D8B030D-6E8A-4147-A177-3AD203B41FA5}">
                       <a16:colId xmlns:a16="http://schemas.microsoft.com/office/drawing/2014/main" val="1033554960"/>
                     </a:ext>
                   </a:extLst>
                 </a:gridCol>
-                <a:gridCol w="3858613">
+                <a:gridCol w="4108371">
                   <a:extLst>
                     <a:ext uri="{9D8B030D-6E8A-4147-A177-3AD203B41FA5}">
                       <a16:colId xmlns:a16="http://schemas.microsoft.com/office/drawing/2014/main" val="646999473"/>
@@ -13790,12 +13790,12 @@
                     <a:p>
                       <a:pPr algn="ctr" fontAlgn="ctr"/>
                       <a:r>
-                        <a:rPr lang="en-US" sz="1000" b="1" u="none" strike="noStrike">
+                        <a:rPr lang="en-US" sz="1000" b="1" u="none" strike="noStrike" dirty="0">
                           <a:effectLst/>
                         </a:rPr>
                         <a:t>Parameter</a:t>
                       </a:r>
-                      <a:endParaRPr lang="en-US" sz="1000" b="1" i="0" u="none" strike="noStrike">
+                      <a:endParaRPr lang="en-US" sz="1000" b="1" i="0" u="none" strike="noStrike" dirty="0">
                         <a:solidFill>
                           <a:srgbClr val="006100"/>
                         </a:solidFill>
@@ -15959,7 +15959,13 @@
                         <a:rPr lang="en-US" sz="1000" u="none" strike="noStrike" dirty="0">
                           <a:effectLst/>
                         </a:rPr>
-                        <a:t>/users/user/{</a:t>
+                        <a:t>/</a:t>
+                      </a:r>
+                      <a:r>
+                        <a:rPr lang="en-US" sz="1000" u="none" strike="noStrike" dirty="0" smtClean="0">
+                          <a:effectLst/>
+                        </a:rPr>
+                        <a:t>user/{</a:t>
                       </a:r>
                       <a:r>
                         <a:rPr lang="en-US" sz="1000" u="none" strike="noStrike" dirty="0" err="1">
@@ -16395,7 +16401,13 @@
                         <a:rPr lang="en-US" sz="1000" u="none" strike="noStrike" dirty="0">
                           <a:effectLst/>
                         </a:rPr>
-                        <a:t>/users/user/{</a:t>
+                        <a:t>/</a:t>
+                      </a:r>
+                      <a:r>
+                        <a:rPr lang="en-US" sz="1000" u="none" strike="noStrike" dirty="0" smtClean="0">
+                          <a:effectLst/>
+                        </a:rPr>
+                        <a:t>user/{</a:t>
                       </a:r>
                       <a:r>
                         <a:rPr lang="en-US" sz="1000" u="none" strike="noStrike" dirty="0" err="1">
@@ -18478,12 +18490,36 @@
                     <a:p>
                       <a:pPr algn="l" fontAlgn="ctr"/>
                       <a:r>
-                        <a:rPr lang="en-US" sz="1000" u="none" strike="noStrike">
+                        <a:rPr lang="en-US" sz="1000" u="none" strike="noStrike" dirty="0">
                           <a:effectLst/>
                         </a:rPr>
-                        <a:t>/mealPlans/meal/{mealName}</a:t>
+                        <a:t>/</a:t>
                       </a:r>
-                      <a:endParaRPr lang="en-US" sz="1000" b="0" i="0" u="none" strike="noStrike">
+                      <a:r>
+                        <a:rPr lang="en-US" sz="1000" u="none" strike="noStrike" dirty="0" err="1">
+                          <a:effectLst/>
+                        </a:rPr>
+                        <a:t>mealPlans</a:t>
+                      </a:r>
+                      <a:r>
+                        <a:rPr lang="en-US" sz="1000" u="none" strike="noStrike" dirty="0">
+                          <a:effectLst/>
+                        </a:rPr>
+                        <a:t>/meal/{</a:t>
+                      </a:r>
+                      <a:r>
+                        <a:rPr lang="en-US" sz="1000" u="none" strike="noStrike" dirty="0" err="1">
+                          <a:effectLst/>
+                        </a:rPr>
+                        <a:t>mealName</a:t>
+                      </a:r>
+                      <a:r>
+                        <a:rPr lang="en-US" sz="1000" u="none" strike="noStrike" dirty="0">
+                          <a:effectLst/>
+                        </a:rPr>
+                        <a:t>}</a:t>
+                      </a:r>
+                      <a:endParaRPr lang="en-US" sz="1000" b="0" i="0" u="none" strike="noStrike" dirty="0">
                         <a:solidFill>
                           <a:srgbClr val="000000"/>
                         </a:solidFill>
@@ -18884,12 +18920,36 @@
                     <a:p>
                       <a:pPr algn="l" fontAlgn="ctr"/>
                       <a:r>
-                        <a:rPr lang="en-US" sz="1000" u="none" strike="noStrike">
+                        <a:rPr lang="en-US" sz="1000" u="none" strike="noStrike" dirty="0">
                           <a:effectLst/>
                         </a:rPr>
-                        <a:t>/mealPlans/user/{userId}/meal/{date}</a:t>
+                        <a:t>/</a:t>
                       </a:r>
-                      <a:endParaRPr lang="en-US" sz="1000" b="0" i="0" u="none" strike="noStrike">
+                      <a:r>
+                        <a:rPr lang="en-US" sz="1000" u="none" strike="noStrike" dirty="0" err="1">
+                          <a:effectLst/>
+                        </a:rPr>
+                        <a:t>mealPlans</a:t>
+                      </a:r>
+                      <a:r>
+                        <a:rPr lang="en-US" sz="1000" u="none" strike="noStrike" dirty="0">
+                          <a:effectLst/>
+                        </a:rPr>
+                        <a:t>/user/{</a:t>
+                      </a:r>
+                      <a:r>
+                        <a:rPr lang="en-US" sz="1000" u="none" strike="noStrike" dirty="0" err="1">
+                          <a:effectLst/>
+                        </a:rPr>
+                        <a:t>userId</a:t>
+                      </a:r>
+                      <a:r>
+                        <a:rPr lang="en-US" sz="1000" u="none" strike="noStrike" dirty="0">
+                          <a:effectLst/>
+                        </a:rPr>
+                        <a:t>}/meal/{date}</a:t>
+                      </a:r>
+                      <a:endParaRPr lang="en-US" sz="1000" b="0" i="0" u="none" strike="noStrike" dirty="0">
                         <a:solidFill>
                           <a:srgbClr val="000000"/>
                         </a:solidFill>
@@ -19322,12 +19382,36 @@
                     <a:p>
                       <a:pPr algn="l" fontAlgn="ctr"/>
                       <a:r>
-                        <a:rPr lang="en-US" sz="1000" u="none" strike="noStrike">
+                        <a:rPr lang="en-US" sz="1000" u="none" strike="noStrike" dirty="0">
                           <a:effectLst/>
                         </a:rPr>
-                        <a:t>/youtube/video/{userId}</a:t>
+                        <a:t>/</a:t>
                       </a:r>
-                      <a:endParaRPr lang="en-US" sz="1000" b="0" i="0" u="none" strike="noStrike">
+                      <a:r>
+                        <a:rPr lang="en-US" sz="1000" u="none" strike="noStrike" dirty="0" err="1">
+                          <a:effectLst/>
+                        </a:rPr>
+                        <a:t>youtube</a:t>
+                      </a:r>
+                      <a:r>
+                        <a:rPr lang="en-US" sz="1000" u="none" strike="noStrike" dirty="0">
+                          <a:effectLst/>
+                        </a:rPr>
+                        <a:t>/video/{</a:t>
+                      </a:r>
+                      <a:r>
+                        <a:rPr lang="en-US" sz="1000" u="none" strike="noStrike" dirty="0" err="1">
+                          <a:effectLst/>
+                        </a:rPr>
+                        <a:t>userId</a:t>
+                      </a:r>
+                      <a:r>
+                        <a:rPr lang="en-US" sz="1000" u="none" strike="noStrike" dirty="0">
+                          <a:effectLst/>
+                        </a:rPr>
+                        <a:t>}</a:t>
+                      </a:r>
+                      <a:endParaRPr lang="en-US" sz="1000" b="0" i="0" u="none" strike="noStrike" dirty="0">
                         <a:solidFill>
                           <a:srgbClr val="000000"/>
                         </a:solidFill>
@@ -19746,12 +19830,24 @@
                     <a:p>
                       <a:pPr algn="l" fontAlgn="ctr"/>
                       <a:r>
-                        <a:rPr lang="en-US" sz="1000" u="none" strike="noStrike">
+                        <a:rPr lang="en-US" sz="1000" u="none" strike="noStrike" dirty="0">
                           <a:effectLst/>
                         </a:rPr>
-                        <a:t>/boards/board/{pagination}</a:t>
+                        <a:t>/</a:t>
                       </a:r>
-                      <a:endParaRPr lang="en-US" sz="1000" b="0" i="0" u="none" strike="noStrike">
+                      <a:r>
+                        <a:rPr lang="en-US" sz="1000" u="none" strike="noStrike" dirty="0" smtClean="0">
+                          <a:effectLst/>
+                        </a:rPr>
+                        <a:t>board/{</a:t>
+                      </a:r>
+                      <a:r>
+                        <a:rPr lang="en-US" sz="1000" u="none" strike="noStrike" dirty="0">
+                          <a:effectLst/>
+                        </a:rPr>
+                        <a:t>pagination}</a:t>
+                      </a:r>
+                      <a:endParaRPr lang="en-US" sz="1000" b="0" i="0" u="none" strike="noStrike" dirty="0">
                         <a:solidFill>
                           <a:srgbClr val="000000"/>
                         </a:solidFill>
@@ -20158,12 +20254,18 @@
                     <a:p>
                       <a:pPr algn="l" fontAlgn="ctr"/>
                       <a:r>
-                        <a:rPr lang="en-US" sz="1000" u="none" strike="noStrike">
+                        <a:rPr lang="en-US" sz="1000" u="none" strike="noStrike" dirty="0">
                           <a:effectLst/>
                         </a:rPr>
-                        <a:t>/boards/board</a:t>
+                        <a:t>/</a:t>
                       </a:r>
-                      <a:endParaRPr lang="en-US" sz="1000" b="0" i="0" u="none" strike="noStrike">
+                      <a:r>
+                        <a:rPr lang="en-US" sz="1000" u="none" strike="noStrike" dirty="0" smtClean="0">
+                          <a:effectLst/>
+                        </a:rPr>
+                        <a:t>board</a:t>
+                      </a:r>
+                      <a:endParaRPr lang="en-US" sz="1000" b="0" i="0" u="none" strike="noStrike" dirty="0">
                         <a:solidFill>
                           <a:srgbClr val="000000"/>
                         </a:solidFill>
@@ -20581,12 +20683,18 @@
                     <a:p>
                       <a:pPr algn="l" fontAlgn="ctr"/>
                       <a:r>
-                        <a:rPr lang="en-US" sz="1000" u="none" strike="noStrike">
+                        <a:rPr lang="en-US" sz="1000" u="none" strike="noStrike" dirty="0">
                           <a:effectLst/>
                         </a:rPr>
-                        <a:t>/boards/board</a:t>
+                        <a:t>/</a:t>
                       </a:r>
-                      <a:endParaRPr lang="en-US" sz="1000" b="0" i="0" u="none" strike="noStrike">
+                      <a:r>
+                        <a:rPr lang="en-US" sz="1000" u="none" strike="noStrike" dirty="0" smtClean="0">
+                          <a:effectLst/>
+                        </a:rPr>
+                        <a:t>board</a:t>
+                      </a:r>
+                      <a:endParaRPr lang="en-US" sz="1000" b="0" i="0" u="none" strike="noStrike" dirty="0">
                         <a:solidFill>
                           <a:srgbClr val="000000"/>
                         </a:solidFill>
@@ -21004,12 +21112,30 @@
                     <a:p>
                       <a:pPr algn="l" fontAlgn="ctr"/>
                       <a:r>
-                        <a:rPr lang="en-US" sz="1000" u="none" strike="noStrike">
+                        <a:rPr lang="en-US" sz="1000" u="none" strike="noStrike" dirty="0">
                           <a:effectLst/>
                         </a:rPr>
-                        <a:t>/boards/board/{boardId}</a:t>
+                        <a:t>/</a:t>
                       </a:r>
-                      <a:endParaRPr lang="en-US" sz="1000" b="0" i="0" u="none" strike="noStrike">
+                      <a:r>
+                        <a:rPr lang="en-US" sz="1000" u="none" strike="noStrike" dirty="0" smtClean="0">
+                          <a:effectLst/>
+                        </a:rPr>
+                        <a:t>board/{</a:t>
+                      </a:r>
+                      <a:r>
+                        <a:rPr lang="en-US" sz="1000" u="none" strike="noStrike" dirty="0" err="1">
+                          <a:effectLst/>
+                        </a:rPr>
+                        <a:t>boardId</a:t>
+                      </a:r>
+                      <a:r>
+                        <a:rPr lang="en-US" sz="1000" u="none" strike="noStrike" dirty="0">
+                          <a:effectLst/>
+                        </a:rPr>
+                        <a:t>}</a:t>
+                      </a:r>
+                      <a:endParaRPr lang="en-US" sz="1000" b="0" i="0" u="none" strike="noStrike" dirty="0">
                         <a:solidFill>
                           <a:srgbClr val="000000"/>
                         </a:solidFill>
@@ -21404,16 +21530,10 @@
                         <a:t>/</a:t>
                       </a:r>
                       <a:r>
-                        <a:rPr lang="en-US" sz="1000" u="none" strike="noStrike" dirty="0" err="1">
+                        <a:rPr lang="en-US" sz="1000" u="none" strike="noStrike" dirty="0" err="1" smtClean="0">
                           <a:effectLst/>
                         </a:rPr>
                         <a:t>likeBoard</a:t>
-                      </a:r>
-                      <a:r>
-                        <a:rPr lang="en-US" sz="1000" u="none" strike="noStrike" dirty="0">
-                          <a:effectLst/>
-                        </a:rPr>
-                        <a:t>/like</a:t>
                       </a:r>
                       <a:endParaRPr lang="en-US" sz="1000" b="0" i="0" u="none" strike="noStrike" dirty="0">
                         <a:solidFill>
@@ -21804,12 +21924,18 @@
                     <a:p>
                       <a:pPr algn="l" fontAlgn="ctr"/>
                       <a:r>
-                        <a:rPr lang="en-US" sz="1000" u="none" strike="noStrike">
+                        <a:rPr lang="en-US" sz="1000" u="none" strike="noStrike" dirty="0">
                           <a:effectLst/>
                         </a:rPr>
-                        <a:t>/likeBoard/like</a:t>
+                        <a:t>/</a:t>
                       </a:r>
-                      <a:endParaRPr lang="en-US" sz="1000" b="0" i="0" u="none" strike="noStrike">
+                      <a:r>
+                        <a:rPr lang="en-US" sz="1000" u="none" strike="noStrike" dirty="0" err="1" smtClean="0">
+                          <a:effectLst/>
+                        </a:rPr>
+                        <a:t>likeBoard</a:t>
+                      </a:r>
+                      <a:endParaRPr lang="en-US" sz="1000" b="0" i="0" u="none" strike="noStrike" dirty="0">
                         <a:solidFill>
                           <a:srgbClr val="000000"/>
                         </a:solidFill>
@@ -22198,12 +22324,30 @@
                     <a:p>
                       <a:pPr algn="l" fontAlgn="ctr"/>
                       <a:r>
-                        <a:rPr lang="en-US" sz="1000" u="none" strike="noStrike">
+                        <a:rPr lang="en-US" sz="1000" u="none" strike="noStrike" dirty="0">
                           <a:effectLst/>
                         </a:rPr>
-                        <a:t>/reviews/review/{boardId}</a:t>
+                        <a:t>/</a:t>
                       </a:r>
-                      <a:endParaRPr lang="en-US" sz="1000" b="0" i="0" u="none" strike="noStrike">
+                      <a:r>
+                        <a:rPr lang="en-US" sz="1000" u="none" strike="noStrike" dirty="0" smtClean="0">
+                          <a:effectLst/>
+                        </a:rPr>
+                        <a:t>review/{</a:t>
+                      </a:r>
+                      <a:r>
+                        <a:rPr lang="en-US" sz="1000" u="none" strike="noStrike" dirty="0" err="1">
+                          <a:effectLst/>
+                        </a:rPr>
+                        <a:t>boardId</a:t>
+                      </a:r>
+                      <a:r>
+                        <a:rPr lang="en-US" sz="1000" u="none" strike="noStrike" dirty="0">
+                          <a:effectLst/>
+                        </a:rPr>
+                        <a:t>}</a:t>
+                      </a:r>
+                      <a:endParaRPr lang="en-US" sz="1000" b="0" i="0" u="none" strike="noStrike" dirty="0">
                         <a:solidFill>
                           <a:srgbClr val="000000"/>
                         </a:solidFill>
@@ -22592,12 +22736,18 @@
                     <a:p>
                       <a:pPr algn="l" fontAlgn="ctr"/>
                       <a:r>
-                        <a:rPr lang="en-US" sz="1000" u="none" strike="noStrike">
+                        <a:rPr lang="en-US" sz="1000" u="none" strike="noStrike" dirty="0">
                           <a:effectLst/>
                         </a:rPr>
-                        <a:t>/reviews/review</a:t>
+                        <a:t>/</a:t>
                       </a:r>
-                      <a:endParaRPr lang="en-US" sz="1000" b="0" i="0" u="none" strike="noStrike">
+                      <a:r>
+                        <a:rPr lang="en-US" sz="1000" u="none" strike="noStrike" dirty="0" smtClean="0">
+                          <a:effectLst/>
+                        </a:rPr>
+                        <a:t>review</a:t>
+                      </a:r>
+                      <a:endParaRPr lang="en-US" sz="1000" b="0" i="0" u="none" strike="noStrike" dirty="0">
                         <a:solidFill>
                           <a:srgbClr val="000000"/>
                         </a:solidFill>
@@ -22986,12 +23136,18 @@
                     <a:p>
                       <a:pPr algn="l" fontAlgn="ctr"/>
                       <a:r>
-                        <a:rPr lang="en-US" sz="1000" u="none" strike="noStrike">
+                        <a:rPr lang="en-US" sz="1000" u="none" strike="noStrike" dirty="0">
                           <a:effectLst/>
                         </a:rPr>
-                        <a:t>/reviews/review</a:t>
+                        <a:t>/</a:t>
                       </a:r>
-                      <a:endParaRPr lang="en-US" sz="1000" b="0" i="0" u="none" strike="noStrike">
+                      <a:r>
+                        <a:rPr lang="en-US" sz="1000" u="none" strike="noStrike" dirty="0" smtClean="0">
+                          <a:effectLst/>
+                        </a:rPr>
+                        <a:t>review</a:t>
+                      </a:r>
+                      <a:endParaRPr lang="en-US" sz="1000" b="0" i="0" u="none" strike="noStrike" dirty="0">
                         <a:solidFill>
                           <a:srgbClr val="000000"/>
                         </a:solidFill>
@@ -23380,12 +23536,30 @@
                     <a:p>
                       <a:pPr algn="l" fontAlgn="ctr"/>
                       <a:r>
-                        <a:rPr lang="en-US" sz="1000" u="none" strike="noStrike">
+                        <a:rPr lang="en-US" sz="1000" u="none" strike="noStrike" dirty="0">
                           <a:effectLst/>
                         </a:rPr>
-                        <a:t>/reviews/review/{reviewId}</a:t>
+                        <a:t>/</a:t>
                       </a:r>
-                      <a:endParaRPr lang="en-US" sz="1000" b="0" i="0" u="none" strike="noStrike">
+                      <a:r>
+                        <a:rPr lang="en-US" sz="1000" u="none" strike="noStrike" dirty="0" smtClean="0">
+                          <a:effectLst/>
+                        </a:rPr>
+                        <a:t>review/{</a:t>
+                      </a:r>
+                      <a:r>
+                        <a:rPr lang="en-US" sz="1000" u="none" strike="noStrike" dirty="0" err="1">
+                          <a:effectLst/>
+                        </a:rPr>
+                        <a:t>reviewId</a:t>
+                      </a:r>
+                      <a:r>
+                        <a:rPr lang="en-US" sz="1000" u="none" strike="noStrike" dirty="0">
+                          <a:effectLst/>
+                        </a:rPr>
+                        <a:t>}</a:t>
+                      </a:r>
+                      <a:endParaRPr lang="en-US" sz="1000" b="0" i="0" u="none" strike="noStrike" dirty="0">
                         <a:solidFill>
                           <a:srgbClr val="000000"/>
                         </a:solidFill>
@@ -27294,7 +27468,7 @@
                 <a16:creationId xmlns:a16="http://schemas.microsoft.com/office/drawing/2014/main" id="{AE192E3E-68A9-4F36-936C-1C8D0B9EF132}"/>
               </a:ext>
               <a:ext uri="{C183D7F6-B498-43B3-948B-1728B52AA6E4}">
-                <adec:decorative xmlns:adec="http://schemas.microsoft.com/office/drawing/2017/decorative" xmlns="" val="1"/>
+                <adec:decorative xmlns="" xmlns:adec="http://schemas.microsoft.com/office/drawing/2017/decorative" val="1"/>
               </a:ext>
             </a:extLst>
           </p:cNvPr>
@@ -27420,7 +27594,7 @@
                 <a16:creationId xmlns:a16="http://schemas.microsoft.com/office/drawing/2014/main" id="{998D6E90-577B-4973-B60A-2700290E68B3}"/>
               </a:ext>
               <a:ext uri="{C183D7F6-B498-43B3-948B-1728B52AA6E4}">
-                <adec:decorative xmlns:adec="http://schemas.microsoft.com/office/drawing/2017/decorative" xmlns="" val="1"/>
+                <adec:decorative xmlns="" xmlns:adec="http://schemas.microsoft.com/office/drawing/2017/decorative" val="1"/>
               </a:ext>
             </a:extLst>
           </p:cNvPr>
@@ -27496,7 +27670,7 @@
                 <a16:creationId xmlns:a16="http://schemas.microsoft.com/office/drawing/2014/main" id="{3FA95682-BEE6-4B33-BA34-7E7BE49782DA}"/>
               </a:ext>
               <a:ext uri="{C183D7F6-B498-43B3-948B-1728B52AA6E4}">
-                <adec:decorative xmlns:adec="http://schemas.microsoft.com/office/drawing/2017/decorative" xmlns="" val="1"/>
+                <adec:decorative xmlns="" xmlns:adec="http://schemas.microsoft.com/office/drawing/2017/decorative" val="1"/>
               </a:ext>
             </a:extLst>
           </p:cNvPr>

--- a/BeforeStart/아이디어톤.pptx
+++ b/BeforeStart/아이디어톤.pptx
@@ -214,7 +214,7 @@
           <a:p>
             <a:fld id="{9DD72BBB-870D-4CCA-8C14-D97EA00E10F0}" type="datetimeFigureOut">
               <a:rPr lang="ko-KR" altLang="en-US" smtClean="0"/>
-              <a:t>2023-05-17</a:t>
+              <a:t>2023-05-18</a:t>
             </a:fld>
             <a:endParaRPr lang="ko-KR" altLang="en-US"/>
           </a:p>
@@ -13522,14 +13522,14 @@
           <p:nvPr>
             <p:extLst>
               <p:ext uri="{D42A27DB-BD31-4B8C-83A1-F6EECF244321}">
-                <p14:modId xmlns:p14="http://schemas.microsoft.com/office/powerpoint/2010/main" val="1682073815"/>
+                <p14:modId xmlns:p14="http://schemas.microsoft.com/office/powerpoint/2010/main" val="3579684088"/>
               </p:ext>
             </p:extLst>
           </p:nvPr>
         </p:nvGraphicFramePr>
         <p:xfrm>
           <a:off x="885825" y="822122"/>
-          <a:ext cx="9740997" cy="5496212"/>
+          <a:ext cx="9740997" cy="6302741"/>
         </p:xfrm>
         <a:graphic>
           <a:graphicData uri="http://schemas.openxmlformats.org/drawingml/2006/table">
@@ -14147,12 +14147,6 @@
                     <a:lstStyle/>
                     <a:p>
                       <a:pPr algn="ctr" fontAlgn="ctr"/>
-                      <a:r>
-                        <a:rPr lang="en-US" altLang="ko-KR" sz="1000" u="none" strike="noStrike" dirty="0">
-                          <a:effectLst/>
-                        </a:rPr>
-                        <a:t>1</a:t>
-                      </a:r>
                       <a:endParaRPr lang="en-US" altLang="ko-KR" sz="1000" b="0" i="0" u="none" strike="noStrike" dirty="0">
                         <a:solidFill>
                           <a:srgbClr val="000000"/>
@@ -14212,12 +14206,12 @@
                     <a:p>
                       <a:pPr algn="ctr" fontAlgn="ctr"/>
                       <a:r>
-                        <a:rPr lang="en-US" sz="1000" u="none" strike="noStrike">
+                        <a:rPr lang="en-US" sz="1000" u="none" strike="noStrike" dirty="0">
                           <a:effectLst/>
                         </a:rPr>
                         <a:t>POST</a:t>
                       </a:r>
-                      <a:endParaRPr lang="en-US" sz="1000" b="0" i="0" u="none" strike="noStrike">
+                      <a:endParaRPr lang="en-US" sz="1000" b="0" i="0" u="none" strike="noStrike" dirty="0">
                         <a:solidFill>
                           <a:srgbClr val="000000"/>
                         </a:solidFill>
@@ -14547,12 +14541,6 @@
                     <a:lstStyle/>
                     <a:p>
                       <a:pPr algn="ctr" fontAlgn="ctr"/>
-                      <a:r>
-                        <a:rPr lang="en-US" altLang="ko-KR" sz="1000" u="none" strike="noStrike" dirty="0">
-                          <a:effectLst/>
-                        </a:rPr>
-                        <a:t>2</a:t>
-                      </a:r>
                       <a:endParaRPr lang="en-US" altLang="ko-KR" sz="1000" b="0" i="0" u="none" strike="noStrike" dirty="0">
                         <a:solidFill>
                           <a:srgbClr val="000000"/>
@@ -14976,12 +14964,6 @@
                     <a:lstStyle/>
                     <a:p>
                       <a:pPr algn="ctr" fontAlgn="ctr"/>
-                      <a:r>
-                        <a:rPr lang="en-US" altLang="ko-KR" sz="1000" u="none" strike="noStrike">
-                          <a:effectLst/>
-                        </a:rPr>
-                        <a:t>3</a:t>
-                      </a:r>
                       <a:endParaRPr lang="en-US" altLang="ko-KR" sz="1000" b="0" i="0" u="none" strike="noStrike">
                         <a:solidFill>
                           <a:srgbClr val="000000"/>
@@ -15335,12 +15317,12 @@
                     <a:p>
                       <a:pPr algn="l" fontAlgn="ctr"/>
                       <a:r>
-                        <a:rPr lang="ko-KR" altLang="en-US" sz="1000" u="none" strike="noStrike">
+                        <a:rPr lang="ko-KR" altLang="en-US" sz="1000" u="none" strike="noStrike" dirty="0">
                           <a:effectLst/>
                         </a:rPr>
                         <a:t>회원정보 수정</a:t>
                       </a:r>
-                      <a:endParaRPr lang="ko-KR" altLang="en-US" sz="1000" b="0" i="0" u="none" strike="noStrike">
+                      <a:endParaRPr lang="ko-KR" altLang="en-US" sz="1000" b="0" i="0" u="none" strike="noStrike" dirty="0">
                         <a:solidFill>
                           <a:srgbClr val="000000"/>
                         </a:solidFill>
@@ -15405,13 +15387,7 @@
                     <a:lstStyle/>
                     <a:p>
                       <a:pPr algn="ctr" fontAlgn="ctr"/>
-                      <a:r>
-                        <a:rPr lang="en-US" altLang="ko-KR" sz="1000" u="none" strike="noStrike">
-                          <a:effectLst/>
-                        </a:rPr>
-                        <a:t>4</a:t>
-                      </a:r>
-                      <a:endParaRPr lang="en-US" altLang="ko-KR" sz="1000" b="0" i="0" u="none" strike="noStrike">
+                      <a:endParaRPr lang="en-US" altLang="ko-KR" sz="1000" b="0" i="0" u="none" strike="noStrike" dirty="0">
                         <a:solidFill>
                           <a:srgbClr val="000000"/>
                         </a:solidFill>
@@ -15747,18 +15723,30 @@
                     <a:p>
                       <a:pPr algn="l" fontAlgn="ctr"/>
                       <a:r>
-                        <a:rPr lang="en-US" sz="1000" u="none" strike="noStrike">
+                        <a:rPr lang="en-US" sz="1000" u="none" strike="noStrike" dirty="0">
                           <a:effectLst/>
                         </a:rPr>
-                        <a:t>{userId} </a:t>
+                        <a:t>{</a:t>
                       </a:r>
                       <a:r>
-                        <a:rPr lang="ko-KR" altLang="en-US" sz="1000" u="none" strike="noStrike">
+                        <a:rPr lang="en-US" sz="1000" u="none" strike="noStrike" dirty="0" err="1">
+                          <a:effectLst/>
+                        </a:rPr>
+                        <a:t>userId</a:t>
+                      </a:r>
+                      <a:r>
+                        <a:rPr lang="en-US" sz="1000" u="none" strike="noStrike" dirty="0">
+                          <a:effectLst/>
+                        </a:rPr>
+                        <a:t>} </a:t>
+                      </a:r>
+                      <a:r>
+                        <a:rPr lang="ko-KR" altLang="en-US" sz="1000" u="none" strike="noStrike" dirty="0">
                           <a:effectLst/>
                         </a:rPr>
                         <a:t>회원탈퇴</a:t>
                       </a:r>
-                      <a:endParaRPr lang="ko-KR" altLang="en-US" sz="1000" b="0" i="0" u="none" strike="noStrike">
+                      <a:endParaRPr lang="ko-KR" altLang="en-US" sz="1000" b="0" i="0" u="none" strike="noStrike" dirty="0">
                         <a:solidFill>
                           <a:srgbClr val="000000"/>
                         </a:solidFill>
@@ -15823,13 +15811,7 @@
                     <a:lstStyle/>
                     <a:p>
                       <a:pPr algn="ctr" fontAlgn="ctr"/>
-                      <a:r>
-                        <a:rPr lang="en-US" altLang="ko-KR" sz="1000" u="none" strike="noStrike">
-                          <a:effectLst/>
-                        </a:rPr>
-                        <a:t>5</a:t>
-                      </a:r>
-                      <a:endParaRPr lang="en-US" altLang="ko-KR" sz="1000" b="0" i="0" u="none" strike="noStrike">
+                      <a:endParaRPr lang="en-US" altLang="ko-KR" sz="1000" b="0" i="0" u="none" strike="noStrike" dirty="0">
                         <a:solidFill>
                           <a:srgbClr val="000000"/>
                         </a:solidFill>
@@ -15877,9 +15859,7 @@
                       <a:tailEnd type="none" w="med" len="med"/>
                     </a:lnB>
                     <a:solidFill>
-                      <a:schemeClr val="bg1">
-                        <a:lumMod val="85000"/>
-                      </a:schemeClr>
+                      <a:schemeClr val="bg1"/>
                     </a:solidFill>
                   </a:tcPr>
                 </a:tc>
@@ -15943,870 +15923,6 @@
                       <a:tailEnd type="none" w="med" len="med"/>
                     </a:lnB>
                     <a:solidFill>
-                      <a:schemeClr val="bg1">
-                        <a:lumMod val="85000"/>
-                      </a:schemeClr>
-                    </a:solidFill>
-                  </a:tcPr>
-                </a:tc>
-                <a:tc>
-                  <a:txBody>
-                    <a:bodyPr/>
-                    <a:lstStyle/>
-                    <a:p>
-                      <a:pPr algn="l" fontAlgn="ctr"/>
-                      <a:r>
-                        <a:rPr lang="en-US" sz="1000" u="none" strike="noStrike" dirty="0">
-                          <a:effectLst/>
-                        </a:rPr>
-                        <a:t>/</a:t>
-                      </a:r>
-                      <a:r>
-                        <a:rPr lang="en-US" sz="1000" u="none" strike="noStrike" dirty="0" smtClean="0">
-                          <a:effectLst/>
-                        </a:rPr>
-                        <a:t>user/{</a:t>
-                      </a:r>
-                      <a:r>
-                        <a:rPr lang="en-US" sz="1000" u="none" strike="noStrike" dirty="0" err="1">
-                          <a:effectLst/>
-                        </a:rPr>
-                        <a:t>userId</a:t>
-                      </a:r>
-                      <a:r>
-                        <a:rPr lang="en-US" sz="1000" u="none" strike="noStrike" dirty="0">
-                          <a:effectLst/>
-                        </a:rPr>
-                        <a:t>}/friends</a:t>
-                      </a:r>
-                      <a:endParaRPr lang="en-US" sz="1000" b="0" i="0" u="none" strike="noStrike" dirty="0">
-                        <a:solidFill>
-                          <a:srgbClr val="000000"/>
-                        </a:solidFill>
-                        <a:effectLst/>
-                        <a:latin typeface="맑은 고딕" panose="020B0503020000020004" pitchFamily="50" charset="-127"/>
-                        <a:ea typeface="맑은 고딕" panose="020B0503020000020004" pitchFamily="50" charset="-127"/>
-                      </a:endParaRPr>
-                    </a:p>
-                  </a:txBody>
-                  <a:tcPr marL="67084" marR="67084" marT="4952" marB="0" anchor="ctr">
-                    <a:lnL w="12700" cap="flat" cmpd="sng" algn="ctr">
-                      <a:solidFill>
-                        <a:schemeClr val="tx1"/>
-                      </a:solidFill>
-                      <a:prstDash val="solid"/>
-                      <a:round/>
-                      <a:headEnd type="none" w="med" len="med"/>
-                      <a:tailEnd type="none" w="med" len="med"/>
-                    </a:lnL>
-                    <a:lnR w="12700" cap="flat" cmpd="sng" algn="ctr">
-                      <a:solidFill>
-                        <a:schemeClr val="tx1"/>
-                      </a:solidFill>
-                      <a:prstDash val="solid"/>
-                      <a:round/>
-                      <a:headEnd type="none" w="med" len="med"/>
-                      <a:tailEnd type="none" w="med" len="med"/>
-                    </a:lnR>
-                    <a:lnT w="12700" cap="flat" cmpd="sng" algn="ctr">
-                      <a:solidFill>
-                        <a:schemeClr val="tx1"/>
-                      </a:solidFill>
-                      <a:prstDash val="solid"/>
-                      <a:round/>
-                      <a:headEnd type="none" w="med" len="med"/>
-                      <a:tailEnd type="none" w="med" len="med"/>
-                    </a:lnT>
-                    <a:lnB w="12700" cap="flat" cmpd="sng" algn="ctr">
-                      <a:solidFill>
-                        <a:schemeClr val="tx1"/>
-                      </a:solidFill>
-                      <a:prstDash val="solid"/>
-                      <a:round/>
-                      <a:headEnd type="none" w="med" len="med"/>
-                      <a:tailEnd type="none" w="med" len="med"/>
-                    </a:lnB>
-                    <a:solidFill>
-                      <a:schemeClr val="bg1">
-                        <a:lumMod val="85000"/>
-                      </a:schemeClr>
-                    </a:solidFill>
-                  </a:tcPr>
-                </a:tc>
-                <a:tc>
-                  <a:txBody>
-                    <a:bodyPr/>
-                    <a:lstStyle/>
-                    <a:p>
-                      <a:pPr algn="l" fontAlgn="ctr"/>
-                      <a:r>
-                        <a:rPr lang="en-US" sz="1000" b="1" u="none" strike="noStrike" dirty="0" err="1">
-                          <a:solidFill>
-                            <a:srgbClr val="0070C0"/>
-                          </a:solidFill>
-                          <a:effectLst/>
-                        </a:rPr>
-                        <a:t>userId</a:t>
-                      </a:r>
-                      <a:endParaRPr lang="en-US" sz="1000" b="1" i="0" u="none" strike="noStrike" dirty="0">
-                        <a:solidFill>
-                          <a:srgbClr val="0070C0"/>
-                        </a:solidFill>
-                        <a:effectLst/>
-                        <a:latin typeface="맑은 고딕" panose="020B0503020000020004" pitchFamily="50" charset="-127"/>
-                        <a:ea typeface="맑은 고딕" panose="020B0503020000020004" pitchFamily="50" charset="-127"/>
-                      </a:endParaRPr>
-                    </a:p>
-                  </a:txBody>
-                  <a:tcPr marL="67084" marR="67084" marT="4952" marB="0" anchor="ctr">
-                    <a:lnL w="12700" cap="flat" cmpd="sng" algn="ctr">
-                      <a:solidFill>
-                        <a:schemeClr val="tx1"/>
-                      </a:solidFill>
-                      <a:prstDash val="solid"/>
-                      <a:round/>
-                      <a:headEnd type="none" w="med" len="med"/>
-                      <a:tailEnd type="none" w="med" len="med"/>
-                    </a:lnL>
-                    <a:lnR w="12700" cap="flat" cmpd="sng" algn="ctr">
-                      <a:solidFill>
-                        <a:schemeClr val="tx1"/>
-                      </a:solidFill>
-                      <a:prstDash val="solid"/>
-                      <a:round/>
-                      <a:headEnd type="none" w="med" len="med"/>
-                      <a:tailEnd type="none" w="med" len="med"/>
-                    </a:lnR>
-                    <a:lnT w="12700" cap="flat" cmpd="sng" algn="ctr">
-                      <a:solidFill>
-                        <a:schemeClr val="tx1"/>
-                      </a:solidFill>
-                      <a:prstDash val="solid"/>
-                      <a:round/>
-                      <a:headEnd type="none" w="med" len="med"/>
-                      <a:tailEnd type="none" w="med" len="med"/>
-                    </a:lnT>
-                    <a:lnB w="12700" cap="flat" cmpd="sng" algn="ctr">
-                      <a:solidFill>
-                        <a:schemeClr val="tx1"/>
-                      </a:solidFill>
-                      <a:prstDash val="solid"/>
-                      <a:round/>
-                      <a:headEnd type="none" w="med" len="med"/>
-                      <a:tailEnd type="none" w="med" len="med"/>
-                    </a:lnB>
-                    <a:solidFill>
-                      <a:schemeClr val="bg1">
-                        <a:lumMod val="85000"/>
-                      </a:schemeClr>
-                    </a:solidFill>
-                  </a:tcPr>
-                </a:tc>
-                <a:tc>
-                  <a:txBody>
-                    <a:bodyPr/>
-                    <a:lstStyle/>
-                    <a:p>
-                      <a:pPr algn="l" fontAlgn="ctr"/>
-                      <a:r>
-                        <a:rPr lang="en-US" sz="1000" b="1" u="none" strike="noStrike">
-                          <a:effectLst/>
-                        </a:rPr>
-                        <a:t>List&lt;User&gt;</a:t>
-                      </a:r>
-                      <a:endParaRPr lang="en-US" sz="1000" b="1" i="0" u="none" strike="noStrike">
-                        <a:solidFill>
-                          <a:srgbClr val="000000"/>
-                        </a:solidFill>
-                        <a:effectLst/>
-                        <a:latin typeface="맑은 고딕" panose="020B0503020000020004" pitchFamily="50" charset="-127"/>
-                        <a:ea typeface="맑은 고딕" panose="020B0503020000020004" pitchFamily="50" charset="-127"/>
-                      </a:endParaRPr>
-                    </a:p>
-                  </a:txBody>
-                  <a:tcPr marL="67084" marR="67084" marT="4952" marB="0" anchor="ctr">
-                    <a:lnL w="12700" cap="flat" cmpd="sng" algn="ctr">
-                      <a:solidFill>
-                        <a:schemeClr val="tx1"/>
-                      </a:solidFill>
-                      <a:prstDash val="solid"/>
-                      <a:round/>
-                      <a:headEnd type="none" w="med" len="med"/>
-                      <a:tailEnd type="none" w="med" len="med"/>
-                    </a:lnL>
-                    <a:lnR w="12700" cap="flat" cmpd="sng" algn="ctr">
-                      <a:solidFill>
-                        <a:schemeClr val="tx1"/>
-                      </a:solidFill>
-                      <a:prstDash val="solid"/>
-                      <a:round/>
-                      <a:headEnd type="none" w="med" len="med"/>
-                      <a:tailEnd type="none" w="med" len="med"/>
-                    </a:lnR>
-                    <a:lnT w="12700" cap="flat" cmpd="sng" algn="ctr">
-                      <a:solidFill>
-                        <a:schemeClr val="tx1"/>
-                      </a:solidFill>
-                      <a:prstDash val="solid"/>
-                      <a:round/>
-                      <a:headEnd type="none" w="med" len="med"/>
-                      <a:tailEnd type="none" w="med" len="med"/>
-                    </a:lnT>
-                    <a:lnB w="12700" cap="flat" cmpd="sng" algn="ctr">
-                      <a:solidFill>
-                        <a:schemeClr val="tx1"/>
-                      </a:solidFill>
-                      <a:prstDash val="solid"/>
-                      <a:round/>
-                      <a:headEnd type="none" w="med" len="med"/>
-                      <a:tailEnd type="none" w="med" len="med"/>
-                    </a:lnB>
-                    <a:solidFill>
-                      <a:schemeClr val="bg1">
-                        <a:lumMod val="85000"/>
-                      </a:schemeClr>
-                    </a:solidFill>
-                  </a:tcPr>
-                </a:tc>
-                <a:tc>
-                  <a:txBody>
-                    <a:bodyPr/>
-                    <a:lstStyle/>
-                    <a:p>
-                      <a:pPr algn="l" fontAlgn="ctr"/>
-                      <a:r>
-                        <a:rPr lang="en-US" altLang="ko-KR" sz="1000" u="none" strike="noStrike" dirty="0">
-                          <a:effectLst/>
-                        </a:rPr>
-                        <a:t>{</a:t>
-                      </a:r>
-                      <a:r>
-                        <a:rPr lang="en-US" altLang="ko-KR" sz="1000" u="none" strike="noStrike" dirty="0" err="1">
-                          <a:effectLst/>
-                        </a:rPr>
-                        <a:t>userId</a:t>
-                      </a:r>
-                      <a:r>
-                        <a:rPr lang="en-US" altLang="ko-KR" sz="1000" u="none" strike="noStrike" dirty="0">
-                          <a:effectLst/>
-                        </a:rPr>
-                        <a:t>}</a:t>
-                      </a:r>
-                      <a:r>
-                        <a:rPr lang="ko-KR" altLang="en-US" sz="1000" u="none" strike="noStrike" dirty="0">
-                          <a:effectLst/>
-                        </a:rPr>
-                        <a:t>의 친구목록 가져오기</a:t>
-                      </a:r>
-                      <a:endParaRPr lang="ko-KR" altLang="en-US" sz="1000" b="0" i="0" u="none" strike="noStrike" dirty="0">
-                        <a:solidFill>
-                          <a:srgbClr val="000000"/>
-                        </a:solidFill>
-                        <a:effectLst/>
-                        <a:latin typeface="맑은 고딕" panose="020B0503020000020004" pitchFamily="50" charset="-127"/>
-                        <a:ea typeface="맑은 고딕" panose="020B0503020000020004" pitchFamily="50" charset="-127"/>
-                      </a:endParaRPr>
-                    </a:p>
-                  </a:txBody>
-                  <a:tcPr marL="67084" marR="67084" marT="4952" marB="0" anchor="ctr">
-                    <a:lnL w="12700" cap="flat" cmpd="sng" algn="ctr">
-                      <a:solidFill>
-                        <a:schemeClr val="tx1"/>
-                      </a:solidFill>
-                      <a:prstDash val="solid"/>
-                      <a:round/>
-                      <a:headEnd type="none" w="med" len="med"/>
-                      <a:tailEnd type="none" w="med" len="med"/>
-                    </a:lnL>
-                    <a:lnR w="12700" cap="flat" cmpd="sng" algn="ctr">
-                      <a:solidFill>
-                        <a:schemeClr val="tx1"/>
-                      </a:solidFill>
-                      <a:prstDash val="solid"/>
-                      <a:round/>
-                      <a:headEnd type="none" w="med" len="med"/>
-                      <a:tailEnd type="none" w="med" len="med"/>
-                    </a:lnR>
-                    <a:lnT w="12700" cap="flat" cmpd="sng" algn="ctr">
-                      <a:solidFill>
-                        <a:schemeClr val="tx1"/>
-                      </a:solidFill>
-                      <a:prstDash val="solid"/>
-                      <a:round/>
-                      <a:headEnd type="none" w="med" len="med"/>
-                      <a:tailEnd type="none" w="med" len="med"/>
-                    </a:lnT>
-                    <a:lnB w="12700" cap="flat" cmpd="sng" algn="ctr">
-                      <a:solidFill>
-                        <a:schemeClr val="tx1"/>
-                      </a:solidFill>
-                      <a:prstDash val="solid"/>
-                      <a:round/>
-                      <a:headEnd type="none" w="med" len="med"/>
-                      <a:tailEnd type="none" w="med" len="med"/>
-                    </a:lnB>
-                    <a:solidFill>
-                      <a:schemeClr val="bg1">
-                        <a:lumMod val="85000"/>
-                      </a:schemeClr>
-                    </a:solidFill>
-                  </a:tcPr>
-                </a:tc>
-                <a:extLst>
-                  <a:ext uri="{0D108BD9-81ED-4DB2-BD59-A6C34878D82A}">
-                    <a16:rowId xmlns:a16="http://schemas.microsoft.com/office/drawing/2014/main" val="1854540372"/>
-                  </a:ext>
-                </a:extLst>
-              </a:tr>
-              <a:tr h="184031">
-                <a:tc>
-                  <a:txBody>
-                    <a:bodyPr/>
-                    <a:lstStyle/>
-                    <a:p>
-                      <a:pPr algn="ctr" fontAlgn="ctr"/>
-                      <a:r>
-                        <a:rPr lang="en-US" altLang="ko-KR" sz="1000" u="none" strike="noStrike">
-                          <a:effectLst/>
-                        </a:rPr>
-                        <a:t>6</a:t>
-                      </a:r>
-                      <a:endParaRPr lang="en-US" altLang="ko-KR" sz="1000" b="0" i="0" u="none" strike="noStrike">
-                        <a:solidFill>
-                          <a:srgbClr val="000000"/>
-                        </a:solidFill>
-                        <a:effectLst/>
-                        <a:latin typeface="맑은 고딕" panose="020B0503020000020004" pitchFamily="50" charset="-127"/>
-                        <a:ea typeface="맑은 고딕" panose="020B0503020000020004" pitchFamily="50" charset="-127"/>
-                      </a:endParaRPr>
-                    </a:p>
-                  </a:txBody>
-                  <a:tcPr marL="67084" marR="67084" marT="4952" marB="0" anchor="ctr">
-                    <a:lnL w="12700" cap="flat" cmpd="sng" algn="ctr">
-                      <a:solidFill>
-                        <a:schemeClr val="tx1"/>
-                      </a:solidFill>
-                      <a:prstDash val="solid"/>
-                      <a:round/>
-                      <a:headEnd type="none" w="med" len="med"/>
-                      <a:tailEnd type="none" w="med" len="med"/>
-                    </a:lnL>
-                    <a:lnR w="12700" cap="flat" cmpd="sng" algn="ctr">
-                      <a:solidFill>
-                        <a:schemeClr val="tx1"/>
-                      </a:solidFill>
-                      <a:prstDash val="solid"/>
-                      <a:round/>
-                      <a:headEnd type="none" w="med" len="med"/>
-                      <a:tailEnd type="none" w="med" len="med"/>
-                    </a:lnR>
-                    <a:lnT w="12700" cap="flat" cmpd="sng" algn="ctr">
-                      <a:solidFill>
-                        <a:schemeClr val="tx1"/>
-                      </a:solidFill>
-                      <a:prstDash val="solid"/>
-                      <a:round/>
-                      <a:headEnd type="none" w="med" len="med"/>
-                      <a:tailEnd type="none" w="med" len="med"/>
-                    </a:lnT>
-                    <a:lnB w="12700" cap="flat" cmpd="sng" algn="ctr">
-                      <a:solidFill>
-                        <a:schemeClr val="tx1"/>
-                      </a:solidFill>
-                      <a:prstDash val="solid"/>
-                      <a:round/>
-                      <a:headEnd type="none" w="med" len="med"/>
-                      <a:tailEnd type="none" w="med" len="med"/>
-                    </a:lnB>
-                    <a:solidFill>
-                      <a:schemeClr val="bg1">
-                        <a:lumMod val="85000"/>
-                      </a:schemeClr>
-                    </a:solidFill>
-                  </a:tcPr>
-                </a:tc>
-                <a:tc>
-                  <a:txBody>
-                    <a:bodyPr/>
-                    <a:lstStyle/>
-                    <a:p>
-                      <a:pPr algn="ctr" fontAlgn="ctr"/>
-                      <a:r>
-                        <a:rPr lang="en-US" sz="1000" u="none" strike="noStrike">
-                          <a:effectLst/>
-                        </a:rPr>
-                        <a:t>GET</a:t>
-                      </a:r>
-                      <a:endParaRPr lang="en-US" sz="1000" b="0" i="0" u="none" strike="noStrike">
-                        <a:solidFill>
-                          <a:srgbClr val="000000"/>
-                        </a:solidFill>
-                        <a:effectLst/>
-                        <a:latin typeface="맑은 고딕" panose="020B0503020000020004" pitchFamily="50" charset="-127"/>
-                        <a:ea typeface="맑은 고딕" panose="020B0503020000020004" pitchFamily="50" charset="-127"/>
-                      </a:endParaRPr>
-                    </a:p>
-                  </a:txBody>
-                  <a:tcPr marL="67084" marR="67084" marT="4952" marB="0" anchor="ctr">
-                    <a:lnL w="12700" cap="flat" cmpd="sng" algn="ctr">
-                      <a:solidFill>
-                        <a:schemeClr val="tx1"/>
-                      </a:solidFill>
-                      <a:prstDash val="solid"/>
-                      <a:round/>
-                      <a:headEnd type="none" w="med" len="med"/>
-                      <a:tailEnd type="none" w="med" len="med"/>
-                    </a:lnL>
-                    <a:lnR w="12700" cap="flat" cmpd="sng" algn="ctr">
-                      <a:solidFill>
-                        <a:schemeClr val="tx1"/>
-                      </a:solidFill>
-                      <a:prstDash val="solid"/>
-                      <a:round/>
-                      <a:headEnd type="none" w="med" len="med"/>
-                      <a:tailEnd type="none" w="med" len="med"/>
-                    </a:lnR>
-                    <a:lnT w="12700" cap="flat" cmpd="sng" algn="ctr">
-                      <a:solidFill>
-                        <a:schemeClr val="tx1"/>
-                      </a:solidFill>
-                      <a:prstDash val="solid"/>
-                      <a:round/>
-                      <a:headEnd type="none" w="med" len="med"/>
-                      <a:tailEnd type="none" w="med" len="med"/>
-                    </a:lnT>
-                    <a:lnB w="12700" cap="flat" cmpd="sng" algn="ctr">
-                      <a:solidFill>
-                        <a:schemeClr val="tx1"/>
-                      </a:solidFill>
-                      <a:prstDash val="solid"/>
-                      <a:round/>
-                      <a:headEnd type="none" w="med" len="med"/>
-                      <a:tailEnd type="none" w="med" len="med"/>
-                    </a:lnB>
-                    <a:solidFill>
-                      <a:schemeClr val="bg1">
-                        <a:lumMod val="85000"/>
-                      </a:schemeClr>
-                    </a:solidFill>
-                  </a:tcPr>
-                </a:tc>
-                <a:tc>
-                  <a:txBody>
-                    <a:bodyPr/>
-                    <a:lstStyle/>
-                    <a:p>
-                      <a:pPr algn="l" fontAlgn="ctr"/>
-                      <a:r>
-                        <a:rPr lang="en-US" sz="1000" u="none" strike="noStrike" dirty="0">
-                          <a:effectLst/>
-                        </a:rPr>
-                        <a:t>/</a:t>
-                      </a:r>
-                      <a:r>
-                        <a:rPr lang="en-US" sz="1000" u="none" strike="noStrike" dirty="0" smtClean="0">
-                          <a:effectLst/>
-                        </a:rPr>
-                        <a:t>user/{</a:t>
-                      </a:r>
-                      <a:r>
-                        <a:rPr lang="en-US" sz="1000" u="none" strike="noStrike" dirty="0" err="1">
-                          <a:effectLst/>
-                        </a:rPr>
-                        <a:t>userName</a:t>
-                      </a:r>
-                      <a:r>
-                        <a:rPr lang="en-US" sz="1000" u="none" strike="noStrike" dirty="0">
-                          <a:effectLst/>
-                        </a:rPr>
-                        <a:t>}</a:t>
-                      </a:r>
-                      <a:endParaRPr lang="en-US" sz="1000" b="0" i="0" u="none" strike="noStrike" dirty="0">
-                        <a:solidFill>
-                          <a:srgbClr val="000000"/>
-                        </a:solidFill>
-                        <a:effectLst/>
-                        <a:latin typeface="맑은 고딕" panose="020B0503020000020004" pitchFamily="50" charset="-127"/>
-                        <a:ea typeface="맑은 고딕" panose="020B0503020000020004" pitchFamily="50" charset="-127"/>
-                      </a:endParaRPr>
-                    </a:p>
-                  </a:txBody>
-                  <a:tcPr marL="67084" marR="67084" marT="4952" marB="0" anchor="ctr">
-                    <a:lnL w="12700" cap="flat" cmpd="sng" algn="ctr">
-                      <a:solidFill>
-                        <a:schemeClr val="tx1"/>
-                      </a:solidFill>
-                      <a:prstDash val="solid"/>
-                      <a:round/>
-                      <a:headEnd type="none" w="med" len="med"/>
-                      <a:tailEnd type="none" w="med" len="med"/>
-                    </a:lnL>
-                    <a:lnR w="12700" cap="flat" cmpd="sng" algn="ctr">
-                      <a:solidFill>
-                        <a:schemeClr val="tx1"/>
-                      </a:solidFill>
-                      <a:prstDash val="solid"/>
-                      <a:round/>
-                      <a:headEnd type="none" w="med" len="med"/>
-                      <a:tailEnd type="none" w="med" len="med"/>
-                    </a:lnR>
-                    <a:lnT w="12700" cap="flat" cmpd="sng" algn="ctr">
-                      <a:solidFill>
-                        <a:schemeClr val="tx1"/>
-                      </a:solidFill>
-                      <a:prstDash val="solid"/>
-                      <a:round/>
-                      <a:headEnd type="none" w="med" len="med"/>
-                      <a:tailEnd type="none" w="med" len="med"/>
-                    </a:lnT>
-                    <a:lnB w="12700" cap="flat" cmpd="sng" algn="ctr">
-                      <a:solidFill>
-                        <a:schemeClr val="tx1"/>
-                      </a:solidFill>
-                      <a:prstDash val="solid"/>
-                      <a:round/>
-                      <a:headEnd type="none" w="med" len="med"/>
-                      <a:tailEnd type="none" w="med" len="med"/>
-                    </a:lnB>
-                    <a:solidFill>
-                      <a:schemeClr val="bg1">
-                        <a:lumMod val="85000"/>
-                      </a:schemeClr>
-                    </a:solidFill>
-                  </a:tcPr>
-                </a:tc>
-                <a:tc>
-                  <a:txBody>
-                    <a:bodyPr/>
-                    <a:lstStyle/>
-                    <a:p>
-                      <a:pPr algn="l" fontAlgn="ctr"/>
-                      <a:r>
-                        <a:rPr lang="en-US" sz="1000" b="1" u="none" strike="noStrike">
-                          <a:solidFill>
-                            <a:srgbClr val="0070C0"/>
-                          </a:solidFill>
-                          <a:effectLst/>
-                        </a:rPr>
-                        <a:t>userName</a:t>
-                      </a:r>
-                      <a:endParaRPr lang="en-US" sz="1000" b="1" i="0" u="none" strike="noStrike">
-                        <a:solidFill>
-                          <a:srgbClr val="0070C0"/>
-                        </a:solidFill>
-                        <a:effectLst/>
-                        <a:latin typeface="맑은 고딕" panose="020B0503020000020004" pitchFamily="50" charset="-127"/>
-                        <a:ea typeface="맑은 고딕" panose="020B0503020000020004" pitchFamily="50" charset="-127"/>
-                      </a:endParaRPr>
-                    </a:p>
-                  </a:txBody>
-                  <a:tcPr marL="67084" marR="67084" marT="4952" marB="0" anchor="ctr">
-                    <a:lnL w="12700" cap="flat" cmpd="sng" algn="ctr">
-                      <a:solidFill>
-                        <a:schemeClr val="tx1"/>
-                      </a:solidFill>
-                      <a:prstDash val="solid"/>
-                      <a:round/>
-                      <a:headEnd type="none" w="med" len="med"/>
-                      <a:tailEnd type="none" w="med" len="med"/>
-                    </a:lnL>
-                    <a:lnR w="12700" cap="flat" cmpd="sng" algn="ctr">
-                      <a:solidFill>
-                        <a:schemeClr val="tx1"/>
-                      </a:solidFill>
-                      <a:prstDash val="solid"/>
-                      <a:round/>
-                      <a:headEnd type="none" w="med" len="med"/>
-                      <a:tailEnd type="none" w="med" len="med"/>
-                    </a:lnR>
-                    <a:lnT w="12700" cap="flat" cmpd="sng" algn="ctr">
-                      <a:solidFill>
-                        <a:schemeClr val="tx1"/>
-                      </a:solidFill>
-                      <a:prstDash val="solid"/>
-                      <a:round/>
-                      <a:headEnd type="none" w="med" len="med"/>
-                      <a:tailEnd type="none" w="med" len="med"/>
-                    </a:lnT>
-                    <a:lnB w="12700" cap="flat" cmpd="sng" algn="ctr">
-                      <a:solidFill>
-                        <a:schemeClr val="tx1"/>
-                      </a:solidFill>
-                      <a:prstDash val="solid"/>
-                      <a:round/>
-                      <a:headEnd type="none" w="med" len="med"/>
-                      <a:tailEnd type="none" w="med" len="med"/>
-                    </a:lnB>
-                    <a:solidFill>
-                      <a:schemeClr val="bg1">
-                        <a:lumMod val="85000"/>
-                      </a:schemeClr>
-                    </a:solidFill>
-                  </a:tcPr>
-                </a:tc>
-                <a:tc>
-                  <a:txBody>
-                    <a:bodyPr/>
-                    <a:lstStyle/>
-                    <a:p>
-                      <a:pPr algn="l" fontAlgn="ctr"/>
-                      <a:r>
-                        <a:rPr lang="en-US" sz="1000" b="1" u="none" strike="noStrike">
-                          <a:effectLst/>
-                        </a:rPr>
-                        <a:t>List&lt;User&gt;</a:t>
-                      </a:r>
-                      <a:endParaRPr lang="en-US" sz="1000" b="1" i="0" u="none" strike="noStrike">
-                        <a:solidFill>
-                          <a:srgbClr val="000000"/>
-                        </a:solidFill>
-                        <a:effectLst/>
-                        <a:latin typeface="맑은 고딕" panose="020B0503020000020004" pitchFamily="50" charset="-127"/>
-                        <a:ea typeface="맑은 고딕" panose="020B0503020000020004" pitchFamily="50" charset="-127"/>
-                      </a:endParaRPr>
-                    </a:p>
-                  </a:txBody>
-                  <a:tcPr marL="67084" marR="67084" marT="4952" marB="0" anchor="ctr">
-                    <a:lnL w="12700" cap="flat" cmpd="sng" algn="ctr">
-                      <a:solidFill>
-                        <a:schemeClr val="tx1"/>
-                      </a:solidFill>
-                      <a:prstDash val="solid"/>
-                      <a:round/>
-                      <a:headEnd type="none" w="med" len="med"/>
-                      <a:tailEnd type="none" w="med" len="med"/>
-                    </a:lnL>
-                    <a:lnR w="12700" cap="flat" cmpd="sng" algn="ctr">
-                      <a:solidFill>
-                        <a:schemeClr val="tx1"/>
-                      </a:solidFill>
-                      <a:prstDash val="solid"/>
-                      <a:round/>
-                      <a:headEnd type="none" w="med" len="med"/>
-                      <a:tailEnd type="none" w="med" len="med"/>
-                    </a:lnR>
-                    <a:lnT w="12700" cap="flat" cmpd="sng" algn="ctr">
-                      <a:solidFill>
-                        <a:schemeClr val="tx1"/>
-                      </a:solidFill>
-                      <a:prstDash val="solid"/>
-                      <a:round/>
-                      <a:headEnd type="none" w="med" len="med"/>
-                      <a:tailEnd type="none" w="med" len="med"/>
-                    </a:lnT>
-                    <a:lnB w="12700" cap="flat" cmpd="sng" algn="ctr">
-                      <a:solidFill>
-                        <a:schemeClr val="tx1"/>
-                      </a:solidFill>
-                      <a:prstDash val="solid"/>
-                      <a:round/>
-                      <a:headEnd type="none" w="med" len="med"/>
-                      <a:tailEnd type="none" w="med" len="med"/>
-                    </a:lnB>
-                    <a:solidFill>
-                      <a:schemeClr val="bg1">
-                        <a:lumMod val="85000"/>
-                      </a:schemeClr>
-                    </a:solidFill>
-                  </a:tcPr>
-                </a:tc>
-                <a:tc>
-                  <a:txBody>
-                    <a:bodyPr/>
-                    <a:lstStyle/>
-                    <a:p>
-                      <a:pPr algn="l" fontAlgn="ctr"/>
-                      <a:r>
-                        <a:rPr lang="ko-KR" altLang="en-US" sz="1000" u="none" strike="noStrike" dirty="0">
-                          <a:effectLst/>
-                        </a:rPr>
-                        <a:t>이름으로 회원 검색</a:t>
-                      </a:r>
-                      <a:endParaRPr lang="ko-KR" altLang="en-US" sz="1000" b="0" i="0" u="none" strike="noStrike" dirty="0">
-                        <a:solidFill>
-                          <a:srgbClr val="000000"/>
-                        </a:solidFill>
-                        <a:effectLst/>
-                        <a:latin typeface="맑은 고딕" panose="020B0503020000020004" pitchFamily="50" charset="-127"/>
-                        <a:ea typeface="맑은 고딕" panose="020B0503020000020004" pitchFamily="50" charset="-127"/>
-                      </a:endParaRPr>
-                    </a:p>
-                  </a:txBody>
-                  <a:tcPr marL="67084" marR="67084" marT="4952" marB="0" anchor="ctr">
-                    <a:lnL w="12700" cap="flat" cmpd="sng" algn="ctr">
-                      <a:solidFill>
-                        <a:schemeClr val="tx1"/>
-                      </a:solidFill>
-                      <a:prstDash val="solid"/>
-                      <a:round/>
-                      <a:headEnd type="none" w="med" len="med"/>
-                      <a:tailEnd type="none" w="med" len="med"/>
-                    </a:lnL>
-                    <a:lnR w="12700" cap="flat" cmpd="sng" algn="ctr">
-                      <a:solidFill>
-                        <a:schemeClr val="tx1"/>
-                      </a:solidFill>
-                      <a:prstDash val="solid"/>
-                      <a:round/>
-                      <a:headEnd type="none" w="med" len="med"/>
-                      <a:tailEnd type="none" w="med" len="med"/>
-                    </a:lnR>
-                    <a:lnT w="12700" cap="flat" cmpd="sng" algn="ctr">
-                      <a:solidFill>
-                        <a:schemeClr val="tx1"/>
-                      </a:solidFill>
-                      <a:prstDash val="solid"/>
-                      <a:round/>
-                      <a:headEnd type="none" w="med" len="med"/>
-                      <a:tailEnd type="none" w="med" len="med"/>
-                    </a:lnT>
-                    <a:lnB w="12700" cap="flat" cmpd="sng" algn="ctr">
-                      <a:solidFill>
-                        <a:schemeClr val="tx1"/>
-                      </a:solidFill>
-                      <a:prstDash val="solid"/>
-                      <a:round/>
-                      <a:headEnd type="none" w="med" len="med"/>
-                      <a:tailEnd type="none" w="med" len="med"/>
-                    </a:lnB>
-                    <a:solidFill>
-                      <a:schemeClr val="bg1">
-                        <a:lumMod val="85000"/>
-                      </a:schemeClr>
-                    </a:solidFill>
-                  </a:tcPr>
-                </a:tc>
-                <a:extLst>
-                  <a:ext uri="{0D108BD9-81ED-4DB2-BD59-A6C34878D82A}">
-                    <a16:rowId xmlns:a16="http://schemas.microsoft.com/office/drawing/2014/main" val="978370245"/>
-                  </a:ext>
-                </a:extLst>
-              </a:tr>
-              <a:tr h="184031">
-                <a:tc>
-                  <a:txBody>
-                    <a:bodyPr/>
-                    <a:lstStyle/>
-                    <a:p>
-                      <a:pPr algn="ctr" fontAlgn="ctr"/>
-                      <a:r>
-                        <a:rPr lang="en-US" altLang="ko-KR" sz="1000" u="none" strike="noStrike">
-                          <a:effectLst/>
-                        </a:rPr>
-                        <a:t>7</a:t>
-                      </a:r>
-                      <a:endParaRPr lang="en-US" altLang="ko-KR" sz="1000" b="0" i="0" u="none" strike="noStrike">
-                        <a:solidFill>
-                          <a:srgbClr val="000000"/>
-                        </a:solidFill>
-                        <a:effectLst/>
-                        <a:latin typeface="맑은 고딕" panose="020B0503020000020004" pitchFamily="50" charset="-127"/>
-                        <a:ea typeface="맑은 고딕" panose="020B0503020000020004" pitchFamily="50" charset="-127"/>
-                      </a:endParaRPr>
-                    </a:p>
-                  </a:txBody>
-                  <a:tcPr marL="67084" marR="67084" marT="4952" marB="0" anchor="ctr">
-                    <a:lnL w="12700" cap="flat" cmpd="sng" algn="ctr">
-                      <a:solidFill>
-                        <a:schemeClr val="tx1"/>
-                      </a:solidFill>
-                      <a:prstDash val="solid"/>
-                      <a:round/>
-                      <a:headEnd type="none" w="med" len="med"/>
-                      <a:tailEnd type="none" w="med" len="med"/>
-                    </a:lnL>
-                    <a:lnR w="12700" cap="flat" cmpd="sng" algn="ctr">
-                      <a:solidFill>
-                        <a:schemeClr val="tx1"/>
-                      </a:solidFill>
-                      <a:prstDash val="solid"/>
-                      <a:round/>
-                      <a:headEnd type="none" w="med" len="med"/>
-                      <a:tailEnd type="none" w="med" len="med"/>
-                    </a:lnR>
-                    <a:lnT w="12700" cap="flat" cmpd="sng" algn="ctr">
-                      <a:solidFill>
-                        <a:schemeClr val="tx1"/>
-                      </a:solidFill>
-                      <a:prstDash val="solid"/>
-                      <a:round/>
-                      <a:headEnd type="none" w="med" len="med"/>
-                      <a:tailEnd type="none" w="med" len="med"/>
-                    </a:lnT>
-                    <a:lnB w="12700" cap="flat" cmpd="sng" algn="ctr">
-                      <a:solidFill>
-                        <a:schemeClr val="tx1"/>
-                      </a:solidFill>
-                      <a:prstDash val="solid"/>
-                      <a:round/>
-                      <a:headEnd type="none" w="med" len="med"/>
-                      <a:tailEnd type="none" w="med" len="med"/>
-                    </a:lnB>
-                    <a:solidFill>
-                      <a:schemeClr val="bg1"/>
-                    </a:solidFill>
-                  </a:tcPr>
-                </a:tc>
-                <a:tc>
-                  <a:txBody>
-                    <a:bodyPr/>
-                    <a:lstStyle/>
-                    <a:p>
-                      <a:pPr algn="ctr" fontAlgn="ctr"/>
-                      <a:r>
-                        <a:rPr lang="en-US" sz="1000" u="none" strike="noStrike">
-                          <a:effectLst/>
-                        </a:rPr>
-                        <a:t>GET</a:t>
-                      </a:r>
-                      <a:endParaRPr lang="en-US" sz="1000" b="0" i="0" u="none" strike="noStrike">
-                        <a:solidFill>
-                          <a:srgbClr val="000000"/>
-                        </a:solidFill>
-                        <a:effectLst/>
-                        <a:latin typeface="맑은 고딕" panose="020B0503020000020004" pitchFamily="50" charset="-127"/>
-                        <a:ea typeface="맑은 고딕" panose="020B0503020000020004" pitchFamily="50" charset="-127"/>
-                      </a:endParaRPr>
-                    </a:p>
-                  </a:txBody>
-                  <a:tcPr marL="67084" marR="67084" marT="4952" marB="0" anchor="ctr">
-                    <a:lnL w="12700" cap="flat" cmpd="sng" algn="ctr">
-                      <a:solidFill>
-                        <a:schemeClr val="tx1"/>
-                      </a:solidFill>
-                      <a:prstDash val="solid"/>
-                      <a:round/>
-                      <a:headEnd type="none" w="med" len="med"/>
-                      <a:tailEnd type="none" w="med" len="med"/>
-                    </a:lnL>
-                    <a:lnR w="12700" cap="flat" cmpd="sng" algn="ctr">
-                      <a:solidFill>
-                        <a:schemeClr val="tx1"/>
-                      </a:solidFill>
-                      <a:prstDash val="solid"/>
-                      <a:round/>
-                      <a:headEnd type="none" w="med" len="med"/>
-                      <a:tailEnd type="none" w="med" len="med"/>
-                    </a:lnR>
-                    <a:lnT w="12700" cap="flat" cmpd="sng" algn="ctr">
-                      <a:solidFill>
-                        <a:schemeClr val="tx1"/>
-                      </a:solidFill>
-                      <a:prstDash val="solid"/>
-                      <a:round/>
-                      <a:headEnd type="none" w="med" len="med"/>
-                      <a:tailEnd type="none" w="med" len="med"/>
-                    </a:lnT>
-                    <a:lnB w="12700" cap="flat" cmpd="sng" algn="ctr">
-                      <a:solidFill>
-                        <a:schemeClr val="tx1"/>
-                      </a:solidFill>
-                      <a:prstDash val="solid"/>
-                      <a:round/>
-                      <a:headEnd type="none" w="med" len="med"/>
-                      <a:tailEnd type="none" w="med" len="med"/>
-                    </a:lnB>
-                    <a:solidFill>
                       <a:schemeClr val="bg1"/>
                     </a:solidFill>
                   </a:tcPr>
@@ -16818,22 +15934,10 @@
                     <a:p>
                       <a:pPr algn="l" fontAlgn="ctr"/>
                       <a:r>
-                        <a:rPr lang="en-US" sz="1000" u="none" strike="noStrike" dirty="0">
+                        <a:rPr lang="en-US" sz="1000" u="none" strike="noStrike" dirty="0" smtClean="0">
                           <a:effectLst/>
                         </a:rPr>
-                        <a:t>/</a:t>
-                      </a:r>
-                      <a:r>
-                        <a:rPr lang="en-US" sz="1000" u="none" strike="noStrike" dirty="0" err="1">
-                          <a:effectLst/>
-                        </a:rPr>
-                        <a:t>mealPlans</a:t>
-                      </a:r>
-                      <a:r>
-                        <a:rPr lang="en-US" sz="1000" u="none" strike="noStrike" dirty="0">
-                          <a:effectLst/>
-                        </a:rPr>
-                        <a:t>/meal/{</a:t>
+                        <a:t>/follow/{</a:t>
                       </a:r>
                       <a:r>
                         <a:rPr lang="en-US" sz="1000" u="none" strike="noStrike" dirty="0" err="1">
@@ -16842,7 +15946,7 @@
                         <a:t>userId</a:t>
                       </a:r>
                       <a:r>
-                        <a:rPr lang="en-US" sz="1000" u="none" strike="noStrike" dirty="0">
+                        <a:rPr lang="en-US" sz="1000" u="none" strike="noStrike" dirty="0" smtClean="0">
                           <a:effectLst/>
                         </a:rPr>
                         <a:t>}</a:t>
@@ -16973,6 +16077,2160 @@
                     <a:p>
                       <a:pPr algn="l" fontAlgn="ctr"/>
                       <a:r>
+                        <a:rPr lang="en-US" sz="1000" b="1" u="none" strike="noStrike" dirty="0" smtClean="0">
+                          <a:effectLst/>
+                        </a:rPr>
+                        <a:t>List&lt;Friend&gt;</a:t>
+                      </a:r>
+                      <a:endParaRPr lang="en-US" sz="1000" b="1" i="0" u="none" strike="noStrike" dirty="0">
+                        <a:solidFill>
+                          <a:srgbClr val="000000"/>
+                        </a:solidFill>
+                        <a:effectLst/>
+                        <a:latin typeface="맑은 고딕" panose="020B0503020000020004" pitchFamily="50" charset="-127"/>
+                        <a:ea typeface="맑은 고딕" panose="020B0503020000020004" pitchFamily="50" charset="-127"/>
+                      </a:endParaRPr>
+                    </a:p>
+                  </a:txBody>
+                  <a:tcPr marL="67084" marR="67084" marT="4952" marB="0" anchor="ctr">
+                    <a:lnL w="12700" cap="flat" cmpd="sng" algn="ctr">
+                      <a:solidFill>
+                        <a:schemeClr val="tx1"/>
+                      </a:solidFill>
+                      <a:prstDash val="solid"/>
+                      <a:round/>
+                      <a:headEnd type="none" w="med" len="med"/>
+                      <a:tailEnd type="none" w="med" len="med"/>
+                    </a:lnL>
+                    <a:lnR w="12700" cap="flat" cmpd="sng" algn="ctr">
+                      <a:solidFill>
+                        <a:schemeClr val="tx1"/>
+                      </a:solidFill>
+                      <a:prstDash val="solid"/>
+                      <a:round/>
+                      <a:headEnd type="none" w="med" len="med"/>
+                      <a:tailEnd type="none" w="med" len="med"/>
+                    </a:lnR>
+                    <a:lnT w="12700" cap="flat" cmpd="sng" algn="ctr">
+                      <a:solidFill>
+                        <a:schemeClr val="tx1"/>
+                      </a:solidFill>
+                      <a:prstDash val="solid"/>
+                      <a:round/>
+                      <a:headEnd type="none" w="med" len="med"/>
+                      <a:tailEnd type="none" w="med" len="med"/>
+                    </a:lnT>
+                    <a:lnB w="12700" cap="flat" cmpd="sng" algn="ctr">
+                      <a:solidFill>
+                        <a:schemeClr val="tx1"/>
+                      </a:solidFill>
+                      <a:prstDash val="solid"/>
+                      <a:round/>
+                      <a:headEnd type="none" w="med" len="med"/>
+                      <a:tailEnd type="none" w="med" len="med"/>
+                    </a:lnB>
+                    <a:solidFill>
+                      <a:schemeClr val="bg1"/>
+                    </a:solidFill>
+                  </a:tcPr>
+                </a:tc>
+                <a:tc>
+                  <a:txBody>
+                    <a:bodyPr/>
+                    <a:lstStyle/>
+                    <a:p>
+                      <a:pPr algn="l" fontAlgn="ctr"/>
+                      <a:r>
+                        <a:rPr lang="en-US" altLang="ko-KR" sz="1000" u="none" strike="noStrike" dirty="0">
+                          <a:effectLst/>
+                        </a:rPr>
+                        <a:t>{</a:t>
+                      </a:r>
+                      <a:r>
+                        <a:rPr lang="en-US" altLang="ko-KR" sz="1000" u="none" strike="noStrike" dirty="0" err="1" smtClean="0">
+                          <a:effectLst/>
+                        </a:rPr>
+                        <a:t>userId</a:t>
+                      </a:r>
+                      <a:r>
+                        <a:rPr lang="en-US" altLang="ko-KR" sz="1000" u="none" strike="noStrike" dirty="0" smtClean="0">
+                          <a:effectLst/>
+                        </a:rPr>
+                        <a:t>}</a:t>
+                      </a:r>
+                      <a:r>
+                        <a:rPr lang="ko-KR" altLang="en-US" sz="1000" u="none" strike="noStrike" dirty="0" smtClean="0">
+                          <a:effectLst/>
+                        </a:rPr>
+                        <a:t>가 </a:t>
+                      </a:r>
+                      <a:r>
+                        <a:rPr lang="ko-KR" altLang="en-US" sz="1000" u="none" strike="noStrike" dirty="0" err="1" smtClean="0">
+                          <a:effectLst/>
+                        </a:rPr>
+                        <a:t>팔로윙한</a:t>
+                      </a:r>
+                      <a:r>
+                        <a:rPr lang="ko-KR" altLang="en-US" sz="1000" u="none" strike="noStrike" dirty="0" smtClean="0">
+                          <a:effectLst/>
+                        </a:rPr>
+                        <a:t> 친구 목록 가져오기</a:t>
+                      </a:r>
+                      <a:endParaRPr lang="ko-KR" altLang="en-US" sz="1000" b="0" i="0" u="none" strike="noStrike" dirty="0">
+                        <a:solidFill>
+                          <a:srgbClr val="000000"/>
+                        </a:solidFill>
+                        <a:effectLst/>
+                        <a:latin typeface="맑은 고딕" panose="020B0503020000020004" pitchFamily="50" charset="-127"/>
+                        <a:ea typeface="맑은 고딕" panose="020B0503020000020004" pitchFamily="50" charset="-127"/>
+                      </a:endParaRPr>
+                    </a:p>
+                  </a:txBody>
+                  <a:tcPr marL="67084" marR="67084" marT="4952" marB="0" anchor="ctr">
+                    <a:lnL w="12700" cap="flat" cmpd="sng" algn="ctr">
+                      <a:solidFill>
+                        <a:schemeClr val="tx1"/>
+                      </a:solidFill>
+                      <a:prstDash val="solid"/>
+                      <a:round/>
+                      <a:headEnd type="none" w="med" len="med"/>
+                      <a:tailEnd type="none" w="med" len="med"/>
+                    </a:lnL>
+                    <a:lnR w="12700" cap="flat" cmpd="sng" algn="ctr">
+                      <a:solidFill>
+                        <a:schemeClr val="tx1"/>
+                      </a:solidFill>
+                      <a:prstDash val="solid"/>
+                      <a:round/>
+                      <a:headEnd type="none" w="med" len="med"/>
+                      <a:tailEnd type="none" w="med" len="med"/>
+                    </a:lnR>
+                    <a:lnT w="12700" cap="flat" cmpd="sng" algn="ctr">
+                      <a:solidFill>
+                        <a:schemeClr val="tx1"/>
+                      </a:solidFill>
+                      <a:prstDash val="solid"/>
+                      <a:round/>
+                      <a:headEnd type="none" w="med" len="med"/>
+                      <a:tailEnd type="none" w="med" len="med"/>
+                    </a:lnT>
+                    <a:lnB w="12700" cap="flat" cmpd="sng" algn="ctr">
+                      <a:solidFill>
+                        <a:schemeClr val="tx1"/>
+                      </a:solidFill>
+                      <a:prstDash val="solid"/>
+                      <a:round/>
+                      <a:headEnd type="none" w="med" len="med"/>
+                      <a:tailEnd type="none" w="med" len="med"/>
+                    </a:lnB>
+                    <a:solidFill>
+                      <a:schemeClr val="bg1"/>
+                    </a:solidFill>
+                  </a:tcPr>
+                </a:tc>
+                <a:extLst>
+                  <a:ext uri="{0D108BD9-81ED-4DB2-BD59-A6C34878D82A}">
+                    <a16:rowId xmlns:a16="http://schemas.microsoft.com/office/drawing/2014/main" val="1854540372"/>
+                  </a:ext>
+                </a:extLst>
+              </a:tr>
+              <a:tr h="184031">
+                <a:tc>
+                  <a:txBody>
+                    <a:bodyPr/>
+                    <a:lstStyle/>
+                    <a:p>
+                      <a:pPr algn="ctr" fontAlgn="ctr"/>
+                      <a:endParaRPr lang="en-US" altLang="ko-KR" sz="1000" b="0" i="0" u="none" strike="noStrike" dirty="0">
+                        <a:solidFill>
+                          <a:srgbClr val="000000"/>
+                        </a:solidFill>
+                        <a:effectLst/>
+                        <a:latin typeface="맑은 고딕" panose="020B0503020000020004" pitchFamily="50" charset="-127"/>
+                        <a:ea typeface="맑은 고딕" panose="020B0503020000020004" pitchFamily="50" charset="-127"/>
+                      </a:endParaRPr>
+                    </a:p>
+                  </a:txBody>
+                  <a:tcPr marL="67084" marR="67084" marT="4952" marB="0" anchor="ctr">
+                    <a:lnL w="12700" cap="flat" cmpd="sng" algn="ctr">
+                      <a:solidFill>
+                        <a:schemeClr val="tx1"/>
+                      </a:solidFill>
+                      <a:prstDash val="solid"/>
+                      <a:round/>
+                      <a:headEnd type="none" w="med" len="med"/>
+                      <a:tailEnd type="none" w="med" len="med"/>
+                    </a:lnL>
+                    <a:lnR w="12700" cap="flat" cmpd="sng" algn="ctr">
+                      <a:solidFill>
+                        <a:schemeClr val="tx1"/>
+                      </a:solidFill>
+                      <a:prstDash val="solid"/>
+                      <a:round/>
+                      <a:headEnd type="none" w="med" len="med"/>
+                      <a:tailEnd type="none" w="med" len="med"/>
+                    </a:lnR>
+                    <a:lnT w="12700" cap="flat" cmpd="sng" algn="ctr">
+                      <a:solidFill>
+                        <a:schemeClr val="tx1"/>
+                      </a:solidFill>
+                      <a:prstDash val="solid"/>
+                      <a:round/>
+                      <a:headEnd type="none" w="med" len="med"/>
+                      <a:tailEnd type="none" w="med" len="med"/>
+                    </a:lnT>
+                    <a:lnB w="12700" cap="flat" cmpd="sng" algn="ctr">
+                      <a:solidFill>
+                        <a:schemeClr val="tx1"/>
+                      </a:solidFill>
+                      <a:prstDash val="solid"/>
+                      <a:round/>
+                      <a:headEnd type="none" w="med" len="med"/>
+                      <a:tailEnd type="none" w="med" len="med"/>
+                    </a:lnB>
+                    <a:solidFill>
+                      <a:schemeClr val="bg1"/>
+                    </a:solidFill>
+                  </a:tcPr>
+                </a:tc>
+                <a:tc>
+                  <a:txBody>
+                    <a:bodyPr/>
+                    <a:lstStyle/>
+                    <a:p>
+                      <a:pPr algn="ctr" fontAlgn="ctr"/>
+                      <a:r>
+                        <a:rPr lang="en-US" sz="1000" u="none" strike="noStrike" dirty="0">
+                          <a:effectLst/>
+                        </a:rPr>
+                        <a:t>GET</a:t>
+                      </a:r>
+                      <a:endParaRPr lang="en-US" sz="1000" b="0" i="0" u="none" strike="noStrike" dirty="0">
+                        <a:solidFill>
+                          <a:srgbClr val="000000"/>
+                        </a:solidFill>
+                        <a:effectLst/>
+                        <a:latin typeface="맑은 고딕" panose="020B0503020000020004" pitchFamily="50" charset="-127"/>
+                        <a:ea typeface="맑은 고딕" panose="020B0503020000020004" pitchFamily="50" charset="-127"/>
+                      </a:endParaRPr>
+                    </a:p>
+                  </a:txBody>
+                  <a:tcPr marL="67084" marR="67084" marT="4952" marB="0" anchor="ctr">
+                    <a:lnL w="12700" cap="flat" cmpd="sng" algn="ctr">
+                      <a:solidFill>
+                        <a:schemeClr val="tx1"/>
+                      </a:solidFill>
+                      <a:prstDash val="solid"/>
+                      <a:round/>
+                      <a:headEnd type="none" w="med" len="med"/>
+                      <a:tailEnd type="none" w="med" len="med"/>
+                    </a:lnL>
+                    <a:lnR w="12700" cap="flat" cmpd="sng" algn="ctr">
+                      <a:solidFill>
+                        <a:schemeClr val="tx1"/>
+                      </a:solidFill>
+                      <a:prstDash val="solid"/>
+                      <a:round/>
+                      <a:headEnd type="none" w="med" len="med"/>
+                      <a:tailEnd type="none" w="med" len="med"/>
+                    </a:lnR>
+                    <a:lnT w="12700" cap="flat" cmpd="sng" algn="ctr">
+                      <a:solidFill>
+                        <a:schemeClr val="tx1"/>
+                      </a:solidFill>
+                      <a:prstDash val="solid"/>
+                      <a:round/>
+                      <a:headEnd type="none" w="med" len="med"/>
+                      <a:tailEnd type="none" w="med" len="med"/>
+                    </a:lnT>
+                    <a:lnB w="12700" cap="flat" cmpd="sng" algn="ctr">
+                      <a:solidFill>
+                        <a:schemeClr val="tx1"/>
+                      </a:solidFill>
+                      <a:prstDash val="solid"/>
+                      <a:round/>
+                      <a:headEnd type="none" w="med" len="med"/>
+                      <a:tailEnd type="none" w="med" len="med"/>
+                    </a:lnB>
+                    <a:solidFill>
+                      <a:schemeClr val="bg1"/>
+                    </a:solidFill>
+                  </a:tcPr>
+                </a:tc>
+                <a:tc>
+                  <a:txBody>
+                    <a:bodyPr/>
+                    <a:lstStyle/>
+                    <a:p>
+                      <a:pPr algn="l" fontAlgn="ctr"/>
+                      <a:r>
+                        <a:rPr lang="en-US" sz="1000" u="none" strike="noStrike" dirty="0" smtClean="0">
+                          <a:effectLst/>
+                        </a:rPr>
+                        <a:t>/</a:t>
+                      </a:r>
+                      <a:r>
+                        <a:rPr lang="en-US" sz="1000" u="none" strike="noStrike" dirty="0" smtClean="0">
+                          <a:effectLst/>
+                        </a:rPr>
+                        <a:t>follow/followed/{</a:t>
+                      </a:r>
+                      <a:r>
+                        <a:rPr lang="en-US" sz="1000" u="none" strike="noStrike" dirty="0" err="1" smtClean="0">
+                          <a:effectLst/>
+                        </a:rPr>
+                        <a:t>userId</a:t>
+                      </a:r>
+                      <a:r>
+                        <a:rPr lang="en-US" sz="1000" u="none" strike="noStrike" dirty="0" smtClean="0">
+                          <a:effectLst/>
+                        </a:rPr>
+                        <a:t>}</a:t>
+                      </a:r>
+                      <a:endParaRPr lang="en-US" sz="1000" b="0" i="0" u="none" strike="noStrike" dirty="0">
+                        <a:solidFill>
+                          <a:srgbClr val="000000"/>
+                        </a:solidFill>
+                        <a:effectLst/>
+                        <a:latin typeface="맑은 고딕" panose="020B0503020000020004" pitchFamily="50" charset="-127"/>
+                        <a:ea typeface="맑은 고딕" panose="020B0503020000020004" pitchFamily="50" charset="-127"/>
+                      </a:endParaRPr>
+                    </a:p>
+                  </a:txBody>
+                  <a:tcPr marL="67084" marR="67084" marT="4952" marB="0" anchor="ctr">
+                    <a:lnL w="12700" cap="flat" cmpd="sng" algn="ctr">
+                      <a:solidFill>
+                        <a:schemeClr val="tx1"/>
+                      </a:solidFill>
+                      <a:prstDash val="solid"/>
+                      <a:round/>
+                      <a:headEnd type="none" w="med" len="med"/>
+                      <a:tailEnd type="none" w="med" len="med"/>
+                    </a:lnL>
+                    <a:lnR w="12700" cap="flat" cmpd="sng" algn="ctr">
+                      <a:solidFill>
+                        <a:schemeClr val="tx1"/>
+                      </a:solidFill>
+                      <a:prstDash val="solid"/>
+                      <a:round/>
+                      <a:headEnd type="none" w="med" len="med"/>
+                      <a:tailEnd type="none" w="med" len="med"/>
+                    </a:lnR>
+                    <a:lnT w="12700" cap="flat" cmpd="sng" algn="ctr">
+                      <a:solidFill>
+                        <a:schemeClr val="tx1"/>
+                      </a:solidFill>
+                      <a:prstDash val="solid"/>
+                      <a:round/>
+                      <a:headEnd type="none" w="med" len="med"/>
+                      <a:tailEnd type="none" w="med" len="med"/>
+                    </a:lnT>
+                    <a:lnB w="12700" cap="flat" cmpd="sng" algn="ctr">
+                      <a:solidFill>
+                        <a:schemeClr val="tx1"/>
+                      </a:solidFill>
+                      <a:prstDash val="solid"/>
+                      <a:round/>
+                      <a:headEnd type="none" w="med" len="med"/>
+                      <a:tailEnd type="none" w="med" len="med"/>
+                    </a:lnB>
+                    <a:solidFill>
+                      <a:schemeClr val="bg1"/>
+                    </a:solidFill>
+                  </a:tcPr>
+                </a:tc>
+                <a:tc>
+                  <a:txBody>
+                    <a:bodyPr/>
+                    <a:lstStyle/>
+                    <a:p>
+                      <a:pPr algn="l" fontAlgn="ctr"/>
+                      <a:r>
+                        <a:rPr lang="en-US" sz="1000" b="1" u="none" strike="noStrike" dirty="0" err="1">
+                          <a:solidFill>
+                            <a:srgbClr val="0070C0"/>
+                          </a:solidFill>
+                          <a:effectLst/>
+                        </a:rPr>
+                        <a:t>userId</a:t>
+                      </a:r>
+                      <a:endParaRPr lang="en-US" sz="1000" b="1" i="0" u="none" strike="noStrike" dirty="0">
+                        <a:solidFill>
+                          <a:srgbClr val="0070C0"/>
+                        </a:solidFill>
+                        <a:effectLst/>
+                        <a:latin typeface="맑은 고딕" panose="020B0503020000020004" pitchFamily="50" charset="-127"/>
+                        <a:ea typeface="맑은 고딕" panose="020B0503020000020004" pitchFamily="50" charset="-127"/>
+                      </a:endParaRPr>
+                    </a:p>
+                  </a:txBody>
+                  <a:tcPr marL="67084" marR="67084" marT="4952" marB="0" anchor="ctr">
+                    <a:lnL w="12700" cap="flat" cmpd="sng" algn="ctr">
+                      <a:solidFill>
+                        <a:schemeClr val="tx1"/>
+                      </a:solidFill>
+                      <a:prstDash val="solid"/>
+                      <a:round/>
+                      <a:headEnd type="none" w="med" len="med"/>
+                      <a:tailEnd type="none" w="med" len="med"/>
+                    </a:lnL>
+                    <a:lnR w="12700" cap="flat" cmpd="sng" algn="ctr">
+                      <a:solidFill>
+                        <a:schemeClr val="tx1"/>
+                      </a:solidFill>
+                      <a:prstDash val="solid"/>
+                      <a:round/>
+                      <a:headEnd type="none" w="med" len="med"/>
+                      <a:tailEnd type="none" w="med" len="med"/>
+                    </a:lnR>
+                    <a:lnT w="12700" cap="flat" cmpd="sng" algn="ctr">
+                      <a:solidFill>
+                        <a:schemeClr val="tx1"/>
+                      </a:solidFill>
+                      <a:prstDash val="solid"/>
+                      <a:round/>
+                      <a:headEnd type="none" w="med" len="med"/>
+                      <a:tailEnd type="none" w="med" len="med"/>
+                    </a:lnT>
+                    <a:lnB w="12700" cap="flat" cmpd="sng" algn="ctr">
+                      <a:solidFill>
+                        <a:schemeClr val="tx1"/>
+                      </a:solidFill>
+                      <a:prstDash val="solid"/>
+                      <a:round/>
+                      <a:headEnd type="none" w="med" len="med"/>
+                      <a:tailEnd type="none" w="med" len="med"/>
+                    </a:lnB>
+                    <a:solidFill>
+                      <a:schemeClr val="bg1"/>
+                    </a:solidFill>
+                  </a:tcPr>
+                </a:tc>
+                <a:tc>
+                  <a:txBody>
+                    <a:bodyPr/>
+                    <a:lstStyle/>
+                    <a:p>
+                      <a:pPr algn="l" fontAlgn="ctr"/>
+                      <a:r>
+                        <a:rPr lang="en-US" sz="1000" b="1" u="none" strike="noStrike" dirty="0" smtClean="0">
+                          <a:effectLst/>
+                        </a:rPr>
+                        <a:t>List&lt;Friend&gt;</a:t>
+                      </a:r>
+                      <a:endParaRPr lang="en-US" sz="1000" b="1" i="0" u="none" strike="noStrike" dirty="0">
+                        <a:solidFill>
+                          <a:srgbClr val="000000"/>
+                        </a:solidFill>
+                        <a:effectLst/>
+                        <a:latin typeface="맑은 고딕" panose="020B0503020000020004" pitchFamily="50" charset="-127"/>
+                        <a:ea typeface="맑은 고딕" panose="020B0503020000020004" pitchFamily="50" charset="-127"/>
+                      </a:endParaRPr>
+                    </a:p>
+                  </a:txBody>
+                  <a:tcPr marL="67084" marR="67084" marT="4952" marB="0" anchor="ctr">
+                    <a:lnL w="12700" cap="flat" cmpd="sng" algn="ctr">
+                      <a:solidFill>
+                        <a:schemeClr val="tx1"/>
+                      </a:solidFill>
+                      <a:prstDash val="solid"/>
+                      <a:round/>
+                      <a:headEnd type="none" w="med" len="med"/>
+                      <a:tailEnd type="none" w="med" len="med"/>
+                    </a:lnL>
+                    <a:lnR w="12700" cap="flat" cmpd="sng" algn="ctr">
+                      <a:solidFill>
+                        <a:schemeClr val="tx1"/>
+                      </a:solidFill>
+                      <a:prstDash val="solid"/>
+                      <a:round/>
+                      <a:headEnd type="none" w="med" len="med"/>
+                      <a:tailEnd type="none" w="med" len="med"/>
+                    </a:lnR>
+                    <a:lnT w="12700" cap="flat" cmpd="sng" algn="ctr">
+                      <a:solidFill>
+                        <a:schemeClr val="tx1"/>
+                      </a:solidFill>
+                      <a:prstDash val="solid"/>
+                      <a:round/>
+                      <a:headEnd type="none" w="med" len="med"/>
+                      <a:tailEnd type="none" w="med" len="med"/>
+                    </a:lnT>
+                    <a:lnB w="12700" cap="flat" cmpd="sng" algn="ctr">
+                      <a:solidFill>
+                        <a:schemeClr val="tx1"/>
+                      </a:solidFill>
+                      <a:prstDash val="solid"/>
+                      <a:round/>
+                      <a:headEnd type="none" w="med" len="med"/>
+                      <a:tailEnd type="none" w="med" len="med"/>
+                    </a:lnB>
+                    <a:solidFill>
+                      <a:schemeClr val="bg1"/>
+                    </a:solidFill>
+                  </a:tcPr>
+                </a:tc>
+                <a:tc>
+                  <a:txBody>
+                    <a:bodyPr/>
+                    <a:lstStyle/>
+                    <a:p>
+                      <a:pPr algn="l" fontAlgn="ctr"/>
+                      <a:r>
+                        <a:rPr lang="en-US" altLang="ko-KR" sz="1000" u="none" strike="noStrike" dirty="0">
+                          <a:effectLst/>
+                        </a:rPr>
+                        <a:t>{</a:t>
+                      </a:r>
+                      <a:r>
+                        <a:rPr lang="en-US" altLang="ko-KR" sz="1000" u="none" strike="noStrike" dirty="0" err="1">
+                          <a:effectLst/>
+                        </a:rPr>
+                        <a:t>userId</a:t>
+                      </a:r>
+                      <a:r>
+                        <a:rPr lang="en-US" altLang="ko-KR" sz="1000" u="none" strike="noStrike" dirty="0" smtClean="0">
+                          <a:effectLst/>
+                        </a:rPr>
+                        <a:t>}</a:t>
+                      </a:r>
+                      <a:r>
+                        <a:rPr lang="ko-KR" altLang="en-US" sz="1000" u="none" strike="noStrike" dirty="0" smtClean="0">
+                          <a:effectLst/>
+                        </a:rPr>
+                        <a:t>를 </a:t>
+                      </a:r>
+                      <a:r>
+                        <a:rPr lang="ko-KR" altLang="en-US" sz="1000" u="none" strike="noStrike" dirty="0" err="1" smtClean="0">
+                          <a:effectLst/>
+                        </a:rPr>
+                        <a:t>팔로우하는</a:t>
+                      </a:r>
+                      <a:r>
+                        <a:rPr lang="ko-KR" altLang="en-US" sz="1000" u="none" strike="noStrike" dirty="0" smtClean="0">
+                          <a:effectLst/>
+                        </a:rPr>
+                        <a:t> 친구 목록 가져오기</a:t>
+                      </a:r>
+                      <a:endParaRPr lang="ko-KR" altLang="en-US" sz="1000" b="0" i="0" u="none" strike="noStrike" dirty="0">
+                        <a:solidFill>
+                          <a:srgbClr val="000000"/>
+                        </a:solidFill>
+                        <a:effectLst/>
+                        <a:latin typeface="맑은 고딕" panose="020B0503020000020004" pitchFamily="50" charset="-127"/>
+                        <a:ea typeface="맑은 고딕" panose="020B0503020000020004" pitchFamily="50" charset="-127"/>
+                      </a:endParaRPr>
+                    </a:p>
+                  </a:txBody>
+                  <a:tcPr marL="67084" marR="67084" marT="4952" marB="0" anchor="ctr">
+                    <a:lnL w="12700" cap="flat" cmpd="sng" algn="ctr">
+                      <a:solidFill>
+                        <a:schemeClr val="tx1"/>
+                      </a:solidFill>
+                      <a:prstDash val="solid"/>
+                      <a:round/>
+                      <a:headEnd type="none" w="med" len="med"/>
+                      <a:tailEnd type="none" w="med" len="med"/>
+                    </a:lnL>
+                    <a:lnR w="12700" cap="flat" cmpd="sng" algn="ctr">
+                      <a:solidFill>
+                        <a:schemeClr val="tx1"/>
+                      </a:solidFill>
+                      <a:prstDash val="solid"/>
+                      <a:round/>
+                      <a:headEnd type="none" w="med" len="med"/>
+                      <a:tailEnd type="none" w="med" len="med"/>
+                    </a:lnR>
+                    <a:lnT w="12700" cap="flat" cmpd="sng" algn="ctr">
+                      <a:solidFill>
+                        <a:schemeClr val="tx1"/>
+                      </a:solidFill>
+                      <a:prstDash val="solid"/>
+                      <a:round/>
+                      <a:headEnd type="none" w="med" len="med"/>
+                      <a:tailEnd type="none" w="med" len="med"/>
+                    </a:lnT>
+                    <a:lnB w="12700" cap="flat" cmpd="sng" algn="ctr">
+                      <a:solidFill>
+                        <a:schemeClr val="tx1"/>
+                      </a:solidFill>
+                      <a:prstDash val="solid"/>
+                      <a:round/>
+                      <a:headEnd type="none" w="med" len="med"/>
+                      <a:tailEnd type="none" w="med" len="med"/>
+                    </a:lnB>
+                    <a:solidFill>
+                      <a:schemeClr val="bg1"/>
+                    </a:solidFill>
+                  </a:tcPr>
+                </a:tc>
+                <a:extLst>
+                  <a:ext uri="{0D108BD9-81ED-4DB2-BD59-A6C34878D82A}">
+                    <a16:rowId xmlns:a16="http://schemas.microsoft.com/office/drawing/2014/main" val="3641066456"/>
+                  </a:ext>
+                </a:extLst>
+              </a:tr>
+              <a:tr h="184031">
+                <a:tc>
+                  <a:txBody>
+                    <a:bodyPr/>
+                    <a:lstStyle/>
+                    <a:p>
+                      <a:pPr algn="ctr" fontAlgn="ctr"/>
+                      <a:endParaRPr lang="en-US" altLang="ko-KR" sz="1000" b="0" i="0" u="none" strike="noStrike" dirty="0">
+                        <a:solidFill>
+                          <a:srgbClr val="000000"/>
+                        </a:solidFill>
+                        <a:effectLst/>
+                        <a:latin typeface="맑은 고딕" panose="020B0503020000020004" pitchFamily="50" charset="-127"/>
+                        <a:ea typeface="맑은 고딕" panose="020B0503020000020004" pitchFamily="50" charset="-127"/>
+                      </a:endParaRPr>
+                    </a:p>
+                  </a:txBody>
+                  <a:tcPr marL="67084" marR="67084" marT="4952" marB="0" anchor="ctr">
+                    <a:lnL w="12700" cap="flat" cmpd="sng" algn="ctr">
+                      <a:solidFill>
+                        <a:schemeClr val="tx1"/>
+                      </a:solidFill>
+                      <a:prstDash val="solid"/>
+                      <a:round/>
+                      <a:headEnd type="none" w="med" len="med"/>
+                      <a:tailEnd type="none" w="med" len="med"/>
+                    </a:lnL>
+                    <a:lnR w="12700" cap="flat" cmpd="sng" algn="ctr">
+                      <a:solidFill>
+                        <a:schemeClr val="tx1"/>
+                      </a:solidFill>
+                      <a:prstDash val="solid"/>
+                      <a:round/>
+                      <a:headEnd type="none" w="med" len="med"/>
+                      <a:tailEnd type="none" w="med" len="med"/>
+                    </a:lnR>
+                    <a:lnT w="12700" cap="flat" cmpd="sng" algn="ctr">
+                      <a:solidFill>
+                        <a:schemeClr val="tx1"/>
+                      </a:solidFill>
+                      <a:prstDash val="solid"/>
+                      <a:round/>
+                      <a:headEnd type="none" w="med" len="med"/>
+                      <a:tailEnd type="none" w="med" len="med"/>
+                    </a:lnT>
+                    <a:lnB w="12700" cap="flat" cmpd="sng" algn="ctr">
+                      <a:solidFill>
+                        <a:schemeClr val="tx1"/>
+                      </a:solidFill>
+                      <a:prstDash val="solid"/>
+                      <a:round/>
+                      <a:headEnd type="none" w="med" len="med"/>
+                      <a:tailEnd type="none" w="med" len="med"/>
+                    </a:lnB>
+                    <a:solidFill>
+                      <a:schemeClr val="bg1"/>
+                    </a:solidFill>
+                  </a:tcPr>
+                </a:tc>
+                <a:tc>
+                  <a:txBody>
+                    <a:bodyPr/>
+                    <a:lstStyle/>
+                    <a:p>
+                      <a:pPr algn="ctr" fontAlgn="ctr"/>
+                      <a:r>
+                        <a:rPr lang="en-US" sz="1000" u="none" strike="noStrike" dirty="0">
+                          <a:effectLst/>
+                        </a:rPr>
+                        <a:t>GET</a:t>
+                      </a:r>
+                      <a:endParaRPr lang="en-US" sz="1000" b="0" i="0" u="none" strike="noStrike" dirty="0">
+                        <a:solidFill>
+                          <a:srgbClr val="000000"/>
+                        </a:solidFill>
+                        <a:effectLst/>
+                        <a:latin typeface="맑은 고딕" panose="020B0503020000020004" pitchFamily="50" charset="-127"/>
+                        <a:ea typeface="맑은 고딕" panose="020B0503020000020004" pitchFamily="50" charset="-127"/>
+                      </a:endParaRPr>
+                    </a:p>
+                  </a:txBody>
+                  <a:tcPr marL="67084" marR="67084" marT="4952" marB="0" anchor="ctr">
+                    <a:lnL w="12700" cap="flat" cmpd="sng" algn="ctr">
+                      <a:solidFill>
+                        <a:schemeClr val="tx1"/>
+                      </a:solidFill>
+                      <a:prstDash val="solid"/>
+                      <a:round/>
+                      <a:headEnd type="none" w="med" len="med"/>
+                      <a:tailEnd type="none" w="med" len="med"/>
+                    </a:lnL>
+                    <a:lnR w="12700" cap="flat" cmpd="sng" algn="ctr">
+                      <a:solidFill>
+                        <a:schemeClr val="tx1"/>
+                      </a:solidFill>
+                      <a:prstDash val="solid"/>
+                      <a:round/>
+                      <a:headEnd type="none" w="med" len="med"/>
+                      <a:tailEnd type="none" w="med" len="med"/>
+                    </a:lnR>
+                    <a:lnT w="12700" cap="flat" cmpd="sng" algn="ctr">
+                      <a:solidFill>
+                        <a:schemeClr val="tx1"/>
+                      </a:solidFill>
+                      <a:prstDash val="solid"/>
+                      <a:round/>
+                      <a:headEnd type="none" w="med" len="med"/>
+                      <a:tailEnd type="none" w="med" len="med"/>
+                    </a:lnT>
+                    <a:lnB w="12700" cap="flat" cmpd="sng" algn="ctr">
+                      <a:solidFill>
+                        <a:schemeClr val="tx1"/>
+                      </a:solidFill>
+                      <a:prstDash val="solid"/>
+                      <a:round/>
+                      <a:headEnd type="none" w="med" len="med"/>
+                      <a:tailEnd type="none" w="med" len="med"/>
+                    </a:lnB>
+                    <a:solidFill>
+                      <a:schemeClr val="bg1"/>
+                    </a:solidFill>
+                  </a:tcPr>
+                </a:tc>
+                <a:tc>
+                  <a:txBody>
+                    <a:bodyPr/>
+                    <a:lstStyle/>
+                    <a:p>
+                      <a:pPr algn="l" fontAlgn="ctr"/>
+                      <a:r>
+                        <a:rPr lang="en-US" sz="1000" u="none" strike="noStrike" dirty="0" smtClean="0">
+                          <a:effectLst/>
+                        </a:rPr>
+                        <a:t>/follow/info/{</a:t>
+                      </a:r>
+                      <a:r>
+                        <a:rPr lang="en-US" sz="1000" u="none" strike="noStrike" dirty="0" err="1" smtClean="0">
+                          <a:effectLst/>
+                        </a:rPr>
+                        <a:t>userName</a:t>
+                      </a:r>
+                      <a:r>
+                        <a:rPr lang="en-US" sz="1000" u="none" strike="noStrike" dirty="0">
+                          <a:effectLst/>
+                        </a:rPr>
+                        <a:t>}</a:t>
+                      </a:r>
+                      <a:endParaRPr lang="en-US" sz="1000" b="0" i="0" u="none" strike="noStrike" dirty="0">
+                        <a:solidFill>
+                          <a:srgbClr val="000000"/>
+                        </a:solidFill>
+                        <a:effectLst/>
+                        <a:latin typeface="맑은 고딕" panose="020B0503020000020004" pitchFamily="50" charset="-127"/>
+                        <a:ea typeface="맑은 고딕" panose="020B0503020000020004" pitchFamily="50" charset="-127"/>
+                      </a:endParaRPr>
+                    </a:p>
+                  </a:txBody>
+                  <a:tcPr marL="67084" marR="67084" marT="4952" marB="0" anchor="ctr">
+                    <a:lnL w="12700" cap="flat" cmpd="sng" algn="ctr">
+                      <a:solidFill>
+                        <a:schemeClr val="tx1"/>
+                      </a:solidFill>
+                      <a:prstDash val="solid"/>
+                      <a:round/>
+                      <a:headEnd type="none" w="med" len="med"/>
+                      <a:tailEnd type="none" w="med" len="med"/>
+                    </a:lnL>
+                    <a:lnR w="12700" cap="flat" cmpd="sng" algn="ctr">
+                      <a:solidFill>
+                        <a:schemeClr val="tx1"/>
+                      </a:solidFill>
+                      <a:prstDash val="solid"/>
+                      <a:round/>
+                      <a:headEnd type="none" w="med" len="med"/>
+                      <a:tailEnd type="none" w="med" len="med"/>
+                    </a:lnR>
+                    <a:lnT w="12700" cap="flat" cmpd="sng" algn="ctr">
+                      <a:solidFill>
+                        <a:schemeClr val="tx1"/>
+                      </a:solidFill>
+                      <a:prstDash val="solid"/>
+                      <a:round/>
+                      <a:headEnd type="none" w="med" len="med"/>
+                      <a:tailEnd type="none" w="med" len="med"/>
+                    </a:lnT>
+                    <a:lnB w="12700" cap="flat" cmpd="sng" algn="ctr">
+                      <a:solidFill>
+                        <a:schemeClr val="tx1"/>
+                      </a:solidFill>
+                      <a:prstDash val="solid"/>
+                      <a:round/>
+                      <a:headEnd type="none" w="med" len="med"/>
+                      <a:tailEnd type="none" w="med" len="med"/>
+                    </a:lnB>
+                    <a:solidFill>
+                      <a:schemeClr val="bg1"/>
+                    </a:solidFill>
+                  </a:tcPr>
+                </a:tc>
+                <a:tc>
+                  <a:txBody>
+                    <a:bodyPr/>
+                    <a:lstStyle/>
+                    <a:p>
+                      <a:pPr algn="l" fontAlgn="ctr"/>
+                      <a:r>
+                        <a:rPr lang="en-US" sz="1000" b="1" u="none" strike="noStrike">
+                          <a:solidFill>
+                            <a:srgbClr val="0070C0"/>
+                          </a:solidFill>
+                          <a:effectLst/>
+                        </a:rPr>
+                        <a:t>userName</a:t>
+                      </a:r>
+                      <a:endParaRPr lang="en-US" sz="1000" b="1" i="0" u="none" strike="noStrike">
+                        <a:solidFill>
+                          <a:srgbClr val="0070C0"/>
+                        </a:solidFill>
+                        <a:effectLst/>
+                        <a:latin typeface="맑은 고딕" panose="020B0503020000020004" pitchFamily="50" charset="-127"/>
+                        <a:ea typeface="맑은 고딕" panose="020B0503020000020004" pitchFamily="50" charset="-127"/>
+                      </a:endParaRPr>
+                    </a:p>
+                  </a:txBody>
+                  <a:tcPr marL="67084" marR="67084" marT="4952" marB="0" anchor="ctr">
+                    <a:lnL w="12700" cap="flat" cmpd="sng" algn="ctr">
+                      <a:solidFill>
+                        <a:schemeClr val="tx1"/>
+                      </a:solidFill>
+                      <a:prstDash val="solid"/>
+                      <a:round/>
+                      <a:headEnd type="none" w="med" len="med"/>
+                      <a:tailEnd type="none" w="med" len="med"/>
+                    </a:lnL>
+                    <a:lnR w="12700" cap="flat" cmpd="sng" algn="ctr">
+                      <a:solidFill>
+                        <a:schemeClr val="tx1"/>
+                      </a:solidFill>
+                      <a:prstDash val="solid"/>
+                      <a:round/>
+                      <a:headEnd type="none" w="med" len="med"/>
+                      <a:tailEnd type="none" w="med" len="med"/>
+                    </a:lnR>
+                    <a:lnT w="12700" cap="flat" cmpd="sng" algn="ctr">
+                      <a:solidFill>
+                        <a:schemeClr val="tx1"/>
+                      </a:solidFill>
+                      <a:prstDash val="solid"/>
+                      <a:round/>
+                      <a:headEnd type="none" w="med" len="med"/>
+                      <a:tailEnd type="none" w="med" len="med"/>
+                    </a:lnT>
+                    <a:lnB w="12700" cap="flat" cmpd="sng" algn="ctr">
+                      <a:solidFill>
+                        <a:schemeClr val="tx1"/>
+                      </a:solidFill>
+                      <a:prstDash val="solid"/>
+                      <a:round/>
+                      <a:headEnd type="none" w="med" len="med"/>
+                      <a:tailEnd type="none" w="med" len="med"/>
+                    </a:lnB>
+                    <a:solidFill>
+                      <a:schemeClr val="bg1"/>
+                    </a:solidFill>
+                  </a:tcPr>
+                </a:tc>
+                <a:tc>
+                  <a:txBody>
+                    <a:bodyPr/>
+                    <a:lstStyle/>
+                    <a:p>
+                      <a:pPr algn="l" fontAlgn="ctr"/>
+                      <a:r>
+                        <a:rPr lang="en-US" sz="1000" b="1" u="none" strike="noStrike" dirty="0" smtClean="0">
+                          <a:effectLst/>
+                        </a:rPr>
+                        <a:t>List&lt;Friend&gt;</a:t>
+                      </a:r>
+                      <a:endParaRPr lang="en-US" sz="1000" b="1" i="0" u="none" strike="noStrike" dirty="0">
+                        <a:solidFill>
+                          <a:srgbClr val="000000"/>
+                        </a:solidFill>
+                        <a:effectLst/>
+                        <a:latin typeface="맑은 고딕" panose="020B0503020000020004" pitchFamily="50" charset="-127"/>
+                        <a:ea typeface="맑은 고딕" panose="020B0503020000020004" pitchFamily="50" charset="-127"/>
+                      </a:endParaRPr>
+                    </a:p>
+                  </a:txBody>
+                  <a:tcPr marL="67084" marR="67084" marT="4952" marB="0" anchor="ctr">
+                    <a:lnL w="12700" cap="flat" cmpd="sng" algn="ctr">
+                      <a:solidFill>
+                        <a:schemeClr val="tx1"/>
+                      </a:solidFill>
+                      <a:prstDash val="solid"/>
+                      <a:round/>
+                      <a:headEnd type="none" w="med" len="med"/>
+                      <a:tailEnd type="none" w="med" len="med"/>
+                    </a:lnL>
+                    <a:lnR w="12700" cap="flat" cmpd="sng" algn="ctr">
+                      <a:solidFill>
+                        <a:schemeClr val="tx1"/>
+                      </a:solidFill>
+                      <a:prstDash val="solid"/>
+                      <a:round/>
+                      <a:headEnd type="none" w="med" len="med"/>
+                      <a:tailEnd type="none" w="med" len="med"/>
+                    </a:lnR>
+                    <a:lnT w="12700" cap="flat" cmpd="sng" algn="ctr">
+                      <a:solidFill>
+                        <a:schemeClr val="tx1"/>
+                      </a:solidFill>
+                      <a:prstDash val="solid"/>
+                      <a:round/>
+                      <a:headEnd type="none" w="med" len="med"/>
+                      <a:tailEnd type="none" w="med" len="med"/>
+                    </a:lnT>
+                    <a:lnB w="12700" cap="flat" cmpd="sng" algn="ctr">
+                      <a:solidFill>
+                        <a:schemeClr val="tx1"/>
+                      </a:solidFill>
+                      <a:prstDash val="solid"/>
+                      <a:round/>
+                      <a:headEnd type="none" w="med" len="med"/>
+                      <a:tailEnd type="none" w="med" len="med"/>
+                    </a:lnB>
+                    <a:solidFill>
+                      <a:schemeClr val="bg1"/>
+                    </a:solidFill>
+                  </a:tcPr>
+                </a:tc>
+                <a:tc>
+                  <a:txBody>
+                    <a:bodyPr/>
+                    <a:lstStyle/>
+                    <a:p>
+                      <a:pPr algn="l" fontAlgn="ctr"/>
+                      <a:r>
+                        <a:rPr lang="ko-KR" altLang="en-US" sz="1000" u="none" strike="noStrike" dirty="0">
+                          <a:effectLst/>
+                        </a:rPr>
+                        <a:t>이름으로 회원 검색</a:t>
+                      </a:r>
+                      <a:endParaRPr lang="ko-KR" altLang="en-US" sz="1000" b="0" i="0" u="none" strike="noStrike" dirty="0">
+                        <a:solidFill>
+                          <a:srgbClr val="000000"/>
+                        </a:solidFill>
+                        <a:effectLst/>
+                        <a:latin typeface="맑은 고딕" panose="020B0503020000020004" pitchFamily="50" charset="-127"/>
+                        <a:ea typeface="맑은 고딕" panose="020B0503020000020004" pitchFamily="50" charset="-127"/>
+                      </a:endParaRPr>
+                    </a:p>
+                  </a:txBody>
+                  <a:tcPr marL="67084" marR="67084" marT="4952" marB="0" anchor="ctr">
+                    <a:lnL w="12700" cap="flat" cmpd="sng" algn="ctr">
+                      <a:solidFill>
+                        <a:schemeClr val="tx1"/>
+                      </a:solidFill>
+                      <a:prstDash val="solid"/>
+                      <a:round/>
+                      <a:headEnd type="none" w="med" len="med"/>
+                      <a:tailEnd type="none" w="med" len="med"/>
+                    </a:lnL>
+                    <a:lnR w="12700" cap="flat" cmpd="sng" algn="ctr">
+                      <a:solidFill>
+                        <a:schemeClr val="tx1"/>
+                      </a:solidFill>
+                      <a:prstDash val="solid"/>
+                      <a:round/>
+                      <a:headEnd type="none" w="med" len="med"/>
+                      <a:tailEnd type="none" w="med" len="med"/>
+                    </a:lnR>
+                    <a:lnT w="12700" cap="flat" cmpd="sng" algn="ctr">
+                      <a:solidFill>
+                        <a:schemeClr val="tx1"/>
+                      </a:solidFill>
+                      <a:prstDash val="solid"/>
+                      <a:round/>
+                      <a:headEnd type="none" w="med" len="med"/>
+                      <a:tailEnd type="none" w="med" len="med"/>
+                    </a:lnT>
+                    <a:lnB w="12700" cap="flat" cmpd="sng" algn="ctr">
+                      <a:solidFill>
+                        <a:schemeClr val="tx1"/>
+                      </a:solidFill>
+                      <a:prstDash val="solid"/>
+                      <a:round/>
+                      <a:headEnd type="none" w="med" len="med"/>
+                      <a:tailEnd type="none" w="med" len="med"/>
+                    </a:lnB>
+                    <a:solidFill>
+                      <a:schemeClr val="bg1"/>
+                    </a:solidFill>
+                  </a:tcPr>
+                </a:tc>
+                <a:extLst>
+                  <a:ext uri="{0D108BD9-81ED-4DB2-BD59-A6C34878D82A}">
+                    <a16:rowId xmlns:a16="http://schemas.microsoft.com/office/drawing/2014/main" val="978370245"/>
+                  </a:ext>
+                </a:extLst>
+              </a:tr>
+              <a:tr h="184031">
+                <a:tc>
+                  <a:txBody>
+                    <a:bodyPr/>
+                    <a:lstStyle/>
+                    <a:p>
+                      <a:pPr algn="ctr" fontAlgn="ctr"/>
+                      <a:endParaRPr lang="en-US" altLang="ko-KR" sz="1000" b="0" i="0" u="none" strike="noStrike" dirty="0">
+                        <a:solidFill>
+                          <a:srgbClr val="000000"/>
+                        </a:solidFill>
+                        <a:effectLst/>
+                        <a:latin typeface="맑은 고딕" panose="020B0503020000020004" pitchFamily="50" charset="-127"/>
+                        <a:ea typeface="맑은 고딕" panose="020B0503020000020004" pitchFamily="50" charset="-127"/>
+                      </a:endParaRPr>
+                    </a:p>
+                  </a:txBody>
+                  <a:tcPr marL="67084" marR="67084" marT="4952" marB="0" anchor="ctr">
+                    <a:lnL w="12700" cap="flat" cmpd="sng" algn="ctr">
+                      <a:solidFill>
+                        <a:schemeClr val="tx1"/>
+                      </a:solidFill>
+                      <a:prstDash val="solid"/>
+                      <a:round/>
+                      <a:headEnd type="none" w="med" len="med"/>
+                      <a:tailEnd type="none" w="med" len="med"/>
+                    </a:lnL>
+                    <a:lnR w="12700" cap="flat" cmpd="sng" algn="ctr">
+                      <a:solidFill>
+                        <a:schemeClr val="tx1"/>
+                      </a:solidFill>
+                      <a:prstDash val="solid"/>
+                      <a:round/>
+                      <a:headEnd type="none" w="med" len="med"/>
+                      <a:tailEnd type="none" w="med" len="med"/>
+                    </a:lnR>
+                    <a:lnT w="12700" cap="flat" cmpd="sng" algn="ctr">
+                      <a:solidFill>
+                        <a:schemeClr val="tx1"/>
+                      </a:solidFill>
+                      <a:prstDash val="solid"/>
+                      <a:round/>
+                      <a:headEnd type="none" w="med" len="med"/>
+                      <a:tailEnd type="none" w="med" len="med"/>
+                    </a:lnT>
+                    <a:lnB w="12700" cap="flat" cmpd="sng" algn="ctr">
+                      <a:solidFill>
+                        <a:schemeClr val="tx1"/>
+                      </a:solidFill>
+                      <a:prstDash val="solid"/>
+                      <a:round/>
+                      <a:headEnd type="none" w="med" len="med"/>
+                      <a:tailEnd type="none" w="med" len="med"/>
+                    </a:lnB>
+                    <a:solidFill>
+                      <a:schemeClr val="bg1"/>
+                    </a:solidFill>
+                  </a:tcPr>
+                </a:tc>
+                <a:tc>
+                  <a:txBody>
+                    <a:bodyPr/>
+                    <a:lstStyle/>
+                    <a:p>
+                      <a:pPr algn="ctr" fontAlgn="ctr"/>
+                      <a:r>
+                        <a:rPr lang="en-US" sz="1000" b="0" i="0" u="none" strike="noStrike" dirty="0" smtClean="0">
+                          <a:solidFill>
+                            <a:srgbClr val="000000"/>
+                          </a:solidFill>
+                          <a:effectLst/>
+                          <a:latin typeface="맑은 고딕" panose="020B0503020000020004" pitchFamily="50" charset="-127"/>
+                          <a:ea typeface="맑은 고딕" panose="020B0503020000020004" pitchFamily="50" charset="-127"/>
+                        </a:rPr>
+                        <a:t>POST</a:t>
+                      </a:r>
+                      <a:endParaRPr lang="en-US" sz="1000" b="0" i="0" u="none" strike="noStrike" dirty="0">
+                        <a:solidFill>
+                          <a:srgbClr val="000000"/>
+                        </a:solidFill>
+                        <a:effectLst/>
+                        <a:latin typeface="맑은 고딕" panose="020B0503020000020004" pitchFamily="50" charset="-127"/>
+                        <a:ea typeface="맑은 고딕" panose="020B0503020000020004" pitchFamily="50" charset="-127"/>
+                      </a:endParaRPr>
+                    </a:p>
+                  </a:txBody>
+                  <a:tcPr marL="67084" marR="67084" marT="4952" marB="0" anchor="ctr">
+                    <a:lnL w="12700" cap="flat" cmpd="sng" algn="ctr">
+                      <a:solidFill>
+                        <a:schemeClr val="tx1"/>
+                      </a:solidFill>
+                      <a:prstDash val="solid"/>
+                      <a:round/>
+                      <a:headEnd type="none" w="med" len="med"/>
+                      <a:tailEnd type="none" w="med" len="med"/>
+                    </a:lnL>
+                    <a:lnR w="12700" cap="flat" cmpd="sng" algn="ctr">
+                      <a:solidFill>
+                        <a:schemeClr val="tx1"/>
+                      </a:solidFill>
+                      <a:prstDash val="solid"/>
+                      <a:round/>
+                      <a:headEnd type="none" w="med" len="med"/>
+                      <a:tailEnd type="none" w="med" len="med"/>
+                    </a:lnR>
+                    <a:lnT w="12700" cap="flat" cmpd="sng" algn="ctr">
+                      <a:solidFill>
+                        <a:schemeClr val="tx1"/>
+                      </a:solidFill>
+                      <a:prstDash val="solid"/>
+                      <a:round/>
+                      <a:headEnd type="none" w="med" len="med"/>
+                      <a:tailEnd type="none" w="med" len="med"/>
+                    </a:lnT>
+                    <a:lnB w="12700" cap="flat" cmpd="sng" algn="ctr">
+                      <a:solidFill>
+                        <a:schemeClr val="tx1"/>
+                      </a:solidFill>
+                      <a:prstDash val="solid"/>
+                      <a:round/>
+                      <a:headEnd type="none" w="med" len="med"/>
+                      <a:tailEnd type="none" w="med" len="med"/>
+                    </a:lnB>
+                    <a:solidFill>
+                      <a:schemeClr val="bg1"/>
+                    </a:solidFill>
+                  </a:tcPr>
+                </a:tc>
+                <a:tc>
+                  <a:txBody>
+                    <a:bodyPr/>
+                    <a:lstStyle/>
+                    <a:p>
+                      <a:pPr algn="l" fontAlgn="ctr"/>
+                      <a:r>
+                        <a:rPr lang="en-US" sz="1000" b="0" i="0" u="none" strike="noStrike" dirty="0" smtClean="0">
+                          <a:solidFill>
+                            <a:srgbClr val="000000"/>
+                          </a:solidFill>
+                          <a:effectLst/>
+                          <a:latin typeface="맑은 고딕" panose="020B0503020000020004" pitchFamily="50" charset="-127"/>
+                          <a:ea typeface="맑은 고딕" panose="020B0503020000020004" pitchFamily="50" charset="-127"/>
+                        </a:rPr>
+                        <a:t>/follow</a:t>
+                      </a:r>
+                      <a:endParaRPr lang="en-US" sz="1000" b="0" i="0" u="none" strike="noStrike" dirty="0">
+                        <a:solidFill>
+                          <a:srgbClr val="000000"/>
+                        </a:solidFill>
+                        <a:effectLst/>
+                        <a:latin typeface="맑은 고딕" panose="020B0503020000020004" pitchFamily="50" charset="-127"/>
+                        <a:ea typeface="맑은 고딕" panose="020B0503020000020004" pitchFamily="50" charset="-127"/>
+                      </a:endParaRPr>
+                    </a:p>
+                  </a:txBody>
+                  <a:tcPr marL="67084" marR="67084" marT="4952" marB="0" anchor="ctr">
+                    <a:lnL w="12700" cap="flat" cmpd="sng" algn="ctr">
+                      <a:solidFill>
+                        <a:schemeClr val="tx1"/>
+                      </a:solidFill>
+                      <a:prstDash val="solid"/>
+                      <a:round/>
+                      <a:headEnd type="none" w="med" len="med"/>
+                      <a:tailEnd type="none" w="med" len="med"/>
+                    </a:lnL>
+                    <a:lnR w="12700" cap="flat" cmpd="sng" algn="ctr">
+                      <a:solidFill>
+                        <a:schemeClr val="tx1"/>
+                      </a:solidFill>
+                      <a:prstDash val="solid"/>
+                      <a:round/>
+                      <a:headEnd type="none" w="med" len="med"/>
+                      <a:tailEnd type="none" w="med" len="med"/>
+                    </a:lnR>
+                    <a:lnT w="12700" cap="flat" cmpd="sng" algn="ctr">
+                      <a:solidFill>
+                        <a:schemeClr val="tx1"/>
+                      </a:solidFill>
+                      <a:prstDash val="solid"/>
+                      <a:round/>
+                      <a:headEnd type="none" w="med" len="med"/>
+                      <a:tailEnd type="none" w="med" len="med"/>
+                    </a:lnT>
+                    <a:lnB w="12700" cap="flat" cmpd="sng" algn="ctr">
+                      <a:solidFill>
+                        <a:schemeClr val="tx1"/>
+                      </a:solidFill>
+                      <a:prstDash val="solid"/>
+                      <a:round/>
+                      <a:headEnd type="none" w="med" len="med"/>
+                      <a:tailEnd type="none" w="med" len="med"/>
+                    </a:lnB>
+                    <a:solidFill>
+                      <a:schemeClr val="bg1"/>
+                    </a:solidFill>
+                  </a:tcPr>
+                </a:tc>
+                <a:tc>
+                  <a:txBody>
+                    <a:bodyPr/>
+                    <a:lstStyle/>
+                    <a:p>
+                      <a:pPr algn="l" fontAlgn="ctr"/>
+                      <a:r>
+                        <a:rPr lang="en-US" sz="1000" b="1" i="0" u="none" strike="noStrike" dirty="0" err="1" smtClean="0">
+                          <a:solidFill>
+                            <a:srgbClr val="0070C0"/>
+                          </a:solidFill>
+                          <a:effectLst/>
+                          <a:latin typeface="맑은 고딕" panose="020B0503020000020004" pitchFamily="50" charset="-127"/>
+                          <a:ea typeface="맑은 고딕" panose="020B0503020000020004" pitchFamily="50" charset="-127"/>
+                        </a:rPr>
+                        <a:t>userId</a:t>
+                      </a:r>
+                      <a:r>
+                        <a:rPr lang="en-US" sz="1000" b="1" i="0" u="none" strike="noStrike" dirty="0" smtClean="0">
+                          <a:solidFill>
+                            <a:srgbClr val="0070C0"/>
+                          </a:solidFill>
+                          <a:effectLst/>
+                          <a:latin typeface="맑은 고딕" panose="020B0503020000020004" pitchFamily="50" charset="-127"/>
+                          <a:ea typeface="맑은 고딕" panose="020B0503020000020004" pitchFamily="50" charset="-127"/>
+                        </a:rPr>
+                        <a:t/>
+                      </a:r>
+                      <a:br>
+                        <a:rPr lang="en-US" sz="1000" b="1" i="0" u="none" strike="noStrike" dirty="0" smtClean="0">
+                          <a:solidFill>
+                            <a:srgbClr val="0070C0"/>
+                          </a:solidFill>
+                          <a:effectLst/>
+                          <a:latin typeface="맑은 고딕" panose="020B0503020000020004" pitchFamily="50" charset="-127"/>
+                          <a:ea typeface="맑은 고딕" panose="020B0503020000020004" pitchFamily="50" charset="-127"/>
+                        </a:rPr>
+                      </a:br>
+                      <a:r>
+                        <a:rPr lang="en-US" sz="1000" b="1" i="0" u="none" strike="noStrike" dirty="0" err="1" smtClean="0">
+                          <a:solidFill>
+                            <a:srgbClr val="0070C0"/>
+                          </a:solidFill>
+                          <a:effectLst/>
+                          <a:latin typeface="맑은 고딕" panose="020B0503020000020004" pitchFamily="50" charset="-127"/>
+                          <a:ea typeface="맑은 고딕" panose="020B0503020000020004" pitchFamily="50" charset="-127"/>
+                        </a:rPr>
+                        <a:t>friendId</a:t>
+                      </a:r>
+                      <a:endParaRPr lang="en-US" sz="1000" b="1" i="0" u="none" strike="noStrike" dirty="0">
+                        <a:solidFill>
+                          <a:srgbClr val="0070C0"/>
+                        </a:solidFill>
+                        <a:effectLst/>
+                        <a:latin typeface="맑은 고딕" panose="020B0503020000020004" pitchFamily="50" charset="-127"/>
+                        <a:ea typeface="맑은 고딕" panose="020B0503020000020004" pitchFamily="50" charset="-127"/>
+                      </a:endParaRPr>
+                    </a:p>
+                  </a:txBody>
+                  <a:tcPr marL="67084" marR="67084" marT="4952" marB="0" anchor="ctr">
+                    <a:lnL w="12700" cap="flat" cmpd="sng" algn="ctr">
+                      <a:solidFill>
+                        <a:schemeClr val="tx1"/>
+                      </a:solidFill>
+                      <a:prstDash val="solid"/>
+                      <a:round/>
+                      <a:headEnd type="none" w="med" len="med"/>
+                      <a:tailEnd type="none" w="med" len="med"/>
+                    </a:lnL>
+                    <a:lnR w="12700" cap="flat" cmpd="sng" algn="ctr">
+                      <a:solidFill>
+                        <a:schemeClr val="tx1"/>
+                      </a:solidFill>
+                      <a:prstDash val="solid"/>
+                      <a:round/>
+                      <a:headEnd type="none" w="med" len="med"/>
+                      <a:tailEnd type="none" w="med" len="med"/>
+                    </a:lnR>
+                    <a:lnT w="12700" cap="flat" cmpd="sng" algn="ctr">
+                      <a:solidFill>
+                        <a:schemeClr val="tx1"/>
+                      </a:solidFill>
+                      <a:prstDash val="solid"/>
+                      <a:round/>
+                      <a:headEnd type="none" w="med" len="med"/>
+                      <a:tailEnd type="none" w="med" len="med"/>
+                    </a:lnT>
+                    <a:lnB w="12700" cap="flat" cmpd="sng" algn="ctr">
+                      <a:solidFill>
+                        <a:schemeClr val="tx1"/>
+                      </a:solidFill>
+                      <a:prstDash val="solid"/>
+                      <a:round/>
+                      <a:headEnd type="none" w="med" len="med"/>
+                      <a:tailEnd type="none" w="med" len="med"/>
+                    </a:lnB>
+                    <a:solidFill>
+                      <a:schemeClr val="bg1"/>
+                    </a:solidFill>
+                  </a:tcPr>
+                </a:tc>
+                <a:tc>
+                  <a:txBody>
+                    <a:bodyPr/>
+                    <a:lstStyle/>
+                    <a:p>
+                      <a:pPr algn="l" fontAlgn="ctr"/>
+                      <a:endParaRPr lang="en-US" sz="1000" b="1" i="0" u="none" strike="noStrike" dirty="0">
+                        <a:solidFill>
+                          <a:srgbClr val="000000"/>
+                        </a:solidFill>
+                        <a:effectLst/>
+                        <a:latin typeface="맑은 고딕" panose="020B0503020000020004" pitchFamily="50" charset="-127"/>
+                        <a:ea typeface="맑은 고딕" panose="020B0503020000020004" pitchFamily="50" charset="-127"/>
+                      </a:endParaRPr>
+                    </a:p>
+                  </a:txBody>
+                  <a:tcPr marL="67084" marR="67084" marT="4952" marB="0" anchor="ctr">
+                    <a:lnL w="12700" cap="flat" cmpd="sng" algn="ctr">
+                      <a:solidFill>
+                        <a:schemeClr val="tx1"/>
+                      </a:solidFill>
+                      <a:prstDash val="solid"/>
+                      <a:round/>
+                      <a:headEnd type="none" w="med" len="med"/>
+                      <a:tailEnd type="none" w="med" len="med"/>
+                    </a:lnL>
+                    <a:lnR w="12700" cap="flat" cmpd="sng" algn="ctr">
+                      <a:solidFill>
+                        <a:schemeClr val="tx1"/>
+                      </a:solidFill>
+                      <a:prstDash val="solid"/>
+                      <a:round/>
+                      <a:headEnd type="none" w="med" len="med"/>
+                      <a:tailEnd type="none" w="med" len="med"/>
+                    </a:lnR>
+                    <a:lnT w="12700" cap="flat" cmpd="sng" algn="ctr">
+                      <a:solidFill>
+                        <a:schemeClr val="tx1"/>
+                      </a:solidFill>
+                      <a:prstDash val="solid"/>
+                      <a:round/>
+                      <a:headEnd type="none" w="med" len="med"/>
+                      <a:tailEnd type="none" w="med" len="med"/>
+                    </a:lnT>
+                    <a:lnB w="12700" cap="flat" cmpd="sng" algn="ctr">
+                      <a:solidFill>
+                        <a:schemeClr val="tx1"/>
+                      </a:solidFill>
+                      <a:prstDash val="solid"/>
+                      <a:round/>
+                      <a:headEnd type="none" w="med" len="med"/>
+                      <a:tailEnd type="none" w="med" len="med"/>
+                    </a:lnB>
+                    <a:solidFill>
+                      <a:schemeClr val="bg1"/>
+                    </a:solidFill>
+                  </a:tcPr>
+                </a:tc>
+                <a:tc>
+                  <a:txBody>
+                    <a:bodyPr/>
+                    <a:lstStyle/>
+                    <a:p>
+                      <a:pPr algn="l" fontAlgn="ctr"/>
+                      <a:r>
+                        <a:rPr lang="ko-KR" altLang="en-US" sz="1000" b="0" i="0" u="none" strike="noStrike" dirty="0" smtClean="0">
+                          <a:solidFill>
+                            <a:srgbClr val="000000"/>
+                          </a:solidFill>
+                          <a:effectLst/>
+                          <a:latin typeface="맑은 고딕" panose="020B0503020000020004" pitchFamily="50" charset="-127"/>
+                          <a:ea typeface="맑은 고딕" panose="020B0503020000020004" pitchFamily="50" charset="-127"/>
+                        </a:rPr>
+                        <a:t>친구 등록</a:t>
+                      </a:r>
+                      <a:endParaRPr lang="ko-KR" altLang="en-US" sz="1000" b="0" i="0" u="none" strike="noStrike" dirty="0">
+                        <a:solidFill>
+                          <a:srgbClr val="000000"/>
+                        </a:solidFill>
+                        <a:effectLst/>
+                        <a:latin typeface="맑은 고딕" panose="020B0503020000020004" pitchFamily="50" charset="-127"/>
+                        <a:ea typeface="맑은 고딕" panose="020B0503020000020004" pitchFamily="50" charset="-127"/>
+                      </a:endParaRPr>
+                    </a:p>
+                  </a:txBody>
+                  <a:tcPr marL="67084" marR="67084" marT="4952" marB="0" anchor="ctr">
+                    <a:lnL w="12700" cap="flat" cmpd="sng" algn="ctr">
+                      <a:solidFill>
+                        <a:schemeClr val="tx1"/>
+                      </a:solidFill>
+                      <a:prstDash val="solid"/>
+                      <a:round/>
+                      <a:headEnd type="none" w="med" len="med"/>
+                      <a:tailEnd type="none" w="med" len="med"/>
+                    </a:lnL>
+                    <a:lnR w="12700" cap="flat" cmpd="sng" algn="ctr">
+                      <a:solidFill>
+                        <a:schemeClr val="tx1"/>
+                      </a:solidFill>
+                      <a:prstDash val="solid"/>
+                      <a:round/>
+                      <a:headEnd type="none" w="med" len="med"/>
+                      <a:tailEnd type="none" w="med" len="med"/>
+                    </a:lnR>
+                    <a:lnT w="12700" cap="flat" cmpd="sng" algn="ctr">
+                      <a:solidFill>
+                        <a:schemeClr val="tx1"/>
+                      </a:solidFill>
+                      <a:prstDash val="solid"/>
+                      <a:round/>
+                      <a:headEnd type="none" w="med" len="med"/>
+                      <a:tailEnd type="none" w="med" len="med"/>
+                    </a:lnT>
+                    <a:lnB w="12700" cap="flat" cmpd="sng" algn="ctr">
+                      <a:solidFill>
+                        <a:schemeClr val="tx1"/>
+                      </a:solidFill>
+                      <a:prstDash val="solid"/>
+                      <a:round/>
+                      <a:headEnd type="none" w="med" len="med"/>
+                      <a:tailEnd type="none" w="med" len="med"/>
+                    </a:lnB>
+                    <a:solidFill>
+                      <a:schemeClr val="bg1"/>
+                    </a:solidFill>
+                  </a:tcPr>
+                </a:tc>
+                <a:extLst>
+                  <a:ext uri="{0D108BD9-81ED-4DB2-BD59-A6C34878D82A}">
+                    <a16:rowId xmlns:a16="http://schemas.microsoft.com/office/drawing/2014/main" val="3546472190"/>
+                  </a:ext>
+                </a:extLst>
+              </a:tr>
+              <a:tr h="184031">
+                <a:tc>
+                  <a:txBody>
+                    <a:bodyPr/>
+                    <a:lstStyle/>
+                    <a:p>
+                      <a:pPr algn="ctr" fontAlgn="ctr"/>
+                      <a:endParaRPr lang="en-US" altLang="ko-KR" sz="1000" b="0" i="0" u="none" strike="noStrike" dirty="0">
+                        <a:solidFill>
+                          <a:srgbClr val="000000"/>
+                        </a:solidFill>
+                        <a:effectLst/>
+                        <a:latin typeface="맑은 고딕" panose="020B0503020000020004" pitchFamily="50" charset="-127"/>
+                        <a:ea typeface="맑은 고딕" panose="020B0503020000020004" pitchFamily="50" charset="-127"/>
+                      </a:endParaRPr>
+                    </a:p>
+                  </a:txBody>
+                  <a:tcPr marL="67084" marR="67084" marT="4952" marB="0" anchor="ctr">
+                    <a:lnL w="12700" cap="flat" cmpd="sng" algn="ctr">
+                      <a:solidFill>
+                        <a:schemeClr val="tx1"/>
+                      </a:solidFill>
+                      <a:prstDash val="solid"/>
+                      <a:round/>
+                      <a:headEnd type="none" w="med" len="med"/>
+                      <a:tailEnd type="none" w="med" len="med"/>
+                    </a:lnL>
+                    <a:lnR w="12700" cap="flat" cmpd="sng" algn="ctr">
+                      <a:solidFill>
+                        <a:schemeClr val="tx1"/>
+                      </a:solidFill>
+                      <a:prstDash val="solid"/>
+                      <a:round/>
+                      <a:headEnd type="none" w="med" len="med"/>
+                      <a:tailEnd type="none" w="med" len="med"/>
+                    </a:lnR>
+                    <a:lnT w="12700" cap="flat" cmpd="sng" algn="ctr">
+                      <a:solidFill>
+                        <a:schemeClr val="tx1"/>
+                      </a:solidFill>
+                      <a:prstDash val="solid"/>
+                      <a:round/>
+                      <a:headEnd type="none" w="med" len="med"/>
+                      <a:tailEnd type="none" w="med" len="med"/>
+                    </a:lnT>
+                    <a:lnB w="12700" cap="flat" cmpd="sng" algn="ctr">
+                      <a:solidFill>
+                        <a:schemeClr val="tx1"/>
+                      </a:solidFill>
+                      <a:prstDash val="solid"/>
+                      <a:round/>
+                      <a:headEnd type="none" w="med" len="med"/>
+                      <a:tailEnd type="none" w="med" len="med"/>
+                    </a:lnB>
+                    <a:solidFill>
+                      <a:schemeClr val="bg1"/>
+                    </a:solidFill>
+                  </a:tcPr>
+                </a:tc>
+                <a:tc>
+                  <a:txBody>
+                    <a:bodyPr/>
+                    <a:lstStyle/>
+                    <a:p>
+                      <a:pPr algn="ctr" fontAlgn="ctr"/>
+                      <a:r>
+                        <a:rPr lang="en-US" sz="1000" b="0" i="0" u="none" strike="noStrike" dirty="0" smtClean="0">
+                          <a:solidFill>
+                            <a:srgbClr val="000000"/>
+                          </a:solidFill>
+                          <a:effectLst/>
+                          <a:latin typeface="맑은 고딕" panose="020B0503020000020004" pitchFamily="50" charset="-127"/>
+                          <a:ea typeface="맑은 고딕" panose="020B0503020000020004" pitchFamily="50" charset="-127"/>
+                        </a:rPr>
+                        <a:t>DELETE</a:t>
+                      </a:r>
+                      <a:endParaRPr lang="en-US" sz="1000" b="0" i="0" u="none" strike="noStrike" dirty="0">
+                        <a:solidFill>
+                          <a:srgbClr val="000000"/>
+                        </a:solidFill>
+                        <a:effectLst/>
+                        <a:latin typeface="맑은 고딕" panose="020B0503020000020004" pitchFamily="50" charset="-127"/>
+                        <a:ea typeface="맑은 고딕" panose="020B0503020000020004" pitchFamily="50" charset="-127"/>
+                      </a:endParaRPr>
+                    </a:p>
+                  </a:txBody>
+                  <a:tcPr marL="67084" marR="67084" marT="4952" marB="0" anchor="ctr">
+                    <a:lnL w="12700" cap="flat" cmpd="sng" algn="ctr">
+                      <a:solidFill>
+                        <a:schemeClr val="tx1"/>
+                      </a:solidFill>
+                      <a:prstDash val="solid"/>
+                      <a:round/>
+                      <a:headEnd type="none" w="med" len="med"/>
+                      <a:tailEnd type="none" w="med" len="med"/>
+                    </a:lnL>
+                    <a:lnR w="12700" cap="flat" cmpd="sng" algn="ctr">
+                      <a:solidFill>
+                        <a:schemeClr val="tx1"/>
+                      </a:solidFill>
+                      <a:prstDash val="solid"/>
+                      <a:round/>
+                      <a:headEnd type="none" w="med" len="med"/>
+                      <a:tailEnd type="none" w="med" len="med"/>
+                    </a:lnR>
+                    <a:lnT w="12700" cap="flat" cmpd="sng" algn="ctr">
+                      <a:solidFill>
+                        <a:schemeClr val="tx1"/>
+                      </a:solidFill>
+                      <a:prstDash val="solid"/>
+                      <a:round/>
+                      <a:headEnd type="none" w="med" len="med"/>
+                      <a:tailEnd type="none" w="med" len="med"/>
+                    </a:lnT>
+                    <a:lnB w="12700" cap="flat" cmpd="sng" algn="ctr">
+                      <a:solidFill>
+                        <a:schemeClr val="tx1"/>
+                      </a:solidFill>
+                      <a:prstDash val="solid"/>
+                      <a:round/>
+                      <a:headEnd type="none" w="med" len="med"/>
+                      <a:tailEnd type="none" w="med" len="med"/>
+                    </a:lnB>
+                    <a:solidFill>
+                      <a:schemeClr val="bg1"/>
+                    </a:solidFill>
+                  </a:tcPr>
+                </a:tc>
+                <a:tc>
+                  <a:txBody>
+                    <a:bodyPr/>
+                    <a:lstStyle/>
+                    <a:p>
+                      <a:pPr algn="l" fontAlgn="ctr"/>
+                      <a:r>
+                        <a:rPr lang="en-US" sz="1000" b="0" i="0" u="none" strike="noStrike" smtClean="0">
+                          <a:solidFill>
+                            <a:srgbClr val="000000"/>
+                          </a:solidFill>
+                          <a:effectLst/>
+                          <a:latin typeface="맑은 고딕" panose="020B0503020000020004" pitchFamily="50" charset="-127"/>
+                          <a:ea typeface="맑은 고딕" panose="020B0503020000020004" pitchFamily="50" charset="-127"/>
+                        </a:rPr>
+                        <a:t>/follow</a:t>
+                      </a:r>
+                      <a:endParaRPr lang="en-US" sz="1000" b="0" i="0" u="none" strike="noStrike" dirty="0">
+                        <a:solidFill>
+                          <a:srgbClr val="000000"/>
+                        </a:solidFill>
+                        <a:effectLst/>
+                        <a:latin typeface="맑은 고딕" panose="020B0503020000020004" pitchFamily="50" charset="-127"/>
+                        <a:ea typeface="맑은 고딕" panose="020B0503020000020004" pitchFamily="50" charset="-127"/>
+                      </a:endParaRPr>
+                    </a:p>
+                  </a:txBody>
+                  <a:tcPr marL="67084" marR="67084" marT="4952" marB="0" anchor="ctr">
+                    <a:lnL w="12700" cap="flat" cmpd="sng" algn="ctr">
+                      <a:solidFill>
+                        <a:schemeClr val="tx1"/>
+                      </a:solidFill>
+                      <a:prstDash val="solid"/>
+                      <a:round/>
+                      <a:headEnd type="none" w="med" len="med"/>
+                      <a:tailEnd type="none" w="med" len="med"/>
+                    </a:lnL>
+                    <a:lnR w="12700" cap="flat" cmpd="sng" algn="ctr">
+                      <a:solidFill>
+                        <a:schemeClr val="tx1"/>
+                      </a:solidFill>
+                      <a:prstDash val="solid"/>
+                      <a:round/>
+                      <a:headEnd type="none" w="med" len="med"/>
+                      <a:tailEnd type="none" w="med" len="med"/>
+                    </a:lnR>
+                    <a:lnT w="12700" cap="flat" cmpd="sng" algn="ctr">
+                      <a:solidFill>
+                        <a:schemeClr val="tx1"/>
+                      </a:solidFill>
+                      <a:prstDash val="solid"/>
+                      <a:round/>
+                      <a:headEnd type="none" w="med" len="med"/>
+                      <a:tailEnd type="none" w="med" len="med"/>
+                    </a:lnT>
+                    <a:lnB w="12700" cap="flat" cmpd="sng" algn="ctr">
+                      <a:solidFill>
+                        <a:schemeClr val="tx1"/>
+                      </a:solidFill>
+                      <a:prstDash val="solid"/>
+                      <a:round/>
+                      <a:headEnd type="none" w="med" len="med"/>
+                      <a:tailEnd type="none" w="med" len="med"/>
+                    </a:lnB>
+                    <a:solidFill>
+                      <a:schemeClr val="bg1"/>
+                    </a:solidFill>
+                  </a:tcPr>
+                </a:tc>
+                <a:tc>
+                  <a:txBody>
+                    <a:bodyPr/>
+                    <a:lstStyle/>
+                    <a:p>
+                      <a:pPr algn="l" fontAlgn="ctr"/>
+                      <a:r>
+                        <a:rPr lang="en-US" sz="1000" b="1" i="0" u="none" strike="noStrike" dirty="0" err="1" smtClean="0">
+                          <a:solidFill>
+                            <a:srgbClr val="0070C0"/>
+                          </a:solidFill>
+                          <a:effectLst/>
+                          <a:latin typeface="맑은 고딕" panose="020B0503020000020004" pitchFamily="50" charset="-127"/>
+                          <a:ea typeface="맑은 고딕" panose="020B0503020000020004" pitchFamily="50" charset="-127"/>
+                        </a:rPr>
+                        <a:t>userId</a:t>
+                      </a:r>
+                      <a:r>
+                        <a:rPr lang="en-US" sz="1000" b="1" i="0" u="none" strike="noStrike" dirty="0" smtClean="0">
+                          <a:solidFill>
+                            <a:srgbClr val="0070C0"/>
+                          </a:solidFill>
+                          <a:effectLst/>
+                          <a:latin typeface="맑은 고딕" panose="020B0503020000020004" pitchFamily="50" charset="-127"/>
+                          <a:ea typeface="맑은 고딕" panose="020B0503020000020004" pitchFamily="50" charset="-127"/>
+                        </a:rPr>
+                        <a:t/>
+                      </a:r>
+                      <a:br>
+                        <a:rPr lang="en-US" sz="1000" b="1" i="0" u="none" strike="noStrike" dirty="0" smtClean="0">
+                          <a:solidFill>
+                            <a:srgbClr val="0070C0"/>
+                          </a:solidFill>
+                          <a:effectLst/>
+                          <a:latin typeface="맑은 고딕" panose="020B0503020000020004" pitchFamily="50" charset="-127"/>
+                          <a:ea typeface="맑은 고딕" panose="020B0503020000020004" pitchFamily="50" charset="-127"/>
+                        </a:rPr>
+                      </a:br>
+                      <a:r>
+                        <a:rPr lang="en-US" sz="1000" b="1" i="0" u="none" strike="noStrike" dirty="0" err="1" smtClean="0">
+                          <a:solidFill>
+                            <a:srgbClr val="0070C0"/>
+                          </a:solidFill>
+                          <a:effectLst/>
+                          <a:latin typeface="맑은 고딕" panose="020B0503020000020004" pitchFamily="50" charset="-127"/>
+                          <a:ea typeface="맑은 고딕" panose="020B0503020000020004" pitchFamily="50" charset="-127"/>
+                        </a:rPr>
+                        <a:t>friendId</a:t>
+                      </a:r>
+                      <a:endParaRPr lang="en-US" sz="1000" b="1" i="0" u="none" strike="noStrike" dirty="0">
+                        <a:solidFill>
+                          <a:srgbClr val="0070C0"/>
+                        </a:solidFill>
+                        <a:effectLst/>
+                        <a:latin typeface="맑은 고딕" panose="020B0503020000020004" pitchFamily="50" charset="-127"/>
+                        <a:ea typeface="맑은 고딕" panose="020B0503020000020004" pitchFamily="50" charset="-127"/>
+                      </a:endParaRPr>
+                    </a:p>
+                  </a:txBody>
+                  <a:tcPr marL="67084" marR="67084" marT="4952" marB="0" anchor="ctr">
+                    <a:lnL w="12700" cap="flat" cmpd="sng" algn="ctr">
+                      <a:solidFill>
+                        <a:schemeClr val="tx1"/>
+                      </a:solidFill>
+                      <a:prstDash val="solid"/>
+                      <a:round/>
+                      <a:headEnd type="none" w="med" len="med"/>
+                      <a:tailEnd type="none" w="med" len="med"/>
+                    </a:lnL>
+                    <a:lnR w="12700" cap="flat" cmpd="sng" algn="ctr">
+                      <a:solidFill>
+                        <a:schemeClr val="tx1"/>
+                      </a:solidFill>
+                      <a:prstDash val="solid"/>
+                      <a:round/>
+                      <a:headEnd type="none" w="med" len="med"/>
+                      <a:tailEnd type="none" w="med" len="med"/>
+                    </a:lnR>
+                    <a:lnT w="12700" cap="flat" cmpd="sng" algn="ctr">
+                      <a:solidFill>
+                        <a:schemeClr val="tx1"/>
+                      </a:solidFill>
+                      <a:prstDash val="solid"/>
+                      <a:round/>
+                      <a:headEnd type="none" w="med" len="med"/>
+                      <a:tailEnd type="none" w="med" len="med"/>
+                    </a:lnT>
+                    <a:lnB w="12700" cap="flat" cmpd="sng" algn="ctr">
+                      <a:solidFill>
+                        <a:schemeClr val="tx1"/>
+                      </a:solidFill>
+                      <a:prstDash val="solid"/>
+                      <a:round/>
+                      <a:headEnd type="none" w="med" len="med"/>
+                      <a:tailEnd type="none" w="med" len="med"/>
+                    </a:lnB>
+                    <a:solidFill>
+                      <a:schemeClr val="bg1"/>
+                    </a:solidFill>
+                  </a:tcPr>
+                </a:tc>
+                <a:tc>
+                  <a:txBody>
+                    <a:bodyPr/>
+                    <a:lstStyle/>
+                    <a:p>
+                      <a:pPr algn="l" fontAlgn="ctr"/>
+                      <a:endParaRPr lang="en-US" sz="1000" b="1" i="0" u="none" strike="noStrike" dirty="0">
+                        <a:solidFill>
+                          <a:srgbClr val="000000"/>
+                        </a:solidFill>
+                        <a:effectLst/>
+                        <a:latin typeface="맑은 고딕" panose="020B0503020000020004" pitchFamily="50" charset="-127"/>
+                        <a:ea typeface="맑은 고딕" panose="020B0503020000020004" pitchFamily="50" charset="-127"/>
+                      </a:endParaRPr>
+                    </a:p>
+                  </a:txBody>
+                  <a:tcPr marL="67084" marR="67084" marT="4952" marB="0" anchor="ctr">
+                    <a:lnL w="12700" cap="flat" cmpd="sng" algn="ctr">
+                      <a:solidFill>
+                        <a:schemeClr val="tx1"/>
+                      </a:solidFill>
+                      <a:prstDash val="solid"/>
+                      <a:round/>
+                      <a:headEnd type="none" w="med" len="med"/>
+                      <a:tailEnd type="none" w="med" len="med"/>
+                    </a:lnL>
+                    <a:lnR w="12700" cap="flat" cmpd="sng" algn="ctr">
+                      <a:solidFill>
+                        <a:schemeClr val="tx1"/>
+                      </a:solidFill>
+                      <a:prstDash val="solid"/>
+                      <a:round/>
+                      <a:headEnd type="none" w="med" len="med"/>
+                      <a:tailEnd type="none" w="med" len="med"/>
+                    </a:lnR>
+                    <a:lnT w="12700" cap="flat" cmpd="sng" algn="ctr">
+                      <a:solidFill>
+                        <a:schemeClr val="tx1"/>
+                      </a:solidFill>
+                      <a:prstDash val="solid"/>
+                      <a:round/>
+                      <a:headEnd type="none" w="med" len="med"/>
+                      <a:tailEnd type="none" w="med" len="med"/>
+                    </a:lnT>
+                    <a:lnB w="12700" cap="flat" cmpd="sng" algn="ctr">
+                      <a:solidFill>
+                        <a:schemeClr val="tx1"/>
+                      </a:solidFill>
+                      <a:prstDash val="solid"/>
+                      <a:round/>
+                      <a:headEnd type="none" w="med" len="med"/>
+                      <a:tailEnd type="none" w="med" len="med"/>
+                    </a:lnB>
+                    <a:solidFill>
+                      <a:schemeClr val="bg1"/>
+                    </a:solidFill>
+                  </a:tcPr>
+                </a:tc>
+                <a:tc>
+                  <a:txBody>
+                    <a:bodyPr/>
+                    <a:lstStyle/>
+                    <a:p>
+                      <a:pPr algn="l" fontAlgn="ctr"/>
+                      <a:r>
+                        <a:rPr lang="ko-KR" altLang="en-US" sz="1000" b="0" i="0" u="none" strike="noStrike" dirty="0" smtClean="0">
+                          <a:solidFill>
+                            <a:srgbClr val="000000"/>
+                          </a:solidFill>
+                          <a:effectLst/>
+                          <a:latin typeface="맑은 고딕" panose="020B0503020000020004" pitchFamily="50" charset="-127"/>
+                          <a:ea typeface="맑은 고딕" panose="020B0503020000020004" pitchFamily="50" charset="-127"/>
+                        </a:rPr>
+                        <a:t>친구 삭제</a:t>
+                      </a:r>
+                      <a:endParaRPr lang="ko-KR" altLang="en-US" sz="1000" b="0" i="0" u="none" strike="noStrike" dirty="0">
+                        <a:solidFill>
+                          <a:srgbClr val="000000"/>
+                        </a:solidFill>
+                        <a:effectLst/>
+                        <a:latin typeface="맑은 고딕" panose="020B0503020000020004" pitchFamily="50" charset="-127"/>
+                        <a:ea typeface="맑은 고딕" panose="020B0503020000020004" pitchFamily="50" charset="-127"/>
+                      </a:endParaRPr>
+                    </a:p>
+                  </a:txBody>
+                  <a:tcPr marL="67084" marR="67084" marT="4952" marB="0" anchor="ctr">
+                    <a:lnL w="12700" cap="flat" cmpd="sng" algn="ctr">
+                      <a:solidFill>
+                        <a:schemeClr val="tx1"/>
+                      </a:solidFill>
+                      <a:prstDash val="solid"/>
+                      <a:round/>
+                      <a:headEnd type="none" w="med" len="med"/>
+                      <a:tailEnd type="none" w="med" len="med"/>
+                    </a:lnL>
+                    <a:lnR w="12700" cap="flat" cmpd="sng" algn="ctr">
+                      <a:solidFill>
+                        <a:schemeClr val="tx1"/>
+                      </a:solidFill>
+                      <a:prstDash val="solid"/>
+                      <a:round/>
+                      <a:headEnd type="none" w="med" len="med"/>
+                      <a:tailEnd type="none" w="med" len="med"/>
+                    </a:lnR>
+                    <a:lnT w="12700" cap="flat" cmpd="sng" algn="ctr">
+                      <a:solidFill>
+                        <a:schemeClr val="tx1"/>
+                      </a:solidFill>
+                      <a:prstDash val="solid"/>
+                      <a:round/>
+                      <a:headEnd type="none" w="med" len="med"/>
+                      <a:tailEnd type="none" w="med" len="med"/>
+                    </a:lnT>
+                    <a:lnB w="12700" cap="flat" cmpd="sng" algn="ctr">
+                      <a:solidFill>
+                        <a:schemeClr val="tx1"/>
+                      </a:solidFill>
+                      <a:prstDash val="solid"/>
+                      <a:round/>
+                      <a:headEnd type="none" w="med" len="med"/>
+                      <a:tailEnd type="none" w="med" len="med"/>
+                    </a:lnB>
+                    <a:solidFill>
+                      <a:schemeClr val="bg1"/>
+                    </a:solidFill>
+                  </a:tcPr>
+                </a:tc>
+                <a:extLst>
+                  <a:ext uri="{0D108BD9-81ED-4DB2-BD59-A6C34878D82A}">
+                    <a16:rowId xmlns:a16="http://schemas.microsoft.com/office/drawing/2014/main" val="3444123359"/>
+                  </a:ext>
+                </a:extLst>
+              </a:tr>
+              <a:tr h="184031">
+                <a:tc>
+                  <a:txBody>
+                    <a:bodyPr/>
+                    <a:lstStyle/>
+                    <a:p>
+                      <a:pPr algn="ctr" fontAlgn="ctr"/>
+                      <a:endParaRPr lang="en-US" altLang="ko-KR" sz="1000" b="0" i="0" u="none" strike="noStrike" dirty="0">
+                        <a:solidFill>
+                          <a:srgbClr val="000000"/>
+                        </a:solidFill>
+                        <a:effectLst/>
+                        <a:latin typeface="맑은 고딕" panose="020B0503020000020004" pitchFamily="50" charset="-127"/>
+                        <a:ea typeface="맑은 고딕" panose="020B0503020000020004" pitchFamily="50" charset="-127"/>
+                      </a:endParaRPr>
+                    </a:p>
+                  </a:txBody>
+                  <a:tcPr marL="67084" marR="67084" marT="4952" marB="0" anchor="ctr">
+                    <a:lnL w="12700" cap="flat" cmpd="sng" algn="ctr">
+                      <a:solidFill>
+                        <a:schemeClr val="tx1"/>
+                      </a:solidFill>
+                      <a:prstDash val="solid"/>
+                      <a:round/>
+                      <a:headEnd type="none" w="med" len="med"/>
+                      <a:tailEnd type="none" w="med" len="med"/>
+                    </a:lnL>
+                    <a:lnR w="12700" cap="flat" cmpd="sng" algn="ctr">
+                      <a:solidFill>
+                        <a:schemeClr val="tx1"/>
+                      </a:solidFill>
+                      <a:prstDash val="solid"/>
+                      <a:round/>
+                      <a:headEnd type="none" w="med" len="med"/>
+                      <a:tailEnd type="none" w="med" len="med"/>
+                    </a:lnR>
+                    <a:lnT w="12700" cap="flat" cmpd="sng" algn="ctr">
+                      <a:solidFill>
+                        <a:schemeClr val="tx1"/>
+                      </a:solidFill>
+                      <a:prstDash val="solid"/>
+                      <a:round/>
+                      <a:headEnd type="none" w="med" len="med"/>
+                      <a:tailEnd type="none" w="med" len="med"/>
+                    </a:lnT>
+                    <a:lnB w="12700" cap="flat" cmpd="sng" algn="ctr">
+                      <a:solidFill>
+                        <a:schemeClr val="tx1"/>
+                      </a:solidFill>
+                      <a:prstDash val="solid"/>
+                      <a:round/>
+                      <a:headEnd type="none" w="med" len="med"/>
+                      <a:tailEnd type="none" w="med" len="med"/>
+                    </a:lnB>
+                    <a:solidFill>
+                      <a:schemeClr val="bg1">
+                        <a:lumMod val="75000"/>
+                      </a:schemeClr>
+                    </a:solidFill>
+                  </a:tcPr>
+                </a:tc>
+                <a:tc>
+                  <a:txBody>
+                    <a:bodyPr/>
+                    <a:lstStyle/>
+                    <a:p>
+                      <a:pPr algn="ctr" fontAlgn="ctr"/>
+                      <a:r>
+                        <a:rPr lang="en-US" sz="1000" u="none" strike="noStrike">
+                          <a:effectLst/>
+                        </a:rPr>
+                        <a:t>GET</a:t>
+                      </a:r>
+                      <a:endParaRPr lang="en-US" sz="1000" b="0" i="0" u="none" strike="noStrike">
+                        <a:solidFill>
+                          <a:srgbClr val="000000"/>
+                        </a:solidFill>
+                        <a:effectLst/>
+                        <a:latin typeface="맑은 고딕" panose="020B0503020000020004" pitchFamily="50" charset="-127"/>
+                        <a:ea typeface="맑은 고딕" panose="020B0503020000020004" pitchFamily="50" charset="-127"/>
+                      </a:endParaRPr>
+                    </a:p>
+                  </a:txBody>
+                  <a:tcPr marL="67084" marR="67084" marT="4952" marB="0" anchor="ctr">
+                    <a:lnL w="12700" cap="flat" cmpd="sng" algn="ctr">
+                      <a:solidFill>
+                        <a:schemeClr val="tx1"/>
+                      </a:solidFill>
+                      <a:prstDash val="solid"/>
+                      <a:round/>
+                      <a:headEnd type="none" w="med" len="med"/>
+                      <a:tailEnd type="none" w="med" len="med"/>
+                    </a:lnL>
+                    <a:lnR w="12700" cap="flat" cmpd="sng" algn="ctr">
+                      <a:solidFill>
+                        <a:schemeClr val="tx1"/>
+                      </a:solidFill>
+                      <a:prstDash val="solid"/>
+                      <a:round/>
+                      <a:headEnd type="none" w="med" len="med"/>
+                      <a:tailEnd type="none" w="med" len="med"/>
+                    </a:lnR>
+                    <a:lnT w="12700" cap="flat" cmpd="sng" algn="ctr">
+                      <a:solidFill>
+                        <a:schemeClr val="tx1"/>
+                      </a:solidFill>
+                      <a:prstDash val="solid"/>
+                      <a:round/>
+                      <a:headEnd type="none" w="med" len="med"/>
+                      <a:tailEnd type="none" w="med" len="med"/>
+                    </a:lnT>
+                    <a:lnB w="12700" cap="flat" cmpd="sng" algn="ctr">
+                      <a:solidFill>
+                        <a:schemeClr val="tx1"/>
+                      </a:solidFill>
+                      <a:prstDash val="solid"/>
+                      <a:round/>
+                      <a:headEnd type="none" w="med" len="med"/>
+                      <a:tailEnd type="none" w="med" len="med"/>
+                    </a:lnB>
+                    <a:solidFill>
+                      <a:schemeClr val="bg1">
+                        <a:lumMod val="75000"/>
+                      </a:schemeClr>
+                    </a:solidFill>
+                  </a:tcPr>
+                </a:tc>
+                <a:tc>
+                  <a:txBody>
+                    <a:bodyPr/>
+                    <a:lstStyle/>
+                    <a:p>
+                      <a:pPr algn="l" fontAlgn="ctr"/>
+                      <a:r>
+                        <a:rPr lang="en-US" sz="1000" u="none" strike="noStrike" dirty="0">
+                          <a:effectLst/>
+                        </a:rPr>
+                        <a:t>/</a:t>
+                      </a:r>
+                      <a:r>
+                        <a:rPr lang="en-US" sz="1000" u="none" strike="noStrike" dirty="0" err="1" smtClean="0">
+                          <a:effectLst/>
+                        </a:rPr>
+                        <a:t>mealPlan</a:t>
+                      </a:r>
+                      <a:r>
+                        <a:rPr lang="en-US" sz="1000" u="none" strike="noStrike" dirty="0" smtClean="0">
+                          <a:effectLst/>
+                        </a:rPr>
+                        <a:t>/meal</a:t>
+                      </a:r>
+                      <a:r>
+                        <a:rPr lang="en-US" sz="1000" u="none" strike="noStrike" dirty="0">
+                          <a:effectLst/>
+                        </a:rPr>
+                        <a:t>/{</a:t>
+                      </a:r>
+                      <a:r>
+                        <a:rPr lang="en-US" sz="1000" u="none" strike="noStrike" dirty="0" err="1">
+                          <a:effectLst/>
+                        </a:rPr>
+                        <a:t>userId</a:t>
+                      </a:r>
+                      <a:r>
+                        <a:rPr lang="en-US" sz="1000" u="none" strike="noStrike" dirty="0">
+                          <a:effectLst/>
+                        </a:rPr>
+                        <a:t>}</a:t>
+                      </a:r>
+                      <a:endParaRPr lang="en-US" sz="1000" b="0" i="0" u="none" strike="noStrike" dirty="0">
+                        <a:solidFill>
+                          <a:srgbClr val="000000"/>
+                        </a:solidFill>
+                        <a:effectLst/>
+                        <a:latin typeface="맑은 고딕" panose="020B0503020000020004" pitchFamily="50" charset="-127"/>
+                        <a:ea typeface="맑은 고딕" panose="020B0503020000020004" pitchFamily="50" charset="-127"/>
+                      </a:endParaRPr>
+                    </a:p>
+                  </a:txBody>
+                  <a:tcPr marL="67084" marR="67084" marT="4952" marB="0" anchor="ctr">
+                    <a:lnL w="12700" cap="flat" cmpd="sng" algn="ctr">
+                      <a:solidFill>
+                        <a:schemeClr val="tx1"/>
+                      </a:solidFill>
+                      <a:prstDash val="solid"/>
+                      <a:round/>
+                      <a:headEnd type="none" w="med" len="med"/>
+                      <a:tailEnd type="none" w="med" len="med"/>
+                    </a:lnL>
+                    <a:lnR w="12700" cap="flat" cmpd="sng" algn="ctr">
+                      <a:solidFill>
+                        <a:schemeClr val="tx1"/>
+                      </a:solidFill>
+                      <a:prstDash val="solid"/>
+                      <a:round/>
+                      <a:headEnd type="none" w="med" len="med"/>
+                      <a:tailEnd type="none" w="med" len="med"/>
+                    </a:lnR>
+                    <a:lnT w="12700" cap="flat" cmpd="sng" algn="ctr">
+                      <a:solidFill>
+                        <a:schemeClr val="tx1"/>
+                      </a:solidFill>
+                      <a:prstDash val="solid"/>
+                      <a:round/>
+                      <a:headEnd type="none" w="med" len="med"/>
+                      <a:tailEnd type="none" w="med" len="med"/>
+                    </a:lnT>
+                    <a:lnB w="12700" cap="flat" cmpd="sng" algn="ctr">
+                      <a:solidFill>
+                        <a:schemeClr val="tx1"/>
+                      </a:solidFill>
+                      <a:prstDash val="solid"/>
+                      <a:round/>
+                      <a:headEnd type="none" w="med" len="med"/>
+                      <a:tailEnd type="none" w="med" len="med"/>
+                    </a:lnB>
+                    <a:solidFill>
+                      <a:schemeClr val="bg1">
+                        <a:lumMod val="75000"/>
+                      </a:schemeClr>
+                    </a:solidFill>
+                  </a:tcPr>
+                </a:tc>
+                <a:tc>
+                  <a:txBody>
+                    <a:bodyPr/>
+                    <a:lstStyle/>
+                    <a:p>
+                      <a:pPr algn="l" fontAlgn="ctr"/>
+                      <a:r>
+                        <a:rPr lang="en-US" sz="1000" b="1" u="none" strike="noStrike" dirty="0" err="1">
+                          <a:solidFill>
+                            <a:srgbClr val="0070C0"/>
+                          </a:solidFill>
+                          <a:effectLst/>
+                        </a:rPr>
+                        <a:t>userId</a:t>
+                      </a:r>
+                      <a:endParaRPr lang="en-US" sz="1000" b="1" i="0" u="none" strike="noStrike" dirty="0">
+                        <a:solidFill>
+                          <a:srgbClr val="0070C0"/>
+                        </a:solidFill>
+                        <a:effectLst/>
+                        <a:latin typeface="맑은 고딕" panose="020B0503020000020004" pitchFamily="50" charset="-127"/>
+                        <a:ea typeface="맑은 고딕" panose="020B0503020000020004" pitchFamily="50" charset="-127"/>
+                      </a:endParaRPr>
+                    </a:p>
+                  </a:txBody>
+                  <a:tcPr marL="67084" marR="67084" marT="4952" marB="0" anchor="ctr">
+                    <a:lnL w="12700" cap="flat" cmpd="sng" algn="ctr">
+                      <a:solidFill>
+                        <a:schemeClr val="tx1"/>
+                      </a:solidFill>
+                      <a:prstDash val="solid"/>
+                      <a:round/>
+                      <a:headEnd type="none" w="med" len="med"/>
+                      <a:tailEnd type="none" w="med" len="med"/>
+                    </a:lnL>
+                    <a:lnR w="12700" cap="flat" cmpd="sng" algn="ctr">
+                      <a:solidFill>
+                        <a:schemeClr val="tx1"/>
+                      </a:solidFill>
+                      <a:prstDash val="solid"/>
+                      <a:round/>
+                      <a:headEnd type="none" w="med" len="med"/>
+                      <a:tailEnd type="none" w="med" len="med"/>
+                    </a:lnR>
+                    <a:lnT w="12700" cap="flat" cmpd="sng" algn="ctr">
+                      <a:solidFill>
+                        <a:schemeClr val="tx1"/>
+                      </a:solidFill>
+                      <a:prstDash val="solid"/>
+                      <a:round/>
+                      <a:headEnd type="none" w="med" len="med"/>
+                      <a:tailEnd type="none" w="med" len="med"/>
+                    </a:lnT>
+                    <a:lnB w="12700" cap="flat" cmpd="sng" algn="ctr">
+                      <a:solidFill>
+                        <a:schemeClr val="tx1"/>
+                      </a:solidFill>
+                      <a:prstDash val="solid"/>
+                      <a:round/>
+                      <a:headEnd type="none" w="med" len="med"/>
+                      <a:tailEnd type="none" w="med" len="med"/>
+                    </a:lnB>
+                    <a:solidFill>
+                      <a:schemeClr val="bg1">
+                        <a:lumMod val="75000"/>
+                      </a:schemeClr>
+                    </a:solidFill>
+                  </a:tcPr>
+                </a:tc>
+                <a:tc>
+                  <a:txBody>
+                    <a:bodyPr/>
+                    <a:lstStyle/>
+                    <a:p>
+                      <a:pPr algn="l" fontAlgn="ctr"/>
+                      <a:r>
                         <a:rPr lang="en-US" sz="1000" b="1" u="none" strike="noStrike">
                           <a:effectLst/>
                         </a:rPr>
@@ -17026,7 +18284,9 @@
                       <a:tailEnd type="none" w="med" len="med"/>
                     </a:lnB>
                     <a:solidFill>
-                      <a:schemeClr val="bg1"/>
+                      <a:schemeClr val="bg1">
+                        <a:lumMod val="75000"/>
+                      </a:schemeClr>
                     </a:solidFill>
                   </a:tcPr>
                 </a:tc>
@@ -17108,7 +18368,9 @@
                       <a:tailEnd type="none" w="med" len="med"/>
                     </a:lnB>
                     <a:solidFill>
-                      <a:schemeClr val="bg1"/>
+                      <a:schemeClr val="bg1">
+                        <a:lumMod val="75000"/>
+                      </a:schemeClr>
                     </a:solidFill>
                   </a:tcPr>
                 </a:tc>
@@ -17125,13 +18387,7 @@
                     <a:lstStyle/>
                     <a:p>
                       <a:pPr algn="ctr" fontAlgn="ctr"/>
-                      <a:r>
-                        <a:rPr lang="en-US" altLang="ko-KR" sz="1000" u="none" strike="noStrike">
-                          <a:effectLst/>
-                        </a:rPr>
-                        <a:t>8</a:t>
-                      </a:r>
-                      <a:endParaRPr lang="en-US" altLang="ko-KR" sz="1000" b="0" i="0" u="none" strike="noStrike">
+                      <a:endParaRPr lang="en-US" altLang="ko-KR" sz="1000" b="0" i="0" u="none" strike="noStrike" dirty="0">
                         <a:solidFill>
                           <a:srgbClr val="000000"/>
                         </a:solidFill>
@@ -17260,28 +18516,28 @@
                         <a:t>/</a:t>
                       </a:r>
                       <a:r>
-                        <a:rPr lang="en-US" sz="1000" u="none" strike="noStrike" dirty="0" err="1">
+                        <a:rPr lang="en-US" sz="1000" u="none" strike="noStrike" dirty="0" err="1" smtClean="0">
                           <a:effectLst/>
                         </a:rPr>
-                        <a:t>mealPlans</a:t>
+                        <a:t>mealPlan</a:t>
                       </a:r>
                       <a:r>
-                        <a:rPr lang="en-US" sz="1000" u="none" strike="noStrike" dirty="0">
+                        <a:rPr lang="en-US" sz="1000" u="none" strike="noStrike" dirty="0" smtClean="0">
                           <a:effectLst/>
                         </a:rPr>
-                        <a:t>/meal/{</a:t>
+                        <a:t>/{</a:t>
                       </a:r>
                       <a:r>
-                        <a:rPr lang="en-US" sz="1000" u="none" strike="noStrike" dirty="0" err="1">
+                        <a:rPr lang="en-US" sz="1000" u="none" strike="noStrike" dirty="0" err="1" smtClean="0">
                           <a:effectLst/>
                         </a:rPr>
                         <a:t>userId</a:t>
                       </a:r>
                       <a:r>
-                        <a:rPr lang="en-US" sz="1000" u="none" strike="noStrike" dirty="0">
+                        <a:rPr lang="en-US" sz="1000" u="none" strike="noStrike" dirty="0" smtClean="0">
                           <a:effectLst/>
                         </a:rPr>
-                        <a:t>}/week</a:t>
+                        <a:t>}</a:t>
                       </a:r>
                       <a:endParaRPr lang="en-US" sz="1000" b="0" i="0" u="none" strike="noStrike" dirty="0">
                         <a:solidFill>
@@ -17473,18 +18729,42 @@
                     <a:p>
                       <a:pPr algn="l" fontAlgn="ctr"/>
                       <a:r>
-                        <a:rPr lang="en-US" altLang="ko-KR" sz="1000" u="none" strike="noStrike">
+                        <a:rPr lang="en-US" altLang="ko-KR" sz="1000" u="none" strike="noStrike" dirty="0">
                           <a:effectLst/>
                         </a:rPr>
-                        <a:t>{userId}</a:t>
+                        <a:t>{</a:t>
                       </a:r>
                       <a:r>
-                        <a:rPr lang="ko-KR" altLang="en-US" sz="1000" u="none" strike="noStrike">
+                        <a:rPr lang="en-US" altLang="ko-KR" sz="1000" u="none" strike="noStrike" dirty="0" err="1">
                           <a:effectLst/>
                         </a:rPr>
-                        <a:t>의 일주일 식단 정보 가져오기</a:t>
+                        <a:t>userId</a:t>
                       </a:r>
-                      <a:endParaRPr lang="ko-KR" altLang="en-US" sz="1000" b="0" i="0" u="none" strike="noStrike">
+                      <a:r>
+                        <a:rPr lang="en-US" altLang="ko-KR" sz="1000" u="none" strike="noStrike" dirty="0">
+                          <a:effectLst/>
+                        </a:rPr>
+                        <a:t>}</a:t>
+                      </a:r>
+                      <a:r>
+                        <a:rPr lang="ko-KR" altLang="en-US" sz="1000" u="none" strike="noStrike" dirty="0">
+                          <a:effectLst/>
+                        </a:rPr>
+                        <a:t>의 </a:t>
+                      </a:r>
+                      <a:r>
+                        <a:rPr lang="ko-KR" altLang="en-US" sz="1000" u="none" strike="noStrike" dirty="0" smtClean="0">
+                          <a:effectLst/>
+                        </a:rPr>
+                        <a:t>당일 식단 </a:t>
+                      </a:r>
+                      <a:r>
+                        <a:rPr lang="ko-KR" altLang="en-US" sz="1000" u="none" strike="noStrike" dirty="0">
+                          <a:effectLst/>
+                        </a:rPr>
+                        <a:t>정보 가져오기</a:t>
+                      </a:r>
+                      <a:endParaRPr lang="ko-KR" altLang="en-US" sz="1000" b="0" i="0" u="none" strike="noStrike" dirty="0">
                         <a:solidFill>
                           <a:srgbClr val="000000"/>
                         </a:solidFill>
@@ -17549,13 +18829,7 @@
                     <a:lstStyle/>
                     <a:p>
                       <a:pPr algn="ctr" fontAlgn="ctr"/>
-                      <a:r>
-                        <a:rPr lang="en-US" altLang="ko-KR" sz="1000" u="none" strike="noStrike">
-                          <a:effectLst/>
-                        </a:rPr>
-                        <a:t>9</a:t>
-                      </a:r>
-                      <a:endParaRPr lang="en-US" altLang="ko-KR" sz="1000" b="0" i="0" u="none" strike="noStrike">
+                      <a:endParaRPr lang="en-US" altLang="ko-KR" sz="1000" b="0" i="0" u="none" strike="noStrike" dirty="0">
                         <a:solidFill>
                           <a:srgbClr val="000000"/>
                         </a:solidFill>
@@ -17614,12 +18888,12 @@
                     <a:p>
                       <a:pPr algn="ctr" fontAlgn="ctr"/>
                       <a:r>
-                        <a:rPr lang="en-US" sz="1000" u="none" strike="noStrike">
+                        <a:rPr lang="en-US" sz="1000" u="none" strike="noStrike" dirty="0">
                           <a:effectLst/>
                         </a:rPr>
                         <a:t>POST</a:t>
                       </a:r>
-                      <a:endParaRPr lang="en-US" sz="1000" b="0" i="0" u="none" strike="noStrike">
+                      <a:endParaRPr lang="en-US" sz="1000" b="0" i="0" u="none" strike="noStrike" dirty="0">
                         <a:solidFill>
                           <a:srgbClr val="000000"/>
                         </a:solidFill>
@@ -17684,16 +18958,16 @@
                         <a:t>/</a:t>
                       </a:r>
                       <a:r>
-                        <a:rPr lang="en-US" sz="1000" u="none" strike="noStrike" dirty="0" err="1">
+                        <a:rPr lang="en-US" sz="1000" u="none" strike="noStrike" dirty="0" err="1" smtClean="0">
                           <a:effectLst/>
                         </a:rPr>
-                        <a:t>mealPlans</a:t>
+                        <a:t>mealPlan</a:t>
                       </a:r>
                       <a:r>
-                        <a:rPr lang="en-US" sz="1000" u="none" strike="noStrike" dirty="0">
+                        <a:rPr lang="en-US" sz="1000" u="none" strike="noStrike" dirty="0" smtClean="0">
                           <a:effectLst/>
                         </a:rPr>
-                        <a:t>/meal</a:t>
+                        <a:t>/</a:t>
                       </a:r>
                       <a:endParaRPr lang="en-US" sz="1000" b="0" i="0" u="none" strike="noStrike" dirty="0">
                         <a:solidFill>
@@ -17885,12 +19159,12 @@
                     <a:p>
                       <a:pPr algn="l" fontAlgn="ctr"/>
                       <a:r>
-                        <a:rPr lang="ko-KR" altLang="en-US" sz="1000" u="none" strike="noStrike">
+                        <a:rPr lang="ko-KR" altLang="en-US" sz="1000" u="none" strike="noStrike" dirty="0">
                           <a:effectLst/>
                         </a:rPr>
                         <a:t>식사 등록</a:t>
                       </a:r>
-                      <a:endParaRPr lang="ko-KR" altLang="en-US" sz="1000" b="0" i="0" u="none" strike="noStrike">
+                      <a:endParaRPr lang="ko-KR" altLang="en-US" sz="1000" b="0" i="0" u="none" strike="noStrike" dirty="0">
                         <a:solidFill>
                           <a:srgbClr val="000000"/>
                         </a:solidFill>
@@ -17955,12 +19229,6 @@
                     <a:lstStyle/>
                     <a:p>
                       <a:pPr algn="ctr" fontAlgn="ctr"/>
-                      <a:r>
-                        <a:rPr lang="en-US" altLang="ko-KR" sz="1000" u="none" strike="noStrike">
-                          <a:effectLst/>
-                        </a:rPr>
-                        <a:t>10</a:t>
-                      </a:r>
                       <a:endParaRPr lang="en-US" altLang="ko-KR" sz="1000" b="0" i="0" u="none" strike="noStrike">
                         <a:solidFill>
                           <a:srgbClr val="000000"/>
@@ -18090,16 +19358,16 @@
                         <a:t>/</a:t>
                       </a:r>
                       <a:r>
-                        <a:rPr lang="en-US" sz="1000" u="none" strike="noStrike" dirty="0" err="1">
+                        <a:rPr lang="en-US" sz="1000" u="none" strike="noStrike" dirty="0" err="1" smtClean="0">
                           <a:effectLst/>
                         </a:rPr>
-                        <a:t>mealPlans</a:t>
+                        <a:t>mealPlan</a:t>
                       </a:r>
                       <a:r>
-                        <a:rPr lang="en-US" sz="1000" u="none" strike="noStrike" dirty="0">
+                        <a:rPr lang="en-US" sz="1000" u="none" strike="noStrike" dirty="0" smtClean="0">
                           <a:effectLst/>
                         </a:rPr>
-                        <a:t>/meal</a:t>
+                        <a:t>/</a:t>
                       </a:r>
                       <a:endParaRPr lang="en-US" sz="1000" b="0" i="0" u="none" strike="noStrike" dirty="0">
                         <a:solidFill>
@@ -18227,12 +19495,12 @@
                     <a:p>
                       <a:pPr algn="l" fontAlgn="ctr"/>
                       <a:r>
-                        <a:rPr lang="en-US" sz="1000" b="1" u="none" strike="noStrike">
+                        <a:rPr lang="en-US" sz="1000" b="1" u="none" strike="noStrike" dirty="0" err="1">
                           <a:effectLst/>
                         </a:rPr>
                         <a:t>boolean</a:t>
                       </a:r>
-                      <a:endParaRPr lang="en-US" sz="1000" b="1" i="0" u="none" strike="noStrike">
+                      <a:endParaRPr lang="en-US" sz="1000" b="1" i="0" u="none" strike="noStrike" dirty="0">
                         <a:solidFill>
                           <a:srgbClr val="000000"/>
                         </a:solidFill>
@@ -18291,12 +19559,12 @@
                     <a:p>
                       <a:pPr algn="l" fontAlgn="ctr"/>
                       <a:r>
-                        <a:rPr lang="ko-KR" altLang="en-US" sz="1000" u="none" strike="noStrike">
+                        <a:rPr lang="ko-KR" altLang="en-US" sz="1000" u="none" strike="noStrike" dirty="0">
                           <a:effectLst/>
                         </a:rPr>
                         <a:t>식사 수정</a:t>
                       </a:r>
-                      <a:endParaRPr lang="ko-KR" altLang="en-US" sz="1000" b="0" i="0" u="none" strike="noStrike">
+                      <a:endParaRPr lang="ko-KR" altLang="en-US" sz="1000" b="0" i="0" u="none" strike="noStrike" dirty="0">
                         <a:solidFill>
                           <a:srgbClr val="000000"/>
                         </a:solidFill>
@@ -18361,12 +19629,6 @@
                     <a:lstStyle/>
                     <a:p>
                       <a:pPr algn="ctr" fontAlgn="ctr"/>
-                      <a:r>
-                        <a:rPr lang="en-US" altLang="ko-KR" sz="1000" u="none" strike="noStrike">
-                          <a:effectLst/>
-                        </a:rPr>
-                        <a:t>11</a:t>
-                      </a:r>
                       <a:endParaRPr lang="en-US" altLang="ko-KR" sz="1000" b="0" i="0" u="none" strike="noStrike">
                         <a:solidFill>
                           <a:srgbClr val="000000"/>
@@ -18496,16 +19758,16 @@
                         <a:t>/</a:t>
                       </a:r>
                       <a:r>
-                        <a:rPr lang="en-US" sz="1000" u="none" strike="noStrike" dirty="0" err="1">
+                        <a:rPr lang="en-US" sz="1000" u="none" strike="noStrike" dirty="0" err="1" smtClean="0">
                           <a:effectLst/>
                         </a:rPr>
-                        <a:t>mealPlans</a:t>
+                        <a:t>mealPlan</a:t>
                       </a:r>
                       <a:r>
-                        <a:rPr lang="en-US" sz="1000" u="none" strike="noStrike" dirty="0">
+                        <a:rPr lang="en-US" sz="1000" u="none" strike="noStrike" dirty="0" smtClean="0">
                           <a:effectLst/>
                         </a:rPr>
-                        <a:t>/meal/{</a:t>
+                        <a:t>/search/{</a:t>
                       </a:r>
                       <a:r>
                         <a:rPr lang="en-US" sz="1000" u="none" strike="noStrike" dirty="0" err="1">
@@ -18709,24 +19971,24 @@
                     <a:p>
                       <a:pPr algn="l" fontAlgn="ctr"/>
                       <a:r>
-                        <a:rPr lang="ko-KR" altLang="en-US" sz="1000" u="none" strike="noStrike">
+                        <a:rPr lang="ko-KR" altLang="en-US" sz="1000" u="none" strike="noStrike" dirty="0">
                           <a:effectLst/>
                         </a:rPr>
                         <a:t>음식 이름으로 </a:t>
                       </a:r>
                       <a:r>
-                        <a:rPr lang="en-US" altLang="ko-KR" sz="1000" u="none" strike="noStrike">
+                        <a:rPr lang="en-US" altLang="ko-KR" sz="1000" u="none" strike="noStrike" dirty="0">
                           <a:effectLst/>
                         </a:rPr>
                         <a:t>DB</a:t>
                       </a:r>
                       <a:r>
-                        <a:rPr lang="ko-KR" altLang="en-US" sz="1000" u="none" strike="noStrike">
+                        <a:rPr lang="ko-KR" altLang="en-US" sz="1000" u="none" strike="noStrike" dirty="0">
                           <a:effectLst/>
                         </a:rPr>
                         <a:t>에서 검색</a:t>
                       </a:r>
-                      <a:endParaRPr lang="ko-KR" altLang="en-US" sz="1000" b="0" i="0" u="none" strike="noStrike">
+                      <a:endParaRPr lang="ko-KR" altLang="en-US" sz="1000" b="0" i="0" u="none" strike="noStrike" dirty="0">
                         <a:solidFill>
                           <a:srgbClr val="000000"/>
                         </a:solidFill>
@@ -18784,19 +20046,13 @@
                   </a:ext>
                 </a:extLst>
               </a:tr>
-              <a:tr h="362408">
+              <a:tr h="365402">
                 <a:tc>
                   <a:txBody>
                     <a:bodyPr/>
                     <a:lstStyle/>
                     <a:p>
                       <a:pPr algn="ctr" fontAlgn="ctr"/>
-                      <a:r>
-                        <a:rPr lang="en-US" altLang="ko-KR" sz="1000" u="none" strike="noStrike">
-                          <a:effectLst/>
-                        </a:rPr>
-                        <a:t>12</a:t>
-                      </a:r>
                       <a:endParaRPr lang="en-US" altLang="ko-KR" sz="1000" b="0" i="0" u="none" strike="noStrike">
                         <a:solidFill>
                           <a:srgbClr val="000000"/>
@@ -18926,16 +20182,16 @@
                         <a:t>/</a:t>
                       </a:r>
                       <a:r>
-                        <a:rPr lang="en-US" sz="1000" u="none" strike="noStrike" dirty="0" err="1">
+                        <a:rPr lang="en-US" sz="1000" u="none" strike="noStrike" dirty="0" err="1" smtClean="0">
                           <a:effectLst/>
                         </a:rPr>
-                        <a:t>mealPlans</a:t>
+                        <a:t>mealPlan</a:t>
                       </a:r>
                       <a:r>
-                        <a:rPr lang="en-US" sz="1000" u="none" strike="noStrike" dirty="0">
+                        <a:rPr lang="en-US" sz="1000" u="none" strike="noStrike" dirty="0" smtClean="0">
                           <a:effectLst/>
                         </a:rPr>
-                        <a:t>/user/{</a:t>
+                        <a:t>/{</a:t>
                       </a:r>
                       <a:r>
                         <a:rPr lang="en-US" sz="1000" u="none" strike="noStrike" dirty="0" err="1">
@@ -18944,10 +20200,16 @@
                         <a:t>userId</a:t>
                       </a:r>
                       <a:r>
+                        <a:rPr lang="en-US" sz="1000" u="none" strike="noStrike" dirty="0" smtClean="0">
+                          <a:effectLst/>
+                        </a:rPr>
+                        <a:t>}/{</a:t>
+                      </a:r>
+                      <a:r>
                         <a:rPr lang="en-US" sz="1000" u="none" strike="noStrike" dirty="0">
                           <a:effectLst/>
                         </a:rPr>
-                        <a:t>}/meal/{date}</a:t>
+                        <a:t>date}</a:t>
                       </a:r>
                       <a:endParaRPr lang="en-US" sz="1000" b="0" i="0" u="none" strike="noStrike" dirty="0">
                         <a:solidFill>
@@ -19165,30 +20427,42 @@
                     <a:p>
                       <a:pPr algn="l" fontAlgn="ctr"/>
                       <a:r>
-                        <a:rPr lang="en-US" altLang="ko-KR" sz="1000" u="none" strike="noStrike">
+                        <a:rPr lang="en-US" altLang="ko-KR" sz="1000" u="none" strike="noStrike" dirty="0">
                           <a:effectLst/>
                         </a:rPr>
-                        <a:t>{userId}</a:t>
+                        <a:t>{</a:t>
                       </a:r>
                       <a:r>
-                        <a:rPr lang="ko-KR" altLang="en-US" sz="1000" u="none" strike="noStrike">
+                        <a:rPr lang="en-US" altLang="ko-KR" sz="1000" u="none" strike="noStrike" dirty="0" err="1">
+                          <a:effectLst/>
+                        </a:rPr>
+                        <a:t>userId</a:t>
+                      </a:r>
+                      <a:r>
+                        <a:rPr lang="en-US" altLang="ko-KR" sz="1000" u="none" strike="noStrike" dirty="0">
+                          <a:effectLst/>
+                        </a:rPr>
+                        <a:t>}</a:t>
+                      </a:r>
+                      <a:r>
+                        <a:rPr lang="ko-KR" altLang="en-US" sz="1000" u="none" strike="noStrike" dirty="0">
                           <a:effectLst/>
                         </a:rPr>
                         <a:t>의 유저가 </a:t>
                       </a:r>
                       <a:r>
-                        <a:rPr lang="en-US" altLang="ko-KR" sz="1000" u="none" strike="noStrike">
+                        <a:rPr lang="en-US" altLang="ko-KR" sz="1000" u="none" strike="noStrike" dirty="0">
                           <a:effectLst/>
                         </a:rPr>
                         <a:t>{date}</a:t>
                       </a:r>
                       <a:r>
-                        <a:rPr lang="ko-KR" altLang="en-US" sz="1000" u="none" strike="noStrike">
+                        <a:rPr lang="ko-KR" altLang="en-US" sz="1000" u="none" strike="noStrike" dirty="0">
                           <a:effectLst/>
                         </a:rPr>
                         <a:t>에 먹은 음식 가져오기</a:t>
                       </a:r>
-                      <a:endParaRPr lang="ko-KR" altLang="en-US" sz="1000" b="0" i="0" u="none" strike="noStrike">
+                      <a:endParaRPr lang="ko-KR" altLang="en-US" sz="1000" b="0" i="0" u="none" strike="noStrike" dirty="0">
                         <a:solidFill>
                           <a:srgbClr val="000000"/>
                         </a:solidFill>
@@ -19253,13 +20527,7 @@
                     <a:lstStyle/>
                     <a:p>
                       <a:pPr algn="ctr" fontAlgn="ctr"/>
-                      <a:r>
-                        <a:rPr lang="en-US" altLang="ko-KR" sz="1000" u="none" strike="noStrike">
-                          <a:effectLst/>
-                        </a:rPr>
-                        <a:t>13</a:t>
-                      </a:r>
-                      <a:endParaRPr lang="en-US" altLang="ko-KR" sz="1000" b="0" i="0" u="none" strike="noStrike">
+                      <a:endParaRPr lang="en-US" altLang="ko-KR" sz="1000" b="0" i="0" u="none" strike="noStrike" dirty="0">
                         <a:solidFill>
                           <a:srgbClr val="000000"/>
                         </a:solidFill>
@@ -19318,12 +20586,12 @@
                     <a:p>
                       <a:pPr algn="ctr" fontAlgn="ctr"/>
                       <a:r>
-                        <a:rPr lang="en-US" sz="1000" u="none" strike="noStrike">
+                        <a:rPr lang="en-US" sz="1000" u="none" strike="noStrike" dirty="0">
                           <a:effectLst/>
                         </a:rPr>
                         <a:t>GET</a:t>
                       </a:r>
-                      <a:endParaRPr lang="en-US" sz="1000" b="0" i="0" u="none" strike="noStrike">
+                      <a:endParaRPr lang="en-US" sz="1000" b="0" i="0" u="none" strike="noStrike" dirty="0">
                         <a:solidFill>
                           <a:srgbClr val="000000"/>
                         </a:solidFill>
@@ -19388,28 +20656,16 @@
                         <a:t>/</a:t>
                       </a:r>
                       <a:r>
-                        <a:rPr lang="en-US" sz="1000" u="none" strike="noStrike" dirty="0" err="1">
+                        <a:rPr lang="en-US" sz="1000" u="none" strike="noStrike" dirty="0" err="1" smtClean="0">
                           <a:effectLst/>
                         </a:rPr>
                         <a:t>youtube</a:t>
                       </a:r>
                       <a:r>
-                        <a:rPr lang="en-US" sz="1000" u="none" strike="noStrike" dirty="0">
+                        <a:rPr lang="en-US" sz="1000" u="none" strike="noStrike" dirty="0" smtClean="0">
                           <a:effectLst/>
                         </a:rPr>
-                        <a:t>/video/{</a:t>
-                      </a:r>
-                      <a:r>
-                        <a:rPr lang="en-US" sz="1000" u="none" strike="noStrike" dirty="0" err="1">
-                          <a:effectLst/>
-                        </a:rPr>
-                        <a:t>userId</a:t>
-                      </a:r>
-                      <a:r>
-                        <a:rPr lang="en-US" sz="1000" u="none" strike="noStrike" dirty="0">
-                          <a:effectLst/>
-                        </a:rPr>
-                        <a:t>}</a:t>
+                        <a:t>/{type}</a:t>
                       </a:r>
                       <a:endParaRPr lang="en-US" sz="1000" b="0" i="0" u="none" strike="noStrike" dirty="0">
                         <a:solidFill>
@@ -19537,12 +20793,12 @@
                     <a:p>
                       <a:pPr algn="l" fontAlgn="ctr"/>
                       <a:r>
-                        <a:rPr lang="en-US" sz="1000" b="1" u="none" strike="noStrike">
+                        <a:rPr lang="en-US" sz="1000" b="1" u="none" strike="noStrike" dirty="0">
                           <a:effectLst/>
                         </a:rPr>
                         <a:t>List&lt;Video&gt;</a:t>
                       </a:r>
-                      <a:endParaRPr lang="en-US" sz="1000" b="1" i="0" u="none" strike="noStrike">
+                      <a:endParaRPr lang="en-US" sz="1000" b="1" i="0" u="none" strike="noStrike" dirty="0">
                         <a:solidFill>
                           <a:srgbClr val="000000"/>
                         </a:solidFill>
@@ -19601,28 +20857,22 @@
                     <a:p>
                       <a:pPr algn="l" fontAlgn="ctr"/>
                       <a:r>
-                        <a:rPr lang="en-US" altLang="ko-KR" sz="1000" u="none" strike="noStrike" dirty="0">
+                        <a:rPr lang="en-US" altLang="ko-KR" sz="1000" u="none" strike="noStrike" dirty="0" smtClean="0">
                           <a:effectLst/>
                         </a:rPr>
-                        <a:t>{</a:t>
+                        <a:t>{type}</a:t>
                       </a:r>
                       <a:r>
-                        <a:rPr lang="en-US" altLang="ko-KR" sz="1000" u="none" strike="noStrike" dirty="0" err="1">
+                        <a:rPr lang="ko-KR" altLang="en-US" sz="1000" u="none" strike="noStrike" dirty="0" smtClean="0">
                           <a:effectLst/>
                         </a:rPr>
-                        <a:t>userId</a:t>
-                      </a:r>
-                      <a:r>
-                        <a:rPr lang="en-US" altLang="ko-KR" sz="1000" u="none" strike="noStrike" dirty="0">
-                          <a:effectLst/>
-                        </a:rPr>
-                        <a:t>}</a:t>
+                        <a:t>에 맞는 </a:t>
                       </a:r>
                       <a:r>
                         <a:rPr lang="ko-KR" altLang="en-US" sz="1000" u="none" strike="noStrike" dirty="0">
                           <a:effectLst/>
                         </a:rPr>
-                        <a:t>가 가입 시 설정한 타입에 따라 운동 영상 랜덤 </a:t>
+                        <a:t>운동 영상 랜덤 </a:t>
                       </a:r>
                       <a:r>
                         <a:rPr lang="en-US" altLang="ko-KR" sz="1000" u="none" strike="noStrike" dirty="0">
@@ -19701,13 +20951,7 @@
                     <a:lstStyle/>
                     <a:p>
                       <a:pPr algn="ctr" fontAlgn="ctr"/>
-                      <a:r>
-                        <a:rPr lang="en-US" altLang="ko-KR" sz="1000" u="none" strike="noStrike">
-                          <a:effectLst/>
-                        </a:rPr>
-                        <a:t>14</a:t>
-                      </a:r>
-                      <a:endParaRPr lang="en-US" altLang="ko-KR" sz="1000" b="0" i="0" u="none" strike="noStrike">
+                      <a:endParaRPr lang="en-US" altLang="ko-KR" sz="1000" b="0" i="0" u="none" strike="noStrike" dirty="0">
                         <a:solidFill>
                           <a:srgbClr val="000000"/>
                         </a:solidFill>
@@ -20125,12 +21369,6 @@
                     <a:lstStyle/>
                     <a:p>
                       <a:pPr algn="ctr" fontAlgn="ctr"/>
-                      <a:r>
-                        <a:rPr lang="en-US" altLang="ko-KR" sz="1000" u="none" strike="noStrike" dirty="0">
-                          <a:effectLst/>
-                        </a:rPr>
-                        <a:t>15</a:t>
-                      </a:r>
                       <a:endParaRPr lang="en-US" altLang="ko-KR" sz="1000" b="0" i="0" u="none" strike="noStrike" dirty="0">
                         <a:solidFill>
                           <a:srgbClr val="000000"/>
@@ -20554,12 +21792,6 @@
                     <a:lstStyle/>
                     <a:p>
                       <a:pPr algn="ctr" fontAlgn="ctr"/>
-                      <a:r>
-                        <a:rPr lang="en-US" altLang="ko-KR" sz="1000" u="none" strike="noStrike" dirty="0">
-                          <a:effectLst/>
-                        </a:rPr>
-                        <a:t>16</a:t>
-                      </a:r>
                       <a:endParaRPr lang="en-US" altLang="ko-KR" sz="1000" b="0" i="0" u="none" strike="noStrike" dirty="0">
                         <a:solidFill>
                           <a:srgbClr val="000000"/>
@@ -20983,13 +22215,7 @@
                     <a:lstStyle/>
                     <a:p>
                       <a:pPr algn="ctr" fontAlgn="ctr"/>
-                      <a:r>
-                        <a:rPr lang="en-US" altLang="ko-KR" sz="1000" u="none" strike="noStrike">
-                          <a:effectLst/>
-                        </a:rPr>
-                        <a:t>17</a:t>
-                      </a:r>
-                      <a:endParaRPr lang="en-US" altLang="ko-KR" sz="1000" b="0" i="0" u="none" strike="noStrike">
+                      <a:endParaRPr lang="en-US" altLang="ko-KR" sz="1000" b="0" i="0" u="none" strike="noStrike" dirty="0">
                         <a:solidFill>
                           <a:srgbClr val="000000"/>
                         </a:solidFill>
@@ -21395,12 +22621,6 @@
                     <a:lstStyle/>
                     <a:p>
                       <a:pPr algn="ctr" fontAlgn="ctr"/>
-                      <a:r>
-                        <a:rPr lang="en-US" altLang="ko-KR" sz="1000" u="none" strike="noStrike">
-                          <a:effectLst/>
-                        </a:rPr>
-                        <a:t>18</a:t>
-                      </a:r>
                       <a:endParaRPr lang="en-US" altLang="ko-KR" sz="1000" b="0" i="0" u="none" strike="noStrike">
                         <a:solidFill>
                           <a:srgbClr val="000000"/>
@@ -21795,13 +23015,7 @@
                     <a:lstStyle/>
                     <a:p>
                       <a:pPr algn="ctr" fontAlgn="ctr"/>
-                      <a:r>
-                        <a:rPr lang="en-US" altLang="ko-KR" sz="1000" u="none" strike="noStrike">
-                          <a:effectLst/>
-                        </a:rPr>
-                        <a:t>19</a:t>
-                      </a:r>
-                      <a:endParaRPr lang="en-US" altLang="ko-KR" sz="1000" b="0" i="0" u="none" strike="noStrike">
+                      <a:endParaRPr lang="en-US" altLang="ko-KR" sz="1000" b="0" i="0" u="none" strike="noStrike" dirty="0">
                         <a:solidFill>
                           <a:srgbClr val="000000"/>
                         </a:solidFill>
@@ -22195,13 +23409,7 @@
                     <a:lstStyle/>
                     <a:p>
                       <a:pPr algn="ctr" fontAlgn="ctr"/>
-                      <a:r>
-                        <a:rPr lang="en-US" altLang="ko-KR" sz="1000" u="none" strike="noStrike">
-                          <a:effectLst/>
-                        </a:rPr>
-                        <a:t>20</a:t>
-                      </a:r>
-                      <a:endParaRPr lang="en-US" altLang="ko-KR" sz="1000" b="0" i="0" u="none" strike="noStrike">
+                      <a:endParaRPr lang="en-US" altLang="ko-KR" sz="1000" b="0" i="0" u="none" strike="noStrike" dirty="0">
                         <a:solidFill>
                           <a:srgbClr val="000000"/>
                         </a:solidFill>
@@ -22607,13 +23815,7 @@
                     <a:lstStyle/>
                     <a:p>
                       <a:pPr algn="ctr" fontAlgn="ctr"/>
-                      <a:r>
-                        <a:rPr lang="en-US" altLang="ko-KR" sz="1000" u="none" strike="noStrike">
-                          <a:effectLst/>
-                        </a:rPr>
-                        <a:t>21</a:t>
-                      </a:r>
-                      <a:endParaRPr lang="en-US" altLang="ko-KR" sz="1000" b="0" i="0" u="none" strike="noStrike">
+                      <a:endParaRPr lang="en-US" altLang="ko-KR" sz="1000" b="0" i="0" u="none" strike="noStrike" dirty="0">
                         <a:solidFill>
                           <a:srgbClr val="000000"/>
                         </a:solidFill>
@@ -23007,13 +24209,7 @@
                     <a:lstStyle/>
                     <a:p>
                       <a:pPr algn="ctr" fontAlgn="ctr"/>
-                      <a:r>
-                        <a:rPr lang="en-US" altLang="ko-KR" sz="1000" u="none" strike="noStrike">
-                          <a:effectLst/>
-                        </a:rPr>
-                        <a:t>22</a:t>
-                      </a:r>
-                      <a:endParaRPr lang="en-US" altLang="ko-KR" sz="1000" b="0" i="0" u="none" strike="noStrike">
+                      <a:endParaRPr lang="en-US" altLang="ko-KR" sz="1000" b="0" i="0" u="none" strike="noStrike" dirty="0">
                         <a:solidFill>
                           <a:srgbClr val="000000"/>
                         </a:solidFill>
@@ -23407,12 +24603,6 @@
                     <a:lstStyle/>
                     <a:p>
                       <a:pPr algn="ctr" fontAlgn="ctr"/>
-                      <a:r>
-                        <a:rPr lang="en-US" altLang="ko-KR" sz="1000" u="none" strike="noStrike" dirty="0">
-                          <a:effectLst/>
-                        </a:rPr>
-                        <a:t>23</a:t>
-                      </a:r>
                       <a:endParaRPr lang="en-US" altLang="ko-KR" sz="1000" b="0" i="0" u="none" strike="noStrike" dirty="0">
                         <a:solidFill>
                           <a:srgbClr val="000000"/>
@@ -23816,6 +25006,34 @@
           </a:graphicData>
         </a:graphic>
       </p:graphicFrame>
+      <p:sp>
+        <p:nvSpPr>
+          <p:cNvPr id="3" name="직사각형 2"/>
+          <p:cNvSpPr/>
+          <p:nvPr/>
+        </p:nvSpPr>
+        <p:spPr>
+          <a:xfrm>
+            <a:off x="6460297" y="150276"/>
+            <a:ext cx="4166525" cy="369332"/>
+          </a:xfrm>
+          <a:prstGeom prst="rect">
+            <a:avLst/>
+          </a:prstGeom>
+        </p:spPr>
+        <p:txBody>
+          <a:bodyPr wrap="none">
+            <a:spAutoFit/>
+          </a:bodyPr>
+          <a:lstStyle/>
+          <a:p>
+            <a:r>
+              <a:rPr lang="ko-KR" altLang="en-US" dirty="0"/>
+              <a:t>남자/여자 유산소/근력 맨몸/기구 루틴</a:t>
+            </a:r>
+          </a:p>
+        </p:txBody>
+      </p:sp>
     </p:spTree>
     <p:extLst>
       <p:ext uri="{BB962C8B-B14F-4D97-AF65-F5344CB8AC3E}">
@@ -27468,7 +28686,7 @@
                 <a16:creationId xmlns:a16="http://schemas.microsoft.com/office/drawing/2014/main" id="{AE192E3E-68A9-4F36-936C-1C8D0B9EF132}"/>
               </a:ext>
               <a:ext uri="{C183D7F6-B498-43B3-948B-1728B52AA6E4}">
-                <adec:decorative xmlns="" xmlns:adec="http://schemas.microsoft.com/office/drawing/2017/decorative" val="1"/>
+                <adec:decorative xmlns:adec="http://schemas.microsoft.com/office/drawing/2017/decorative" xmlns="" val="1"/>
               </a:ext>
             </a:extLst>
           </p:cNvPr>
@@ -27594,7 +28812,7 @@
                 <a16:creationId xmlns:a16="http://schemas.microsoft.com/office/drawing/2014/main" id="{998D6E90-577B-4973-B60A-2700290E68B3}"/>
               </a:ext>
               <a:ext uri="{C183D7F6-B498-43B3-948B-1728B52AA6E4}">
-                <adec:decorative xmlns="" xmlns:adec="http://schemas.microsoft.com/office/drawing/2017/decorative" val="1"/>
+                <adec:decorative xmlns:adec="http://schemas.microsoft.com/office/drawing/2017/decorative" xmlns="" val="1"/>
               </a:ext>
             </a:extLst>
           </p:cNvPr>
@@ -27670,7 +28888,7 @@
                 <a16:creationId xmlns:a16="http://schemas.microsoft.com/office/drawing/2014/main" id="{3FA95682-BEE6-4B33-BA34-7E7BE49782DA}"/>
               </a:ext>
               <a:ext uri="{C183D7F6-B498-43B3-948B-1728B52AA6E4}">
-                <adec:decorative xmlns="" xmlns:adec="http://schemas.microsoft.com/office/drawing/2017/decorative" val="1"/>
+                <adec:decorative xmlns:adec="http://schemas.microsoft.com/office/drawing/2017/decorative" xmlns="" val="1"/>
               </a:ext>
             </a:extLst>
           </p:cNvPr>
@@ -35980,7 +37198,7 @@
         <p:spPr>
           <a:xfrm>
             <a:off x="3346493" y="2935609"/>
-            <a:ext cx="847119" cy="246221"/>
+            <a:ext cx="986777" cy="246221"/>
           </a:xfrm>
           <a:prstGeom prst="rect">
             <a:avLst/>
@@ -35994,7 +37212,7 @@
           <a:lstStyle/>
           <a:p>
             <a:r>
-              <a:rPr lang="ko-KR" altLang="en-US" sz="1000"/>
+              <a:rPr lang="ko-KR" altLang="en-US" sz="1000" dirty="0"/>
               <a:t>권장 섭취량</a:t>
             </a:r>
           </a:p>
